--- a/Elaborato.pptx
+++ b/Elaborato.pptx
@@ -5,7 +5,7 @@
     <p:sldMasterId id="2147483648" r:id="rId1"/>
   </p:sldMasterIdLst>
   <p:notesMasterIdLst>
-    <p:notesMasterId r:id="rId30"/>
+    <p:notesMasterId r:id="rId31"/>
   </p:notesMasterIdLst>
   <p:sldIdLst>
     <p:sldId id="256" r:id="rId2"/>
@@ -36,6 +36,7 @@
     <p:sldId id="279" r:id="rId27"/>
     <p:sldId id="265" r:id="rId28"/>
     <p:sldId id="293" r:id="rId29"/>
+    <p:sldId id="295" r:id="rId30"/>
   </p:sldIdLst>
   <p:sldSz cx="12192000" cy="6858000"/>
   <p:notesSz cx="6858000" cy="9144000"/>
@@ -224,7 +225,7 @@
           <a:p>
             <a:fld id="{1DE8640E-C8BB-493F-809A-8A125FAF6CF0}" type="datetimeFigureOut">
               <a:rPr lang="it-IT" smtClean="0"/>
-              <a:t>04/07/2021</a:t>
+              <a:t>05/07/2021</a:t>
             </a:fld>
             <a:endParaRPr lang="it-IT"/>
           </a:p>
@@ -638,7 +639,7 @@
           <a:p>
             <a:fld id="{DE368913-FD17-4872-89EF-DCB59A484BBC}" type="datetimeFigureOut">
               <a:rPr lang="it-IT" smtClean="0"/>
-              <a:t>04/07/2021</a:t>
+              <a:t>05/07/2021</a:t>
             </a:fld>
             <a:endParaRPr lang="it-IT"/>
           </a:p>
@@ -836,7 +837,7 @@
           <a:p>
             <a:fld id="{DE368913-FD17-4872-89EF-DCB59A484BBC}" type="datetimeFigureOut">
               <a:rPr lang="it-IT" smtClean="0"/>
-              <a:t>04/07/2021</a:t>
+              <a:t>05/07/2021</a:t>
             </a:fld>
             <a:endParaRPr lang="it-IT"/>
           </a:p>
@@ -1044,7 +1045,7 @@
           <a:p>
             <a:fld id="{DE368913-FD17-4872-89EF-DCB59A484BBC}" type="datetimeFigureOut">
               <a:rPr lang="it-IT" smtClean="0"/>
-              <a:t>04/07/2021</a:t>
+              <a:t>05/07/2021</a:t>
             </a:fld>
             <a:endParaRPr lang="it-IT"/>
           </a:p>
@@ -1242,7 +1243,7 @@
           <a:p>
             <a:fld id="{DE368913-FD17-4872-89EF-DCB59A484BBC}" type="datetimeFigureOut">
               <a:rPr lang="it-IT" smtClean="0"/>
-              <a:t>04/07/2021</a:t>
+              <a:t>05/07/2021</a:t>
             </a:fld>
             <a:endParaRPr lang="it-IT"/>
           </a:p>
@@ -1517,7 +1518,7 @@
           <a:p>
             <a:fld id="{DE368913-FD17-4872-89EF-DCB59A484BBC}" type="datetimeFigureOut">
               <a:rPr lang="it-IT" smtClean="0"/>
-              <a:t>04/07/2021</a:t>
+              <a:t>05/07/2021</a:t>
             </a:fld>
             <a:endParaRPr lang="it-IT"/>
           </a:p>
@@ -1782,7 +1783,7 @@
           <a:p>
             <a:fld id="{DE368913-FD17-4872-89EF-DCB59A484BBC}" type="datetimeFigureOut">
               <a:rPr lang="it-IT" smtClean="0"/>
-              <a:t>04/07/2021</a:t>
+              <a:t>05/07/2021</a:t>
             </a:fld>
             <a:endParaRPr lang="it-IT"/>
           </a:p>
@@ -2194,7 +2195,7 @@
           <a:p>
             <a:fld id="{DE368913-FD17-4872-89EF-DCB59A484BBC}" type="datetimeFigureOut">
               <a:rPr lang="it-IT" smtClean="0"/>
-              <a:t>04/07/2021</a:t>
+              <a:t>05/07/2021</a:t>
             </a:fld>
             <a:endParaRPr lang="it-IT"/>
           </a:p>
@@ -2335,7 +2336,7 @@
           <a:p>
             <a:fld id="{DE368913-FD17-4872-89EF-DCB59A484BBC}" type="datetimeFigureOut">
               <a:rPr lang="it-IT" smtClean="0"/>
-              <a:t>04/07/2021</a:t>
+              <a:t>05/07/2021</a:t>
             </a:fld>
             <a:endParaRPr lang="it-IT"/>
           </a:p>
@@ -2448,7 +2449,7 @@
           <a:p>
             <a:fld id="{DE368913-FD17-4872-89EF-DCB59A484BBC}" type="datetimeFigureOut">
               <a:rPr lang="it-IT" smtClean="0"/>
-              <a:t>04/07/2021</a:t>
+              <a:t>05/07/2021</a:t>
             </a:fld>
             <a:endParaRPr lang="it-IT"/>
           </a:p>
@@ -2759,7 +2760,7 @@
           <a:p>
             <a:fld id="{DE368913-FD17-4872-89EF-DCB59A484BBC}" type="datetimeFigureOut">
               <a:rPr lang="it-IT" smtClean="0"/>
-              <a:t>04/07/2021</a:t>
+              <a:t>05/07/2021</a:t>
             </a:fld>
             <a:endParaRPr lang="it-IT"/>
           </a:p>
@@ -3047,7 +3048,7 @@
           <a:p>
             <a:fld id="{DE368913-FD17-4872-89EF-DCB59A484BBC}" type="datetimeFigureOut">
               <a:rPr lang="it-IT" smtClean="0"/>
-              <a:t>04/07/2021</a:t>
+              <a:t>05/07/2021</a:t>
             </a:fld>
             <a:endParaRPr lang="it-IT"/>
           </a:p>
@@ -3288,7 +3289,7 @@
           <a:p>
             <a:fld id="{DE368913-FD17-4872-89EF-DCB59A484BBC}" type="datetimeFigureOut">
               <a:rPr lang="it-IT" smtClean="0"/>
-              <a:t>04/07/2021</a:t>
+              <a:t>05/07/2021</a:t>
             </a:fld>
             <a:endParaRPr lang="it-IT"/>
           </a:p>
@@ -3721,7 +3722,7 @@
                 <a16:creationId xmlns:a16="http://schemas.microsoft.com/office/drawing/2014/main" id="{CDA1A2E9-63FE-408D-A803-8E306ECAB4B3}"/>
               </a:ext>
               <a:ext uri="{C183D7F6-B498-43B3-948B-1728B52AA6E4}">
-                <adec:decorative xmlns:adec="http://schemas.microsoft.com/office/drawing/2017/decorative" val="1"/>
+                <adec:decorative xmlns:adec="http://schemas.microsoft.com/office/drawing/2017/decorative" xmlns="" val="1"/>
               </a:ext>
             </a:extLst>
           </p:cNvPr>
@@ -3827,7 +3828,7 @@
                 <a16:creationId xmlns:a16="http://schemas.microsoft.com/office/drawing/2014/main" id="{DAE8F46F-D590-45CD-AF41-A04DC11D1BB4}"/>
               </a:ext>
               <a:ext uri="{C183D7F6-B498-43B3-948B-1728B52AA6E4}">
-                <adec:decorative xmlns:adec="http://schemas.microsoft.com/office/drawing/2017/decorative" val="1"/>
+                <adec:decorative xmlns:adec="http://schemas.microsoft.com/office/drawing/2017/decorative" xmlns="" val="1"/>
               </a:ext>
             </a:extLst>
           </p:cNvPr>
@@ -3896,7 +3897,7 @@
                 <a16:creationId xmlns:a16="http://schemas.microsoft.com/office/drawing/2014/main" id="{FBE9F90C-C163-435B-9A68-D15C92D1CF2B}"/>
               </a:ext>
               <a:ext uri="{C183D7F6-B498-43B3-948B-1728B52AA6E4}">
-                <adec:decorative xmlns:adec="http://schemas.microsoft.com/office/drawing/2017/decorative" val="1"/>
+                <adec:decorative xmlns:adec="http://schemas.microsoft.com/office/drawing/2017/decorative" xmlns="" val="1"/>
               </a:ext>
             </a:extLst>
           </p:cNvPr>
@@ -4033,7 +4034,7 @@
                 <a16:creationId xmlns:a16="http://schemas.microsoft.com/office/drawing/2014/main" id="{1A882A9F-F4E9-4E23-8F0B-20B5DF42EAA9}"/>
               </a:ext>
               <a:ext uri="{C183D7F6-B498-43B3-948B-1728B52AA6E4}">
-                <adec:decorative xmlns:adec="http://schemas.microsoft.com/office/drawing/2017/decorative" val="1"/>
+                <adec:decorative xmlns:adec="http://schemas.microsoft.com/office/drawing/2017/decorative" xmlns="" val="1"/>
               </a:ext>
             </a:extLst>
           </p:cNvPr>
@@ -4405,7 +4406,7 @@
                 <a16:creationId xmlns:a16="http://schemas.microsoft.com/office/drawing/2014/main" id="{4038CB10-1F5C-4D54-9DF7-12586DE5B007}"/>
               </a:ext>
               <a:ext uri="{C183D7F6-B498-43B3-948B-1728B52AA6E4}">
-                <adec:decorative xmlns:adec="http://schemas.microsoft.com/office/drawing/2017/decorative" val="1"/>
+                <adec:decorative xmlns:adec="http://schemas.microsoft.com/office/drawing/2017/decorative" xmlns="" val="1"/>
               </a:ext>
             </a:extLst>
           </p:cNvPr>
@@ -4542,7 +4543,7 @@
                 <a16:creationId xmlns:a16="http://schemas.microsoft.com/office/drawing/2014/main" id="{36D30126-6314-4A93-B27E-5C66CF781924}"/>
               </a:ext>
               <a:ext uri="{C183D7F6-B498-43B3-948B-1728B52AA6E4}">
-                <adec:decorative xmlns:adec="http://schemas.microsoft.com/office/drawing/2017/decorative" val="1"/>
+                <adec:decorative xmlns:adec="http://schemas.microsoft.com/office/drawing/2017/decorative" xmlns="" val="1"/>
               </a:ext>
             </a:extLst>
           </p:cNvPr>
@@ -4607,7 +4608,7 @@
                 <a16:creationId xmlns:a16="http://schemas.microsoft.com/office/drawing/2014/main" id="{73ED6512-6858-4552-B699-9A97FE9A4EA2}"/>
               </a:ext>
               <a:ext uri="{C183D7F6-B498-43B3-948B-1728B52AA6E4}">
-                <adec:decorative xmlns:adec="http://schemas.microsoft.com/office/drawing/2017/decorative" val="1"/>
+                <adec:decorative xmlns:adec="http://schemas.microsoft.com/office/drawing/2017/decorative" xmlns="" val="1"/>
               </a:ext>
             </a:extLst>
           </p:cNvPr>
@@ -6104,7 +6105,7 @@
                 <a16:creationId xmlns:a16="http://schemas.microsoft.com/office/drawing/2014/main" id="{4038CB10-1F5C-4D54-9DF7-12586DE5B007}"/>
               </a:ext>
               <a:ext uri="{C183D7F6-B498-43B3-948B-1728B52AA6E4}">
-                <adec:decorative xmlns:adec="http://schemas.microsoft.com/office/drawing/2017/decorative" val="1"/>
+                <adec:decorative xmlns:adec="http://schemas.microsoft.com/office/drawing/2017/decorative" xmlns="" val="1"/>
               </a:ext>
             </a:extLst>
           </p:cNvPr>
@@ -6249,7 +6250,7 @@
                 <a16:creationId xmlns:a16="http://schemas.microsoft.com/office/drawing/2014/main" id="{36D30126-6314-4A93-B27E-5C66CF781924}"/>
               </a:ext>
               <a:ext uri="{C183D7F6-B498-43B3-948B-1728B52AA6E4}">
-                <adec:decorative xmlns:adec="http://schemas.microsoft.com/office/drawing/2017/decorative" val="1"/>
+                <adec:decorative xmlns:adec="http://schemas.microsoft.com/office/drawing/2017/decorative" xmlns="" val="1"/>
               </a:ext>
             </a:extLst>
           </p:cNvPr>
@@ -6314,7 +6315,7 @@
                 <a16:creationId xmlns:a16="http://schemas.microsoft.com/office/drawing/2014/main" id="{73ED6512-6858-4552-B699-9A97FE9A4EA2}"/>
               </a:ext>
               <a:ext uri="{C183D7F6-B498-43B3-948B-1728B52AA6E4}">
-                <adec:decorative xmlns:adec="http://schemas.microsoft.com/office/drawing/2017/decorative" val="1"/>
+                <adec:decorative xmlns:adec="http://schemas.microsoft.com/office/drawing/2017/decorative" xmlns="" val="1"/>
               </a:ext>
             </a:extLst>
           </p:cNvPr>
@@ -6696,7 +6697,7 @@
               <a:p>
                 <a:pPr algn="ctr"/>
                 <a:r>
-                  <a:rPr lang="it-IT" sz="1200"/>
+                  <a:rPr lang="it-IT" sz="1200" dirty="0"/>
                   <a:t>Partenza nuovo camion e aggiunta del nodo deposito alla soluzione parziale </a:t>
                 </a:r>
               </a:p>
@@ -6892,7 +6893,7 @@
               <a:p>
                 <a:pPr algn="ctr"/>
                 <a:r>
-                  <a:rPr lang="it-IT" sz="1200"/>
+                  <a:rPr lang="it-IT" sz="1200" dirty="0"/>
                   <a:t>Il camion può raggiungere altri nodi?</a:t>
                 </a:r>
               </a:p>
@@ -7313,7 +7314,7 @@
               <a:p>
                 <a:pPr algn="ctr"/>
                 <a:r>
-                  <a:rPr lang="it-IT" sz="1400">
+                  <a:rPr lang="it-IT" sz="1400" dirty="0">
                     <a:solidFill>
                       <a:schemeClr val="accent1">
                         <a:lumMod val="75000"/>
@@ -7322,7 +7323,7 @@
                   </a:rPr>
                   <a:t>Sì</a:t>
                 </a:r>
-                <a:endParaRPr lang="it-IT">
+                <a:endParaRPr lang="it-IT" dirty="0">
                   <a:solidFill>
                     <a:schemeClr val="accent1">
                       <a:lumMod val="75000"/>
@@ -7362,7 +7363,7 @@
               <a:p>
                 <a:pPr algn="ctr"/>
                 <a:r>
-                  <a:rPr lang="it-IT" sz="1400">
+                  <a:rPr lang="it-IT" sz="1400" dirty="0">
                     <a:solidFill>
                       <a:schemeClr val="accent1">
                         <a:lumMod val="75000"/>
@@ -7371,7 +7372,7 @@
                   </a:rPr>
                   <a:t>No</a:t>
                 </a:r>
-                <a:endParaRPr lang="it-IT">
+                <a:endParaRPr lang="it-IT" dirty="0">
                   <a:solidFill>
                     <a:schemeClr val="accent1">
                       <a:lumMod val="75000"/>
@@ -7762,7 +7763,7 @@
                 <a16:creationId xmlns:a16="http://schemas.microsoft.com/office/drawing/2014/main" id="{4038CB10-1F5C-4D54-9DF7-12586DE5B007}"/>
               </a:ext>
               <a:ext uri="{C183D7F6-B498-43B3-948B-1728B52AA6E4}">
-                <adec:decorative xmlns:adec="http://schemas.microsoft.com/office/drawing/2017/decorative" val="1"/>
+                <adec:decorative xmlns:adec="http://schemas.microsoft.com/office/drawing/2017/decorative" xmlns="" val="1"/>
               </a:ext>
             </a:extLst>
           </p:cNvPr>
@@ -7894,7 +7895,7 @@
                 <a16:creationId xmlns:a16="http://schemas.microsoft.com/office/drawing/2014/main" id="{36D30126-6314-4A93-B27E-5C66CF781924}"/>
               </a:ext>
               <a:ext uri="{C183D7F6-B498-43B3-948B-1728B52AA6E4}">
-                <adec:decorative xmlns:adec="http://schemas.microsoft.com/office/drawing/2017/decorative" val="1"/>
+                <adec:decorative xmlns:adec="http://schemas.microsoft.com/office/drawing/2017/decorative" xmlns="" val="1"/>
               </a:ext>
             </a:extLst>
           </p:cNvPr>
@@ -7959,7 +7960,7 @@
                 <a16:creationId xmlns:a16="http://schemas.microsoft.com/office/drawing/2014/main" id="{73ED6512-6858-4552-B699-9A97FE9A4EA2}"/>
               </a:ext>
               <a:ext uri="{C183D7F6-B498-43B3-948B-1728B52AA6E4}">
-                <adec:decorative xmlns:adec="http://schemas.microsoft.com/office/drawing/2017/decorative" val="1"/>
+                <adec:decorative xmlns:adec="http://schemas.microsoft.com/office/drawing/2017/decorative" xmlns="" val="1"/>
               </a:ext>
             </a:extLst>
           </p:cNvPr>
@@ -8944,7 +8945,7 @@
                 <a16:creationId xmlns:a16="http://schemas.microsoft.com/office/drawing/2014/main" id="{4038CB10-1F5C-4D54-9DF7-12586DE5B007}"/>
               </a:ext>
               <a:ext uri="{C183D7F6-B498-43B3-948B-1728B52AA6E4}">
-                <adec:decorative xmlns:adec="http://schemas.microsoft.com/office/drawing/2017/decorative" val="1"/>
+                <adec:decorative xmlns:adec="http://schemas.microsoft.com/office/drawing/2017/decorative" xmlns="" val="1"/>
               </a:ext>
             </a:extLst>
           </p:cNvPr>
@@ -9089,7 +9090,7 @@
                 <a16:creationId xmlns:a16="http://schemas.microsoft.com/office/drawing/2014/main" id="{36D30126-6314-4A93-B27E-5C66CF781924}"/>
               </a:ext>
               <a:ext uri="{C183D7F6-B498-43B3-948B-1728B52AA6E4}">
-                <adec:decorative xmlns:adec="http://schemas.microsoft.com/office/drawing/2017/decorative" val="1"/>
+                <adec:decorative xmlns:adec="http://schemas.microsoft.com/office/drawing/2017/decorative" xmlns="" val="1"/>
               </a:ext>
             </a:extLst>
           </p:cNvPr>
@@ -9154,7 +9155,7 @@
                 <a16:creationId xmlns:a16="http://schemas.microsoft.com/office/drawing/2014/main" id="{73ED6512-6858-4552-B699-9A97FE9A4EA2}"/>
               </a:ext>
               <a:ext uri="{C183D7F6-B498-43B3-948B-1728B52AA6E4}">
-                <adec:decorative xmlns:adec="http://schemas.microsoft.com/office/drawing/2017/decorative" val="1"/>
+                <adec:decorative xmlns:adec="http://schemas.microsoft.com/office/drawing/2017/decorative" xmlns="" val="1"/>
               </a:ext>
             </a:extLst>
           </p:cNvPr>
@@ -9501,7 +9502,7 @@
                 <a16:creationId xmlns:a16="http://schemas.microsoft.com/office/drawing/2014/main" id="{4038CB10-1F5C-4D54-9DF7-12586DE5B007}"/>
               </a:ext>
               <a:ext uri="{C183D7F6-B498-43B3-948B-1728B52AA6E4}">
-                <adec:decorative xmlns:adec="http://schemas.microsoft.com/office/drawing/2017/decorative" val="1"/>
+                <adec:decorative xmlns:adec="http://schemas.microsoft.com/office/drawing/2017/decorative" xmlns="" val="1"/>
               </a:ext>
             </a:extLst>
           </p:cNvPr>
@@ -9638,7 +9639,7 @@
                 <a16:creationId xmlns:a16="http://schemas.microsoft.com/office/drawing/2014/main" id="{36D30126-6314-4A93-B27E-5C66CF781924}"/>
               </a:ext>
               <a:ext uri="{C183D7F6-B498-43B3-948B-1728B52AA6E4}">
-                <adec:decorative xmlns:adec="http://schemas.microsoft.com/office/drawing/2017/decorative" val="1"/>
+                <adec:decorative xmlns:adec="http://schemas.microsoft.com/office/drawing/2017/decorative" xmlns="" val="1"/>
               </a:ext>
             </a:extLst>
           </p:cNvPr>
@@ -9703,7 +9704,7 @@
                 <a16:creationId xmlns:a16="http://schemas.microsoft.com/office/drawing/2014/main" id="{73ED6512-6858-4552-B699-9A97FE9A4EA2}"/>
               </a:ext>
               <a:ext uri="{C183D7F6-B498-43B3-948B-1728B52AA6E4}">
-                <adec:decorative xmlns:adec="http://schemas.microsoft.com/office/drawing/2017/decorative" val="1"/>
+                <adec:decorative xmlns:adec="http://schemas.microsoft.com/office/drawing/2017/decorative" xmlns="" val="1"/>
               </a:ext>
             </a:extLst>
           </p:cNvPr>
@@ -9975,7 +9976,7 @@
                 <a16:creationId xmlns:a16="http://schemas.microsoft.com/office/drawing/2014/main" id="{4038CB10-1F5C-4D54-9DF7-12586DE5B007}"/>
               </a:ext>
               <a:ext uri="{C183D7F6-B498-43B3-948B-1728B52AA6E4}">
-                <adec:decorative xmlns:adec="http://schemas.microsoft.com/office/drawing/2017/decorative" val="1"/>
+                <adec:decorative xmlns:adec="http://schemas.microsoft.com/office/drawing/2017/decorative" xmlns="" val="1"/>
               </a:ext>
             </a:extLst>
           </p:cNvPr>
@@ -10136,7 +10137,7 @@
                 <a16:creationId xmlns:a16="http://schemas.microsoft.com/office/drawing/2014/main" id="{36D30126-6314-4A93-B27E-5C66CF781924}"/>
               </a:ext>
               <a:ext uri="{C183D7F6-B498-43B3-948B-1728B52AA6E4}">
-                <adec:decorative xmlns:adec="http://schemas.microsoft.com/office/drawing/2017/decorative" val="1"/>
+                <adec:decorative xmlns:adec="http://schemas.microsoft.com/office/drawing/2017/decorative" xmlns="" val="1"/>
               </a:ext>
             </a:extLst>
           </p:cNvPr>
@@ -10201,7 +10202,7 @@
                 <a16:creationId xmlns:a16="http://schemas.microsoft.com/office/drawing/2014/main" id="{73ED6512-6858-4552-B699-9A97FE9A4EA2}"/>
               </a:ext>
               <a:ext uri="{C183D7F6-B498-43B3-948B-1728B52AA6E4}">
-                <adec:decorative xmlns:adec="http://schemas.microsoft.com/office/drawing/2017/decorative" val="1"/>
+                <adec:decorative xmlns:adec="http://schemas.microsoft.com/office/drawing/2017/decorative" xmlns="" val="1"/>
               </a:ext>
             </a:extLst>
           </p:cNvPr>
@@ -15233,7 +15234,7 @@
                 <a16:creationId xmlns:a16="http://schemas.microsoft.com/office/drawing/2014/main" id="{4038CB10-1F5C-4D54-9DF7-12586DE5B007}"/>
               </a:ext>
               <a:ext uri="{C183D7F6-B498-43B3-948B-1728B52AA6E4}">
-                <adec:decorative xmlns:adec="http://schemas.microsoft.com/office/drawing/2017/decorative" val="1"/>
+                <adec:decorative xmlns:adec="http://schemas.microsoft.com/office/drawing/2017/decorative" xmlns="" val="1"/>
               </a:ext>
             </a:extLst>
           </p:cNvPr>
@@ -15381,7 +15382,7 @@
                 <a16:creationId xmlns:a16="http://schemas.microsoft.com/office/drawing/2014/main" id="{36D30126-6314-4A93-B27E-5C66CF781924}"/>
               </a:ext>
               <a:ext uri="{C183D7F6-B498-43B3-948B-1728B52AA6E4}">
-                <adec:decorative xmlns:adec="http://schemas.microsoft.com/office/drawing/2017/decorative" val="1"/>
+                <adec:decorative xmlns:adec="http://schemas.microsoft.com/office/drawing/2017/decorative" xmlns="" val="1"/>
               </a:ext>
             </a:extLst>
           </p:cNvPr>
@@ -15446,7 +15447,7 @@
                 <a16:creationId xmlns:a16="http://schemas.microsoft.com/office/drawing/2014/main" id="{73ED6512-6858-4552-B699-9A97FE9A4EA2}"/>
               </a:ext>
               <a:ext uri="{C183D7F6-B498-43B3-948B-1728B52AA6E4}">
-                <adec:decorative xmlns:adec="http://schemas.microsoft.com/office/drawing/2017/decorative" val="1"/>
+                <adec:decorative xmlns:adec="http://schemas.microsoft.com/office/drawing/2017/decorative" xmlns="" val="1"/>
               </a:ext>
             </a:extLst>
           </p:cNvPr>
@@ -18677,7 +18678,7 @@
                 <a16:creationId xmlns:a16="http://schemas.microsoft.com/office/drawing/2014/main" id="{4038CB10-1F5C-4D54-9DF7-12586DE5B007}"/>
               </a:ext>
               <a:ext uri="{C183D7F6-B498-43B3-948B-1728B52AA6E4}">
-                <adec:decorative xmlns:adec="http://schemas.microsoft.com/office/drawing/2017/decorative" val="1"/>
+                <adec:decorative xmlns:adec="http://schemas.microsoft.com/office/drawing/2017/decorative" xmlns="" val="1"/>
               </a:ext>
             </a:extLst>
           </p:cNvPr>
@@ -18822,7 +18823,7 @@
                 <a16:creationId xmlns:a16="http://schemas.microsoft.com/office/drawing/2014/main" id="{36D30126-6314-4A93-B27E-5C66CF781924}"/>
               </a:ext>
               <a:ext uri="{C183D7F6-B498-43B3-948B-1728B52AA6E4}">
-                <adec:decorative xmlns:adec="http://schemas.microsoft.com/office/drawing/2017/decorative" val="1"/>
+                <adec:decorative xmlns:adec="http://schemas.microsoft.com/office/drawing/2017/decorative" xmlns="" val="1"/>
               </a:ext>
             </a:extLst>
           </p:cNvPr>
@@ -18887,7 +18888,7 @@
                 <a16:creationId xmlns:a16="http://schemas.microsoft.com/office/drawing/2014/main" id="{73ED6512-6858-4552-B699-9A97FE9A4EA2}"/>
               </a:ext>
               <a:ext uri="{C183D7F6-B498-43B3-948B-1728B52AA6E4}">
-                <adec:decorative xmlns:adec="http://schemas.microsoft.com/office/drawing/2017/decorative" val="1"/>
+                <adec:decorative xmlns:adec="http://schemas.microsoft.com/office/drawing/2017/decorative" xmlns="" val="1"/>
               </a:ext>
             </a:extLst>
           </p:cNvPr>
@@ -20730,7 +20731,7 @@
                 <a16:creationId xmlns:a16="http://schemas.microsoft.com/office/drawing/2014/main" id="{4038CB10-1F5C-4D54-9DF7-12586DE5B007}"/>
               </a:ext>
               <a:ext uri="{C183D7F6-B498-43B3-948B-1728B52AA6E4}">
-                <adec:decorative xmlns:adec="http://schemas.microsoft.com/office/drawing/2017/decorative" val="1"/>
+                <adec:decorative xmlns:adec="http://schemas.microsoft.com/office/drawing/2017/decorative" xmlns="" val="1"/>
               </a:ext>
             </a:extLst>
           </p:cNvPr>
@@ -20891,7 +20892,7 @@
                 <a16:creationId xmlns:a16="http://schemas.microsoft.com/office/drawing/2014/main" id="{36D30126-6314-4A93-B27E-5C66CF781924}"/>
               </a:ext>
               <a:ext uri="{C183D7F6-B498-43B3-948B-1728B52AA6E4}">
-                <adec:decorative xmlns:adec="http://schemas.microsoft.com/office/drawing/2017/decorative" val="1"/>
+                <adec:decorative xmlns:adec="http://schemas.microsoft.com/office/drawing/2017/decorative" xmlns="" val="1"/>
               </a:ext>
             </a:extLst>
           </p:cNvPr>
@@ -20956,7 +20957,7 @@
                 <a16:creationId xmlns:a16="http://schemas.microsoft.com/office/drawing/2014/main" id="{73ED6512-6858-4552-B699-9A97FE9A4EA2}"/>
               </a:ext>
               <a:ext uri="{C183D7F6-B498-43B3-948B-1728B52AA6E4}">
-                <adec:decorative xmlns:adec="http://schemas.microsoft.com/office/drawing/2017/decorative" val="1"/>
+                <adec:decorative xmlns:adec="http://schemas.microsoft.com/office/drawing/2017/decorative" xmlns="" val="1"/>
               </a:ext>
             </a:extLst>
           </p:cNvPr>
@@ -22922,7 +22923,7 @@
                 <a16:creationId xmlns:a16="http://schemas.microsoft.com/office/drawing/2014/main" id="{4038CB10-1F5C-4D54-9DF7-12586DE5B007}"/>
               </a:ext>
               <a:ext uri="{C183D7F6-B498-43B3-948B-1728B52AA6E4}">
-                <adec:decorative xmlns:adec="http://schemas.microsoft.com/office/drawing/2017/decorative" val="1"/>
+                <adec:decorative xmlns:adec="http://schemas.microsoft.com/office/drawing/2017/decorative" xmlns="" val="1"/>
               </a:ext>
             </a:extLst>
           </p:cNvPr>
@@ -23067,7 +23068,7 @@
                 <a16:creationId xmlns:a16="http://schemas.microsoft.com/office/drawing/2014/main" id="{36D30126-6314-4A93-B27E-5C66CF781924}"/>
               </a:ext>
               <a:ext uri="{C183D7F6-B498-43B3-948B-1728B52AA6E4}">
-                <adec:decorative xmlns:adec="http://schemas.microsoft.com/office/drawing/2017/decorative" val="1"/>
+                <adec:decorative xmlns:adec="http://schemas.microsoft.com/office/drawing/2017/decorative" xmlns="" val="1"/>
               </a:ext>
             </a:extLst>
           </p:cNvPr>
@@ -23132,7 +23133,7 @@
                 <a16:creationId xmlns:a16="http://schemas.microsoft.com/office/drawing/2014/main" id="{73ED6512-6858-4552-B699-9A97FE9A4EA2}"/>
               </a:ext>
               <a:ext uri="{C183D7F6-B498-43B3-948B-1728B52AA6E4}">
-                <adec:decorative xmlns:adec="http://schemas.microsoft.com/office/drawing/2017/decorative" val="1"/>
+                <adec:decorative xmlns:adec="http://schemas.microsoft.com/office/drawing/2017/decorative" xmlns="" val="1"/>
               </a:ext>
             </a:extLst>
           </p:cNvPr>
@@ -25026,7 +25027,7 @@
                 <a16:creationId xmlns:a16="http://schemas.microsoft.com/office/drawing/2014/main" id="{4038CB10-1F5C-4D54-9DF7-12586DE5B007}"/>
               </a:ext>
               <a:ext uri="{C183D7F6-B498-43B3-948B-1728B52AA6E4}">
-                <adec:decorative xmlns:adec="http://schemas.microsoft.com/office/drawing/2017/decorative" val="1"/>
+                <adec:decorative xmlns:adec="http://schemas.microsoft.com/office/drawing/2017/decorative" xmlns="" val="1"/>
               </a:ext>
             </a:extLst>
           </p:cNvPr>
@@ -25163,7 +25164,7 @@
                 <a16:creationId xmlns:a16="http://schemas.microsoft.com/office/drawing/2014/main" id="{36D30126-6314-4A93-B27E-5C66CF781924}"/>
               </a:ext>
               <a:ext uri="{C183D7F6-B498-43B3-948B-1728B52AA6E4}">
-                <adec:decorative xmlns:adec="http://schemas.microsoft.com/office/drawing/2017/decorative" val="1"/>
+                <adec:decorative xmlns:adec="http://schemas.microsoft.com/office/drawing/2017/decorative" xmlns="" val="1"/>
               </a:ext>
             </a:extLst>
           </p:cNvPr>
@@ -25228,7 +25229,7 @@
                 <a16:creationId xmlns:a16="http://schemas.microsoft.com/office/drawing/2014/main" id="{73ED6512-6858-4552-B699-9A97FE9A4EA2}"/>
               </a:ext>
               <a:ext uri="{C183D7F6-B498-43B3-948B-1728B52AA6E4}">
-                <adec:decorative xmlns:adec="http://schemas.microsoft.com/office/drawing/2017/decorative" val="1"/>
+                <adec:decorative xmlns:adec="http://schemas.microsoft.com/office/drawing/2017/decorative" xmlns="" val="1"/>
               </a:ext>
             </a:extLst>
           </p:cNvPr>
@@ -26183,7 +26184,7 @@
                 <a16:creationId xmlns:a16="http://schemas.microsoft.com/office/drawing/2014/main" id="{4038CB10-1F5C-4D54-9DF7-12586DE5B007}"/>
               </a:ext>
               <a:ext uri="{C183D7F6-B498-43B3-948B-1728B52AA6E4}">
-                <adec:decorative xmlns:adec="http://schemas.microsoft.com/office/drawing/2017/decorative" val="1"/>
+                <adec:decorative xmlns:adec="http://schemas.microsoft.com/office/drawing/2017/decorative" xmlns="" val="1"/>
               </a:ext>
             </a:extLst>
           </p:cNvPr>
@@ -26320,7 +26321,7 @@
                 <a16:creationId xmlns:a16="http://schemas.microsoft.com/office/drawing/2014/main" id="{36D30126-6314-4A93-B27E-5C66CF781924}"/>
               </a:ext>
               <a:ext uri="{C183D7F6-B498-43B3-948B-1728B52AA6E4}">
-                <adec:decorative xmlns:adec="http://schemas.microsoft.com/office/drawing/2017/decorative" val="1"/>
+                <adec:decorative xmlns:adec="http://schemas.microsoft.com/office/drawing/2017/decorative" xmlns="" val="1"/>
               </a:ext>
             </a:extLst>
           </p:cNvPr>
@@ -26385,7 +26386,7 @@
                 <a16:creationId xmlns:a16="http://schemas.microsoft.com/office/drawing/2014/main" id="{73ED6512-6858-4552-B699-9A97FE9A4EA2}"/>
               </a:ext>
               <a:ext uri="{C183D7F6-B498-43B3-948B-1728B52AA6E4}">
-                <adec:decorative xmlns:adec="http://schemas.microsoft.com/office/drawing/2017/decorative" val="1"/>
+                <adec:decorative xmlns:adec="http://schemas.microsoft.com/office/drawing/2017/decorative" xmlns="" val="1"/>
               </a:ext>
             </a:extLst>
           </p:cNvPr>
@@ -27043,7 +27044,7 @@
                 <a16:creationId xmlns:a16="http://schemas.microsoft.com/office/drawing/2014/main" id="{4038CB10-1F5C-4D54-9DF7-12586DE5B007}"/>
               </a:ext>
               <a:ext uri="{C183D7F6-B498-43B3-948B-1728B52AA6E4}">
-                <adec:decorative xmlns:adec="http://schemas.microsoft.com/office/drawing/2017/decorative" val="1"/>
+                <adec:decorative xmlns:adec="http://schemas.microsoft.com/office/drawing/2017/decorative" xmlns="" val="1"/>
               </a:ext>
             </a:extLst>
           </p:cNvPr>
@@ -27180,7 +27181,7 @@
                 <a16:creationId xmlns:a16="http://schemas.microsoft.com/office/drawing/2014/main" id="{36D30126-6314-4A93-B27E-5C66CF781924}"/>
               </a:ext>
               <a:ext uri="{C183D7F6-B498-43B3-948B-1728B52AA6E4}">
-                <adec:decorative xmlns:adec="http://schemas.microsoft.com/office/drawing/2017/decorative" val="1"/>
+                <adec:decorative xmlns:adec="http://schemas.microsoft.com/office/drawing/2017/decorative" xmlns="" val="1"/>
               </a:ext>
             </a:extLst>
           </p:cNvPr>
@@ -27245,7 +27246,7 @@
                 <a16:creationId xmlns:a16="http://schemas.microsoft.com/office/drawing/2014/main" id="{73ED6512-6858-4552-B699-9A97FE9A4EA2}"/>
               </a:ext>
               <a:ext uri="{C183D7F6-B498-43B3-948B-1728B52AA6E4}">
-                <adec:decorative xmlns:adec="http://schemas.microsoft.com/office/drawing/2017/decorative" val="1"/>
+                <adec:decorative xmlns:adec="http://schemas.microsoft.com/office/drawing/2017/decorative" xmlns="" val="1"/>
               </a:ext>
             </a:extLst>
           </p:cNvPr>
@@ -27358,7 +27359,7 @@
           <a:lstStyle/>
           <a:p>
             <a:r>
-              <a:rPr lang="it-IT" sz="1800" b="1">
+              <a:rPr lang="it-IT" sz="1800" b="1" dirty="0">
                 <a:solidFill>
                   <a:srgbClr val="FFFFFF"/>
                 </a:solidFill>
@@ -27366,18 +27367,13 @@
               <a:t>Variabili </a:t>
             </a:r>
             <a:r>
-              <a:rPr lang="it-IT" sz="1900" b="1">
+              <a:rPr lang="it-IT" sz="1900" b="1" dirty="0">
                 <a:solidFill>
                   <a:srgbClr val="FFFFFF"/>
                 </a:solidFill>
               </a:rPr>
               <a:t>: </a:t>
             </a:r>
-            <a:endParaRPr lang="it-IT" sz="1900" b="1" dirty="0">
-              <a:solidFill>
-                <a:srgbClr val="FFFFFF"/>
-              </a:solidFill>
-            </a:endParaRPr>
           </a:p>
           <a:p>
             <a:pPr lvl="1">
@@ -27385,7 +27381,7 @@
               <a:buChar char="Ø"/>
             </a:pPr>
             <a:r>
-              <a:rPr lang="it-IT" sz="1400" b="1" i="1">
+              <a:rPr lang="it-IT" sz="1400" b="1" i="1" dirty="0" err="1">
                 <a:solidFill>
                   <a:srgbClr val="FFFFFF"/>
                 </a:solidFill>
@@ -27393,7 +27389,7 @@
               <a:t>Istance</a:t>
             </a:r>
             <a:r>
-              <a:rPr lang="it-IT" sz="1400" i="1">
+              <a:rPr lang="it-IT" sz="1400" i="1" dirty="0">
                 <a:solidFill>
                   <a:srgbClr val="FFFFFF"/>
                 </a:solidFill>
@@ -27401,20 +27397,12 @@
               <a:t> </a:t>
             </a:r>
             <a:r>
-              <a:rPr lang="it-IT" sz="1400">
-                <a:solidFill>
-                  <a:srgbClr val="FFFFFF"/>
-                </a:solidFill>
-              </a:rPr>
-              <a:t>: </a:t>
-            </a:r>
-            <a:r>
               <a:rPr lang="it-IT" sz="1400" dirty="0">
                 <a:solidFill>
                   <a:srgbClr val="FFFFFF"/>
                 </a:solidFill>
               </a:rPr>
-              <a:t>istanza del problema di CVRPTW da analizzare.</a:t>
+              <a:t>: istanza del problema di CVRPTW da analizzare.</a:t>
             </a:r>
           </a:p>
           <a:p>
@@ -27423,7 +27411,7 @@
               <a:buChar char="Ø"/>
             </a:pPr>
             <a:r>
-              <a:rPr lang="it-IT" sz="1400" b="1" i="1">
+              <a:rPr lang="it-IT" sz="1400" b="1" i="1" dirty="0" err="1">
                 <a:solidFill>
                   <a:srgbClr val="FFFFFF"/>
                 </a:solidFill>
@@ -27431,7 +27419,7 @@
               <a:t>Population</a:t>
             </a:r>
             <a:r>
-              <a:rPr lang="it-IT" sz="1400" b="1">
+              <a:rPr lang="it-IT" sz="1400" b="1" dirty="0">
                 <a:solidFill>
                   <a:srgbClr val="FFFFFF"/>
                 </a:solidFill>
@@ -27439,13 +27427,139 @@
               <a:t> </a:t>
             </a:r>
             <a:r>
-              <a:rPr lang="it-IT" sz="1400">
+              <a:rPr lang="it-IT" sz="1400" dirty="0">
                 <a:solidFill>
                   <a:srgbClr val="FFFFFF"/>
                 </a:solidFill>
               </a:rPr>
               <a:t>: popolazione di soluzioni . </a:t>
             </a:r>
+          </a:p>
+          <a:p>
+            <a:r>
+              <a:rPr lang="it-IT" sz="1800" b="1" dirty="0">
+                <a:solidFill>
+                  <a:srgbClr val="FFFFFF"/>
+                </a:solidFill>
+              </a:rPr>
+              <a:t>Funzioni </a:t>
+            </a:r>
+            <a:r>
+              <a:rPr lang="it-IT" sz="1900" b="1" dirty="0">
+                <a:solidFill>
+                  <a:srgbClr val="FFFFFF"/>
+                </a:solidFill>
+              </a:rPr>
+              <a:t>:</a:t>
+            </a:r>
+          </a:p>
+          <a:p>
+            <a:pPr lvl="1">
+              <a:buFont typeface="Wingdings" panose="05000000000000000000" pitchFamily="2" charset="2"/>
+              <a:buChar char="Ø"/>
+            </a:pPr>
+            <a:r>
+              <a:rPr lang="it-IT" sz="1400" b="1" i="1" dirty="0" err="1">
+                <a:solidFill>
+                  <a:srgbClr val="FFFFFF"/>
+                </a:solidFill>
+              </a:rPr>
+              <a:t>Gen_starting_population_MDPDF</a:t>
+            </a:r>
+            <a:r>
+              <a:rPr lang="it-IT" sz="1400" b="1" i="1" dirty="0">
+                <a:solidFill>
+                  <a:srgbClr val="FFFFFF"/>
+                </a:solidFill>
+              </a:rPr>
+              <a:t>/EDF/NF</a:t>
+            </a:r>
+            <a:r>
+              <a:rPr lang="it-IT" sz="1400" dirty="0">
+                <a:solidFill>
+                  <a:srgbClr val="FFFFFF"/>
+                </a:solidFill>
+              </a:rPr>
+              <a:t>: genera la popolazione iniziale con l’euristica MDPDF/EDF/NF. </a:t>
+            </a:r>
+          </a:p>
+          <a:p>
+            <a:pPr lvl="1">
+              <a:buFont typeface="Wingdings" panose="05000000000000000000" pitchFamily="2" charset="2"/>
+              <a:buChar char="Ø"/>
+            </a:pPr>
+            <a:r>
+              <a:rPr lang="it-IT" sz="1400" b="1" i="1" dirty="0" err="1">
+                <a:solidFill>
+                  <a:srgbClr val="FFFFFF"/>
+                </a:solidFill>
+              </a:rPr>
+              <a:t>Start_algorithm</a:t>
+            </a:r>
+            <a:r>
+              <a:rPr lang="it-IT" sz="1400" dirty="0">
+                <a:solidFill>
+                  <a:srgbClr val="FFFFFF"/>
+                </a:solidFill>
+              </a:rPr>
+              <a:t>: avvia l’algoritmo genetico, a tale funzione andranno passati come parametro i valori di : numero minimo di </a:t>
+            </a:r>
+            <a:r>
+              <a:rPr lang="it-IT" sz="1400" dirty="0" smtClean="0">
+                <a:solidFill>
+                  <a:srgbClr val="FFFFFF"/>
+                </a:solidFill>
+              </a:rPr>
+              <a:t>iterazioni, </a:t>
+            </a:r>
+            <a:r>
+              <a:rPr lang="it-IT" sz="1400" dirty="0">
+                <a:solidFill>
+                  <a:srgbClr val="FFFFFF"/>
+                </a:solidFill>
+              </a:rPr>
+              <a:t>probabilità di </a:t>
+            </a:r>
+            <a:r>
+              <a:rPr lang="it-IT" sz="1400" dirty="0" smtClean="0">
+                <a:solidFill>
+                  <a:srgbClr val="FFFFFF"/>
+                </a:solidFill>
+              </a:rPr>
+              <a:t>mutazione, dimensione della mutazione e </a:t>
+            </a:r>
+            <a:r>
+              <a:rPr lang="it-IT" sz="1400" dirty="0" err="1" smtClean="0">
+                <a:solidFill>
+                  <a:srgbClr val="FFFFFF"/>
+                </a:solidFill>
+              </a:rPr>
+              <a:t>demnsioni</a:t>
+            </a:r>
+            <a:r>
+              <a:rPr lang="it-IT" sz="1400" dirty="0" smtClean="0">
+                <a:solidFill>
+                  <a:srgbClr val="FFFFFF"/>
+                </a:solidFill>
+              </a:rPr>
+              <a:t> </a:t>
+            </a:r>
+            <a:r>
+              <a:rPr lang="it-IT" sz="1400" dirty="0">
+                <a:solidFill>
+                  <a:srgbClr val="FFFFFF"/>
+                </a:solidFill>
+              </a:rPr>
+              <a:t>di mutazione e </a:t>
+            </a:r>
+            <a:r>
+              <a:rPr lang="it-IT" sz="1400" dirty="0" smtClean="0">
+                <a:solidFill>
+                  <a:srgbClr val="FFFFFF"/>
+                </a:solidFill>
+              </a:rPr>
+              <a:t>crossover.</a:t>
+            </a:r>
             <a:endParaRPr lang="it-IT" sz="1400" dirty="0">
               <a:solidFill>
                 <a:srgbClr val="FFFFFF"/>
@@ -27453,70 +27567,41 @@
             </a:endParaRPr>
           </a:p>
           <a:p>
-            <a:r>
-              <a:rPr lang="it-IT" sz="1800" b="1">
+            <a:pPr lvl="1">
+              <a:buFont typeface="Wingdings" panose="05000000000000000000" pitchFamily="2" charset="2"/>
+              <a:buChar char="Ø"/>
+            </a:pPr>
+            <a:r>
+              <a:rPr lang="it-IT" sz="1400" b="1" i="1" dirty="0" err="1">
                 <a:solidFill>
                   <a:srgbClr val="FFFFFF"/>
                 </a:solidFill>
               </a:rPr>
-              <a:t>Funzioni </a:t>
-            </a:r>
-            <a:r>
-              <a:rPr lang="it-IT" sz="1900" b="1">
+              <a:t>Compute_cumulative_fitness</a:t>
+            </a:r>
+            <a:r>
+              <a:rPr lang="it-IT" sz="1400" b="1" i="1" dirty="0">
                 <a:solidFill>
                   <a:srgbClr val="FFFFFF"/>
                 </a:solidFill>
               </a:rPr>
-              <a:t>:</a:t>
-            </a:r>
-            <a:endParaRPr lang="it-IT" sz="1900" b="1" dirty="0">
-              <a:solidFill>
-                <a:srgbClr val="FFFFFF"/>
-              </a:solidFill>
-            </a:endParaRPr>
-          </a:p>
-          <a:p>
-            <a:pPr lvl="1">
-              <a:buFont typeface="Wingdings" panose="05000000000000000000" pitchFamily="2" charset="2"/>
-              <a:buChar char="Ø"/>
-            </a:pPr>
-            <a:r>
-              <a:rPr lang="it-IT" sz="1400" b="1" i="1">
+              <a:t> : </a:t>
+            </a:r>
+            <a:r>
+              <a:rPr lang="it-IT" sz="1400" dirty="0">
                 <a:solidFill>
                   <a:srgbClr val="FFFFFF"/>
                 </a:solidFill>
               </a:rPr>
-              <a:t>Gen_starting_population_MDPDF/EDF/NF</a:t>
-            </a:r>
-            <a:r>
-              <a:rPr lang="it-IT" sz="1400">
+              <a:t>calcola la lista di fitness cumulate .</a:t>
+            </a:r>
+            <a:r>
+              <a:rPr lang="it-IT" sz="1400" b="1" i="1" dirty="0">
                 <a:solidFill>
                   <a:srgbClr val="FFFFFF"/>
                 </a:solidFill>
               </a:rPr>
-              <a:t>: genera la popolazione iniziale con l’euristica MDPDF/EDF/NF. </a:t>
-            </a:r>
-          </a:p>
-          <a:p>
-            <a:pPr lvl="1">
-              <a:buFont typeface="Wingdings" panose="05000000000000000000" pitchFamily="2" charset="2"/>
-              <a:buChar char="Ø"/>
-            </a:pPr>
-            <a:r>
-              <a:rPr lang="it-IT" sz="1400" b="1" i="1">
-                <a:solidFill>
-                  <a:srgbClr val="FFFFFF"/>
-                </a:solidFill>
-              </a:rPr>
-              <a:t>Start_algorithm</a:t>
-            </a:r>
-            <a:r>
-              <a:rPr lang="it-IT" sz="1400">
-                <a:solidFill>
-                  <a:srgbClr val="FFFFFF"/>
-                </a:solidFill>
-              </a:rPr>
-              <a:t>: avvia l’algoritmo genetico, a tale funzione andranno passati come parametro i valori di : numero minimo di iterazioni, tolleranza, probabilità di mutazione e dimensioni di mutazione e crossover .</a:t>
+              <a:t>  </a:t>
             </a:r>
             <a:endParaRPr lang="it-IT" sz="1400" dirty="0">
               <a:solidFill>
@@ -27530,42 +27615,7 @@
               <a:buChar char="Ø"/>
             </a:pPr>
             <a:r>
-              <a:rPr lang="it-IT" sz="1400" b="1" i="1">
-                <a:solidFill>
-                  <a:srgbClr val="FFFFFF"/>
-                </a:solidFill>
-              </a:rPr>
-              <a:t>Compute_cumulative_fitness : </a:t>
-            </a:r>
-            <a:r>
-              <a:rPr lang="it-IT" sz="1400">
-                <a:solidFill>
-                  <a:srgbClr val="FFFFFF"/>
-                </a:solidFill>
-              </a:rPr>
-              <a:t>calcola la lista di fitness cumulate .</a:t>
-            </a:r>
-            <a:r>
-              <a:rPr lang="it-IT" sz="1400" b="1" i="1">
-                <a:solidFill>
-                  <a:srgbClr val="FFFFFF"/>
-                </a:solidFill>
-              </a:rPr>
-              <a:t>  </a:t>
-            </a:r>
-            <a:endParaRPr lang="it-IT" sz="1400">
-              <a:solidFill>
-                <a:srgbClr val="FFFFFF"/>
-              </a:solidFill>
-            </a:endParaRPr>
-          </a:p>
-          <a:p>
-            <a:pPr lvl="1">
-              <a:buFont typeface="Wingdings" panose="05000000000000000000" pitchFamily="2" charset="2"/>
-              <a:buChar char="Ø"/>
-            </a:pPr>
-            <a:r>
-              <a:rPr lang="it-IT" sz="1400" b="1" i="1">
+              <a:rPr lang="it-IT" sz="1400" b="1" i="1" dirty="0" err="1">
                 <a:solidFill>
                   <a:srgbClr val="FFFFFF"/>
                 </a:solidFill>
@@ -27573,7 +27623,7 @@
               <a:t>Two_Worst_solution</a:t>
             </a:r>
             <a:r>
-              <a:rPr lang="it-IT" sz="1400">
+              <a:rPr lang="it-IT" sz="1400" dirty="0">
                 <a:solidFill>
                   <a:srgbClr val="FFFFFF"/>
                 </a:solidFill>
@@ -27587,15 +27637,23 @@
               <a:buChar char="Ø"/>
             </a:pPr>
             <a:r>
-              <a:rPr lang="it-IT" sz="1400" b="1" i="1">
+              <a:rPr lang="it-IT" sz="1400" b="1" i="1" dirty="0" err="1">
                 <a:solidFill>
                   <a:srgbClr val="FFFFFF"/>
                 </a:solidFill>
               </a:rPr>
-              <a:t>Update_population </a:t>
-            </a:r>
-            <a:r>
-              <a:rPr lang="it-IT" sz="1400">
+              <a:t>Update_population</a:t>
+            </a:r>
+            <a:r>
+              <a:rPr lang="it-IT" sz="1400" b="1" i="1" dirty="0">
+                <a:solidFill>
+                  <a:srgbClr val="FFFFFF"/>
+                </a:solidFill>
+              </a:rPr>
+              <a:t> </a:t>
+            </a:r>
+            <a:r>
+              <a:rPr lang="it-IT" sz="1400" dirty="0">
                 <a:solidFill>
                   <a:srgbClr val="FFFFFF"/>
                 </a:solidFill>
@@ -27609,15 +27667,31 @@
               <a:buChar char="Ø"/>
             </a:pPr>
             <a:r>
-              <a:rPr lang="it-IT" sz="1400" b="1" i="1">
+              <a:rPr lang="it-IT" sz="1400" b="1" i="1" dirty="0" err="1">
                 <a:solidFill>
                   <a:srgbClr val="FFFFFF"/>
                 </a:solidFill>
               </a:rPr>
-              <a:t>Worst_solution/Best_solution</a:t>
-            </a:r>
-            <a:r>
-              <a:rPr lang="it-IT" sz="1400">
+              <a:t>Worst_solution</a:t>
+            </a:r>
+            <a:r>
+              <a:rPr lang="it-IT" sz="1400" b="1" i="1" dirty="0">
+                <a:solidFill>
+                  <a:srgbClr val="FFFFFF"/>
+                </a:solidFill>
+              </a:rPr>
+              <a:t>/</a:t>
+            </a:r>
+            <a:r>
+              <a:rPr lang="it-IT" sz="1400" b="1" i="1" dirty="0" err="1">
+                <a:solidFill>
+                  <a:srgbClr val="FFFFFF"/>
+                </a:solidFill>
+              </a:rPr>
+              <a:t>Best_solution</a:t>
+            </a:r>
+            <a:r>
+              <a:rPr lang="it-IT" sz="1400" dirty="0">
                 <a:solidFill>
                   <a:srgbClr val="FFFFFF"/>
                 </a:solidFill>
@@ -27631,26 +27705,29 @@
               <a:buChar char="Ø"/>
             </a:pPr>
             <a:r>
-              <a:rPr lang="it-IT" sz="1400" b="1" i="1">
+              <a:rPr lang="it-IT" sz="1400" b="1" i="1" dirty="0" err="1">
                 <a:solidFill>
                   <a:srgbClr val="FFFFFF"/>
                 </a:solidFill>
               </a:rPr>
-              <a:t>Graph_solution : </a:t>
-            </a:r>
-            <a:r>
-              <a:rPr lang="it-IT" sz="1400">
+              <a:t>Graph_solution</a:t>
+            </a:r>
+            <a:r>
+              <a:rPr lang="it-IT" sz="1400" b="1" i="1" dirty="0">
+                <a:solidFill>
+                  <a:srgbClr val="FFFFFF"/>
+                </a:solidFill>
+              </a:rPr>
+              <a:t> : </a:t>
+            </a:r>
+            <a:r>
+              <a:rPr lang="it-IT" sz="1400" dirty="0">
                 <a:solidFill>
                   <a:srgbClr val="FFFFFF"/>
                 </a:solidFill>
               </a:rPr>
               <a:t>stampa il grafo della soluzione .</a:t>
             </a:r>
-            <a:endParaRPr lang="it-IT" sz="1400" dirty="0">
-              <a:solidFill>
-                <a:srgbClr val="FFFFFF"/>
-              </a:solidFill>
-            </a:endParaRPr>
           </a:p>
         </p:txBody>
       </p:sp>
@@ -27822,7 +27899,7 @@
                 <a16:creationId xmlns:a16="http://schemas.microsoft.com/office/drawing/2014/main" id="{4038CB10-1F5C-4D54-9DF7-12586DE5B007}"/>
               </a:ext>
               <a:ext uri="{C183D7F6-B498-43B3-948B-1728B52AA6E4}">
-                <adec:decorative xmlns:adec="http://schemas.microsoft.com/office/drawing/2017/decorative" val="1"/>
+                <adec:decorative xmlns:adec="http://schemas.microsoft.com/office/drawing/2017/decorative" xmlns="" val="1"/>
               </a:ext>
             </a:extLst>
           </p:cNvPr>
@@ -27967,7 +28044,7 @@
                 <a16:creationId xmlns:a16="http://schemas.microsoft.com/office/drawing/2014/main" id="{36D30126-6314-4A93-B27E-5C66CF781924}"/>
               </a:ext>
               <a:ext uri="{C183D7F6-B498-43B3-948B-1728B52AA6E4}">
-                <adec:decorative xmlns:adec="http://schemas.microsoft.com/office/drawing/2017/decorative" val="1"/>
+                <adec:decorative xmlns:adec="http://schemas.microsoft.com/office/drawing/2017/decorative" xmlns="" val="1"/>
               </a:ext>
             </a:extLst>
           </p:cNvPr>
@@ -28032,7 +28109,7 @@
                 <a16:creationId xmlns:a16="http://schemas.microsoft.com/office/drawing/2014/main" id="{73ED6512-6858-4552-B699-9A97FE9A4EA2}"/>
               </a:ext>
               <a:ext uri="{C183D7F6-B498-43B3-948B-1728B52AA6E4}">
-                <adec:decorative xmlns:adec="http://schemas.microsoft.com/office/drawing/2017/decorative" val="1"/>
+                <adec:decorative xmlns:adec="http://schemas.microsoft.com/office/drawing/2017/decorative" xmlns="" val="1"/>
               </a:ext>
             </a:extLst>
           </p:cNvPr>
@@ -28210,7 +28287,7 @@
                 <a16:creationId xmlns:a16="http://schemas.microsoft.com/office/drawing/2014/main" id="{4038CB10-1F5C-4D54-9DF7-12586DE5B007}"/>
               </a:ext>
               <a:ext uri="{C183D7F6-B498-43B3-948B-1728B52AA6E4}">
-                <adec:decorative xmlns:adec="http://schemas.microsoft.com/office/drawing/2017/decorative" val="1"/>
+                <adec:decorative xmlns:adec="http://schemas.microsoft.com/office/drawing/2017/decorative" xmlns="" val="1"/>
               </a:ext>
             </a:extLst>
           </p:cNvPr>
@@ -28347,7 +28424,7 @@
                 <a16:creationId xmlns:a16="http://schemas.microsoft.com/office/drawing/2014/main" id="{36D30126-6314-4A93-B27E-5C66CF781924}"/>
               </a:ext>
               <a:ext uri="{C183D7F6-B498-43B3-948B-1728B52AA6E4}">
-                <adec:decorative xmlns:adec="http://schemas.microsoft.com/office/drawing/2017/decorative" val="1"/>
+                <adec:decorative xmlns:adec="http://schemas.microsoft.com/office/drawing/2017/decorative" xmlns="" val="1"/>
               </a:ext>
             </a:extLst>
           </p:cNvPr>
@@ -28412,7 +28489,7 @@
                 <a16:creationId xmlns:a16="http://schemas.microsoft.com/office/drawing/2014/main" id="{73ED6512-6858-4552-B699-9A97FE9A4EA2}"/>
               </a:ext>
               <a:ext uri="{C183D7F6-B498-43B3-948B-1728B52AA6E4}">
-                <adec:decorative xmlns:adec="http://schemas.microsoft.com/office/drawing/2017/decorative" val="1"/>
+                <adec:decorative xmlns:adec="http://schemas.microsoft.com/office/drawing/2017/decorative" xmlns="" val="1"/>
               </a:ext>
             </a:extLst>
           </p:cNvPr>
@@ -28906,7 +28983,7 @@
                 <a16:creationId xmlns:a16="http://schemas.microsoft.com/office/drawing/2014/main" id="{4038CB10-1F5C-4D54-9DF7-12586DE5B007}"/>
               </a:ext>
               <a:ext uri="{C183D7F6-B498-43B3-948B-1728B52AA6E4}">
-                <adec:decorative xmlns:adec="http://schemas.microsoft.com/office/drawing/2017/decorative" val="1"/>
+                <adec:decorative xmlns:adec="http://schemas.microsoft.com/office/drawing/2017/decorative" xmlns="" val="1"/>
               </a:ext>
             </a:extLst>
           </p:cNvPr>
@@ -29043,7 +29120,7 @@
                 <a16:creationId xmlns:a16="http://schemas.microsoft.com/office/drawing/2014/main" id="{36D30126-6314-4A93-B27E-5C66CF781924}"/>
               </a:ext>
               <a:ext uri="{C183D7F6-B498-43B3-948B-1728B52AA6E4}">
-                <adec:decorative xmlns:adec="http://schemas.microsoft.com/office/drawing/2017/decorative" val="1"/>
+                <adec:decorative xmlns:adec="http://schemas.microsoft.com/office/drawing/2017/decorative" xmlns="" val="1"/>
               </a:ext>
             </a:extLst>
           </p:cNvPr>
@@ -29108,7 +29185,7 @@
                 <a16:creationId xmlns:a16="http://schemas.microsoft.com/office/drawing/2014/main" id="{73ED6512-6858-4552-B699-9A97FE9A4EA2}"/>
               </a:ext>
               <a:ext uri="{C183D7F6-B498-43B3-948B-1728B52AA6E4}">
-                <adec:decorative xmlns:adec="http://schemas.microsoft.com/office/drawing/2017/decorative" val="1"/>
+                <adec:decorative xmlns:adec="http://schemas.microsoft.com/office/drawing/2017/decorative" xmlns="" val="1"/>
               </a:ext>
             </a:extLst>
           </p:cNvPr>
@@ -29242,7 +29319,7 @@
           </a:p>
           <a:p>
             <a:r>
-              <a:rPr lang="it-IT" sz="1800" b="1">
+              <a:rPr lang="it-IT" sz="1800" b="1" dirty="0">
                 <a:solidFill>
                   <a:srgbClr val="FFFFFF"/>
                 </a:solidFill>
@@ -29250,18 +29327,13 @@
               <a:t>Variabili </a:t>
             </a:r>
             <a:r>
-              <a:rPr lang="it-IT" sz="1900" b="1">
+              <a:rPr lang="it-IT" sz="1900" b="1" dirty="0">
                 <a:solidFill>
                   <a:srgbClr val="FFFFFF"/>
                 </a:solidFill>
               </a:rPr>
               <a:t>: </a:t>
             </a:r>
-            <a:endParaRPr lang="it-IT" sz="1900" b="1" dirty="0">
-              <a:solidFill>
-                <a:srgbClr val="FFFFFF"/>
-              </a:solidFill>
-            </a:endParaRPr>
           </a:p>
           <a:p>
             <a:pPr lvl="1">
@@ -29269,7 +29341,7 @@
               <a:buChar char="Ø"/>
             </a:pPr>
             <a:r>
-              <a:rPr lang="it-IT" sz="1400" b="1" i="1">
+              <a:rPr lang="it-IT" sz="1400" b="1" i="1" dirty="0" err="1">
                 <a:solidFill>
                   <a:srgbClr val="FFFFFF"/>
                 </a:solidFill>
@@ -29277,7 +29349,7 @@
               <a:t>Nodes_num</a:t>
             </a:r>
             <a:r>
-              <a:rPr lang="it-IT" sz="1400" i="1">
+              <a:rPr lang="it-IT" sz="1400" i="1" dirty="0">
                 <a:solidFill>
                   <a:srgbClr val="FFFFFF"/>
                 </a:solidFill>
@@ -29285,7 +29357,7 @@
               <a:t> </a:t>
             </a:r>
             <a:r>
-              <a:rPr lang="it-IT" sz="1400">
+              <a:rPr lang="it-IT" sz="1400" dirty="0">
                 <a:solidFill>
                   <a:srgbClr val="FFFFFF"/>
                 </a:solidFill>
@@ -29299,7 +29371,7 @@
               <a:buChar char="Ø"/>
             </a:pPr>
             <a:r>
-              <a:rPr lang="it-IT" sz="1400" b="1" i="1">
+              <a:rPr lang="it-IT" sz="1400" b="1" i="1" dirty="0" err="1">
                 <a:solidFill>
                   <a:srgbClr val="FFFFFF"/>
                 </a:solidFill>
@@ -29307,18 +29379,13 @@
               <a:t>Nodes</a:t>
             </a:r>
             <a:r>
-              <a:rPr lang="it-IT" sz="1400">
+              <a:rPr lang="it-IT" sz="1400" dirty="0">
                 <a:solidFill>
                   <a:srgbClr val="FFFFFF"/>
                 </a:solidFill>
               </a:rPr>
               <a:t>: lista di nodi dell’istanza. </a:t>
             </a:r>
-            <a:endParaRPr lang="it-IT" sz="1400" dirty="0">
-              <a:solidFill>
-                <a:srgbClr val="FFFFFF"/>
-              </a:solidFill>
-            </a:endParaRPr>
           </a:p>
           <a:p>
             <a:pPr lvl="1">
@@ -29326,26 +29393,29 @@
               <a:buChar char="Ø"/>
             </a:pPr>
             <a:r>
-              <a:rPr lang="it-IT" sz="1400" b="1" i="1">
+              <a:rPr lang="it-IT" sz="1400" b="1" i="1" dirty="0" err="1">
                 <a:solidFill>
                   <a:srgbClr val="FFFFFF"/>
                 </a:solidFill>
               </a:rPr>
-              <a:t>Name_istance </a:t>
-            </a:r>
-            <a:r>
-              <a:rPr lang="it-IT" sz="1400">
+              <a:t>Name_istance</a:t>
+            </a:r>
+            <a:r>
+              <a:rPr lang="it-IT" sz="1400" b="1" i="1" dirty="0">
+                <a:solidFill>
+                  <a:srgbClr val="FFFFFF"/>
+                </a:solidFill>
+              </a:rPr>
+              <a:t> </a:t>
+            </a:r>
+            <a:r>
+              <a:rPr lang="it-IT" sz="1400" dirty="0">
                 <a:solidFill>
                   <a:srgbClr val="FFFFFF"/>
                 </a:solidFill>
               </a:rPr>
               <a:t>: nome dell’istanza. </a:t>
             </a:r>
-            <a:endParaRPr lang="it-IT" sz="1400" dirty="0">
-              <a:solidFill>
-                <a:srgbClr val="FFFFFF"/>
-              </a:solidFill>
-            </a:endParaRPr>
           </a:p>
           <a:p>
             <a:pPr lvl="1">
@@ -29353,26 +29423,29 @@
               <a:buChar char="Ø"/>
             </a:pPr>
             <a:r>
-              <a:rPr lang="it-IT" sz="1400" b="1" i="1">
+              <a:rPr lang="it-IT" sz="1400" b="1" i="1" dirty="0" err="1">
                 <a:solidFill>
                   <a:srgbClr val="FFFFFF"/>
                 </a:solidFill>
               </a:rPr>
-              <a:t>Capacity </a:t>
-            </a:r>
-            <a:r>
-              <a:rPr lang="it-IT" sz="1400">
+              <a:t>Capacity</a:t>
+            </a:r>
+            <a:r>
+              <a:rPr lang="it-IT" sz="1400" b="1" i="1" dirty="0">
+                <a:solidFill>
+                  <a:srgbClr val="FFFFFF"/>
+                </a:solidFill>
+              </a:rPr>
+              <a:t> </a:t>
+            </a:r>
+            <a:r>
+              <a:rPr lang="it-IT" sz="1400" dirty="0">
                 <a:solidFill>
                   <a:srgbClr val="FFFFFF"/>
                 </a:solidFill>
               </a:rPr>
               <a:t>: capacità dei camion .</a:t>
             </a:r>
-            <a:endParaRPr lang="it-IT" sz="1400" dirty="0">
-              <a:solidFill>
-                <a:srgbClr val="FFFFFF"/>
-              </a:solidFill>
-            </a:endParaRPr>
           </a:p>
           <a:p>
             <a:pPr lvl="1">
@@ -29380,7 +29453,7 @@
               <a:buChar char="Ø"/>
             </a:pPr>
             <a:r>
-              <a:rPr lang="it-IT" sz="1400" b="1" i="1">
+              <a:rPr lang="it-IT" sz="1400" b="1" i="1" dirty="0" err="1">
                 <a:solidFill>
                   <a:srgbClr val="FFFFFF"/>
                 </a:solidFill>
@@ -29388,7 +29461,7 @@
               <a:t>Distances</a:t>
             </a:r>
             <a:r>
-              <a:rPr lang="it-IT" sz="1400">
+              <a:rPr lang="it-IT" sz="1400" dirty="0">
                 <a:solidFill>
                   <a:srgbClr val="FFFFFF"/>
                 </a:solidFill>
@@ -29402,15 +29475,23 @@
               <a:buChar char="Ø"/>
             </a:pPr>
             <a:r>
-              <a:rPr lang="it-IT" sz="1400" b="1" i="1">
+              <a:rPr lang="it-IT" sz="1400" b="1" i="1" dirty="0" err="1">
                 <a:solidFill>
                   <a:srgbClr val="FFFFFF"/>
                 </a:solidFill>
               </a:rPr>
-              <a:t>Travel_times </a:t>
-            </a:r>
-            <a:r>
-              <a:rPr lang="it-IT" sz="1400">
+              <a:t>Travel_times</a:t>
+            </a:r>
+            <a:r>
+              <a:rPr lang="it-IT" sz="1400" b="1" i="1" dirty="0">
+                <a:solidFill>
+                  <a:srgbClr val="FFFFFF"/>
+                </a:solidFill>
+              </a:rPr>
+              <a:t> </a:t>
+            </a:r>
+            <a:r>
+              <a:rPr lang="it-IT" sz="1400" dirty="0">
                 <a:solidFill>
                   <a:srgbClr val="FFFFFF"/>
                 </a:solidFill>
@@ -29424,30 +29505,33 @@
               <a:buChar char="Ø"/>
             </a:pPr>
             <a:r>
-              <a:rPr lang="it-IT" sz="1400" b="1" i="1">
+              <a:rPr lang="it-IT" sz="1400" b="1" i="1" dirty="0" err="1">
                 <a:solidFill>
                   <a:srgbClr val="FFFFFF"/>
                 </a:solidFill>
               </a:rPr>
-              <a:t>Routes : </a:t>
-            </a:r>
-            <a:r>
-              <a:rPr lang="it-IT" sz="1400">
+              <a:t>Routes</a:t>
+            </a:r>
+            <a:r>
+              <a:rPr lang="it-IT" sz="1400" b="1" i="1" dirty="0">
+                <a:solidFill>
+                  <a:srgbClr val="FFFFFF"/>
+                </a:solidFill>
+              </a:rPr>
+              <a:t> : </a:t>
+            </a:r>
+            <a:r>
+              <a:rPr lang="it-IT" sz="1400" dirty="0">
                 <a:solidFill>
                   <a:srgbClr val="FFFFFF"/>
                 </a:solidFill>
               </a:rPr>
               <a:t>percorso ottimo (lista con gli identificativi dei nodi disposti secondo l’ordine di attraversamento nel percorso ottimo).</a:t>
             </a:r>
-            <a:endParaRPr lang="it-IT" sz="1400" dirty="0">
-              <a:solidFill>
-                <a:srgbClr val="FFFFFF"/>
-              </a:solidFill>
-            </a:endParaRPr>
-          </a:p>
-          <a:p>
-            <a:r>
-              <a:rPr lang="it-IT" sz="1800" b="1">
+          </a:p>
+          <a:p>
+            <a:r>
+              <a:rPr lang="it-IT" sz="1800" b="1" dirty="0">
                 <a:solidFill>
                   <a:srgbClr val="FFFFFF"/>
                 </a:solidFill>
@@ -29455,18 +29539,13 @@
               <a:t>Funzioni </a:t>
             </a:r>
             <a:r>
-              <a:rPr lang="it-IT" sz="1900" b="1">
+              <a:rPr lang="it-IT" sz="1900" b="1" dirty="0">
                 <a:solidFill>
                   <a:srgbClr val="FFFFFF"/>
                 </a:solidFill>
               </a:rPr>
               <a:t>:</a:t>
             </a:r>
-            <a:endParaRPr lang="it-IT" sz="1900" b="1" dirty="0">
-              <a:solidFill>
-                <a:srgbClr val="FFFFFF"/>
-              </a:solidFill>
-            </a:endParaRPr>
           </a:p>
           <a:p>
             <a:pPr lvl="1">
@@ -29474,7 +29553,7 @@
               <a:buChar char="Ø"/>
             </a:pPr>
             <a:r>
-              <a:rPr lang="it-IT" sz="1400" b="1" i="1">
+              <a:rPr lang="it-IT" sz="1400" b="1" i="1" dirty="0" err="1">
                 <a:solidFill>
                   <a:srgbClr val="FFFFFF"/>
                 </a:solidFill>
@@ -29482,7 +29561,7 @@
               <a:t>Calculate_distance</a:t>
             </a:r>
             <a:r>
-              <a:rPr lang="it-IT" sz="1400">
+              <a:rPr lang="it-IT" sz="1400" dirty="0">
                 <a:solidFill>
                   <a:srgbClr val="FFFFFF"/>
                 </a:solidFill>
@@ -29496,7 +29575,7 @@
               <a:buChar char="Ø"/>
             </a:pPr>
             <a:r>
-              <a:rPr lang="it-IT" sz="1400" b="1" i="1">
+              <a:rPr lang="it-IT" sz="1400" b="1" i="1" dirty="0" err="1">
                 <a:solidFill>
                   <a:srgbClr val="FFFFFF"/>
                 </a:solidFill>
@@ -29504,7 +29583,7 @@
               <a:t>Calculate_travel_times</a:t>
             </a:r>
             <a:r>
-              <a:rPr lang="it-IT" sz="1400">
+              <a:rPr lang="it-IT" sz="1400" dirty="0">
                 <a:solidFill>
                   <a:srgbClr val="FFFFFF"/>
                 </a:solidFill>
@@ -29518,15 +29597,23 @@
               <a:buChar char="Ø"/>
             </a:pPr>
             <a:r>
-              <a:rPr lang="it-IT" sz="1400" b="1" i="1">
+              <a:rPr lang="it-IT" sz="1400" b="1" i="1" dirty="0" err="1">
                 <a:solidFill>
                   <a:srgbClr val="FFFFFF"/>
                 </a:solidFill>
               </a:rPr>
-              <a:t>Calculates_routes_from_model </a:t>
-            </a:r>
-            <a:r>
-              <a:rPr lang="it-IT" sz="1400">
+              <a:t>Calculates_routes_from_model</a:t>
+            </a:r>
+            <a:r>
+              <a:rPr lang="it-IT" sz="1400" b="1" i="1" dirty="0">
+                <a:solidFill>
+                  <a:srgbClr val="FFFFFF"/>
+                </a:solidFill>
+              </a:rPr>
+              <a:t> </a:t>
+            </a:r>
+            <a:r>
+              <a:rPr lang="it-IT" sz="1400" dirty="0">
                 <a:solidFill>
                   <a:srgbClr val="FFFFFF"/>
                 </a:solidFill>
@@ -29540,20 +29627,44 @@
               <a:buChar char="Ø"/>
             </a:pPr>
             <a:r>
-              <a:rPr lang="it-IT" sz="1400" b="1" i="1">
+              <a:rPr lang="it-IT" sz="1400" b="1" i="1" dirty="0" err="1">
                 <a:solidFill>
                   <a:srgbClr val="FFFFFF"/>
                 </a:solidFill>
               </a:rPr>
-              <a:t>Optimize </a:t>
-            </a:r>
-            <a:r>
-              <a:rPr lang="it-IT" sz="1400">
+              <a:t>Optimize</a:t>
+            </a:r>
+            <a:r>
+              <a:rPr lang="it-IT" sz="1400" b="1" i="1" dirty="0">
                 <a:solidFill>
                   <a:srgbClr val="FFFFFF"/>
                 </a:solidFill>
               </a:rPr>
-              <a:t>: calcola la soluzione ottima sfruttando il solutore Gurobi .</a:t>
+              <a:t> </a:t>
+            </a:r>
+            <a:r>
+              <a:rPr lang="it-IT" sz="1400" dirty="0">
+                <a:solidFill>
+                  <a:srgbClr val="FFFFFF"/>
+                </a:solidFill>
+              </a:rPr>
+              <a:t>: calcola la soluzione ottima sfruttando il solutore </a:t>
+            </a:r>
+            <a:r>
+              <a:rPr lang="it-IT" sz="1400" dirty="0" err="1">
+                <a:solidFill>
+                  <a:srgbClr val="FFFFFF"/>
+                </a:solidFill>
+              </a:rPr>
+              <a:t>Gurobi</a:t>
+            </a:r>
+            <a:r>
+              <a:rPr lang="it-IT" sz="1400" dirty="0">
+                <a:solidFill>
+                  <a:srgbClr val="FFFFFF"/>
+                </a:solidFill>
+              </a:rPr>
+              <a:t> .</a:t>
             </a:r>
           </a:p>
           <a:p>
@@ -29562,26 +29673,29 @@
               <a:buChar char="Ø"/>
             </a:pPr>
             <a:r>
-              <a:rPr lang="it-IT" sz="1400" b="1" i="1">
+              <a:rPr lang="it-IT" sz="1400" b="1" i="1" dirty="0" err="1">
                 <a:solidFill>
                   <a:srgbClr val="FFFFFF"/>
                 </a:solidFill>
               </a:rPr>
-              <a:t>Print_solution : </a:t>
-            </a:r>
-            <a:r>
-              <a:rPr lang="it-IT" sz="1400">
+              <a:t>Print_solution</a:t>
+            </a:r>
+            <a:r>
+              <a:rPr lang="it-IT" sz="1400" b="1" i="1" dirty="0">
+                <a:solidFill>
+                  <a:srgbClr val="FFFFFF"/>
+                </a:solidFill>
+              </a:rPr>
+              <a:t> : </a:t>
+            </a:r>
+            <a:r>
+              <a:rPr lang="it-IT" sz="1400" dirty="0">
                 <a:solidFill>
                   <a:srgbClr val="FFFFFF"/>
                 </a:solidFill>
               </a:rPr>
               <a:t>stampa il grafo della soluzione ottima .</a:t>
             </a:r>
-            <a:endParaRPr lang="it-IT" sz="1400" dirty="0">
-              <a:solidFill>
-                <a:srgbClr val="FFFFFF"/>
-              </a:solidFill>
-            </a:endParaRPr>
           </a:p>
           <a:p>
             <a:pPr lvl="1">
@@ -30130,141 +30244,148 @@
           <a:lstStyle/>
           <a:p>
             <a:r>
-              <a:rPr lang="it-IT" sz="1400"/>
+              <a:rPr lang="it-IT" sz="1400" dirty="0"/>
               <a:t>Soluzione ottima : 2709.11 ( </a:t>
             </a:r>
             <a:r>
-              <a:rPr lang="it-IT" sz="1400" b="1" i="1"/>
-              <a:t>Istanza : C1_2_1.TXT, Homberger – 200 nodi </a:t>
-            </a:r>
-            <a:r>
-              <a:rPr lang="it-IT" sz="1200"/>
+              <a:rPr lang="it-IT" sz="1400" b="1" i="1" dirty="0"/>
+              <a:t>Istanza : C1_2_1.TXT, </a:t>
+            </a:r>
+            <a:r>
+              <a:rPr lang="it-IT" sz="1400" b="1" i="1" dirty="0" err="1"/>
+              <a:t>Homberger</a:t>
+            </a:r>
+            <a:r>
+              <a:rPr lang="it-IT" sz="1400" b="1" i="1" dirty="0"/>
+              <a:t> – 200 nodi </a:t>
+            </a:r>
+            <a:r>
+              <a:rPr lang="it-IT" sz="1200" dirty="0"/>
               <a:t>)</a:t>
             </a:r>
           </a:p>
           <a:p>
-            <a:endParaRPr lang="it-IT" sz="1100"/>
-          </a:p>
-          <a:p>
-            <a:r>
-              <a:rPr lang="it-IT" sz="1100"/>
+            <a:endParaRPr lang="it-IT" sz="1100" dirty="0"/>
+          </a:p>
+          <a:p>
+            <a:r>
+              <a:rPr lang="it-IT" sz="1100" dirty="0"/>
               <a:t>[0,20, 41, 85, 80, 31, 25, 172, 77, 110, 162, 0]</a:t>
             </a:r>
           </a:p>
           <a:p>
             <a:r>
-              <a:rPr lang="it-IT" sz="1100"/>
+              <a:rPr lang="it-IT" sz="1100" dirty="0"/>
               <a:t>[21, 23, 182, 75, 163, 194, 145, 195, 52, 92, 0]</a:t>
             </a:r>
           </a:p>
           <a:p>
             <a:r>
-              <a:rPr lang="it-IT" sz="1100"/>
+              <a:rPr lang="it-IT" sz="1100" dirty="0"/>
               <a:t>[30, 120, 19, 192, 196, 97, 14, 96, 130, 28, 74, 149, 0]</a:t>
             </a:r>
           </a:p>
           <a:p>
             <a:r>
-              <a:rPr lang="it-IT" sz="1100"/>
+              <a:rPr lang="it-IT" sz="1100" dirty="0"/>
               <a:t>[32, 171, 65, 86, 115, 94, 51, 174, 136, 189, 0]</a:t>
             </a:r>
           </a:p>
           <a:p>
             <a:r>
-              <a:rPr lang="it-IT" sz="1100"/>
+              <a:rPr lang="it-IT" sz="1100" dirty="0"/>
               <a:t>[45, 178, 27, 173, 154, 24, 61, 100, 64, 179, 109, 0]</a:t>
             </a:r>
           </a:p>
           <a:p>
             <a:r>
-              <a:rPr lang="it-IT" sz="1100"/>
+              <a:rPr lang="it-IT" sz="1100" dirty="0"/>
               <a:t>[57, 118, 83, 143, 176, 36, 33, 121, 165, 188, 108, 0]</a:t>
             </a:r>
           </a:p>
           <a:p>
             <a:r>
-              <a:rPr lang="it-IT" sz="1100"/>
+              <a:rPr lang="it-IT" sz="1100" dirty="0"/>
               <a:t>[60, 82, 180, 84, 191, 125, 4, 72, 17, 0]</a:t>
             </a:r>
           </a:p>
           <a:p>
             <a:r>
-              <a:rPr lang="it-IT" sz="1100"/>
+              <a:rPr lang="it-IT" sz="1100" dirty="0"/>
               <a:t>[62, 131, 44, 102, 146, 68, 76, 0]</a:t>
             </a:r>
           </a:p>
           <a:p>
             <a:r>
-              <a:rPr lang="it-IT" sz="1100"/>
+              <a:rPr lang="it-IT" sz="1100" dirty="0"/>
               <a:t>[73, 116, 12, 129, 11, 6, 122, 139, 0]</a:t>
             </a:r>
           </a:p>
           <a:p>
             <a:r>
-              <a:rPr lang="it-IT" sz="1100"/>
+              <a:rPr lang="it-IT" sz="1100" dirty="0"/>
               <a:t>[93, 55, 135, 58, 184, 199, 37, 81, 138, 137, 183, 0]</a:t>
             </a:r>
           </a:p>
           <a:p>
             <a:r>
-              <a:rPr lang="it-IT" sz="1100"/>
+              <a:rPr lang="it-IT" sz="1100" dirty="0"/>
               <a:t>[101, 144, 119, 166, 35, 126, 71, 9, 1, 99, 53, 0]</a:t>
             </a:r>
           </a:p>
           <a:p>
             <a:r>
-              <a:rPr lang="it-IT" sz="1100"/>
+              <a:rPr lang="it-IT" sz="1100" dirty="0"/>
               <a:t>[113, 155, 78, 175, 13, 43, 2, 90, 67, 39, 107, 0]</a:t>
             </a:r>
           </a:p>
           <a:p>
             <a:r>
-              <a:rPr lang="it-IT" sz="1100"/>
+              <a:rPr lang="it-IT" sz="1100" dirty="0"/>
               <a:t>[114, 159, 38, 150, 22, 151, 16, 140, 187, 142, 111, 63, 0]</a:t>
             </a:r>
           </a:p>
           <a:p>
             <a:r>
-              <a:rPr lang="it-IT" sz="1100"/>
+              <a:rPr lang="it-IT" sz="1100" dirty="0"/>
               <a:t>[133, 48, 26, 152, 40, 153, 169, 89, 105, 15, 59, 198, 0]</a:t>
             </a:r>
           </a:p>
           <a:p>
             <a:r>
-              <a:rPr lang="it-IT" sz="1100"/>
+              <a:rPr lang="it-IT" sz="1100" dirty="0"/>
               <a:t>[148, 103, 197, 124, 141, 69, 200, 0]</a:t>
             </a:r>
           </a:p>
           <a:p>
             <a:r>
-              <a:rPr lang="it-IT" sz="1100"/>
+              <a:rPr lang="it-IT" sz="1100" dirty="0"/>
               <a:t>[161, 104, 18, 54, 185, 132, 7, 181, 117, 49, 0]</a:t>
             </a:r>
           </a:p>
           <a:p>
             <a:r>
-              <a:rPr lang="it-IT" sz="1100"/>
+              <a:rPr lang="it-IT" sz="1100" dirty="0"/>
               <a:t>[164, 66, 147, 160, 47, 91, 70, 0]</a:t>
             </a:r>
           </a:p>
           <a:p>
             <a:r>
-              <a:rPr lang="it-IT" sz="1100"/>
+              <a:rPr lang="it-IT" sz="1100" dirty="0"/>
               <a:t>[170, 134, 50, 156, 112, 168, 79, 29, 87, 42, 123, 0]</a:t>
             </a:r>
           </a:p>
           <a:p>
             <a:r>
-              <a:rPr lang="it-IT" sz="1100"/>
+              <a:rPr lang="it-IT" sz="1100" dirty="0"/>
               <a:t>[177, 3, 88, 8, 186, 127, 98, 157, 56, 0]</a:t>
             </a:r>
           </a:p>
           <a:p>
             <a:r>
-              <a:rPr lang="it-IT" sz="1100"/>
+              <a:rPr lang="it-IT" sz="1100" dirty="0"/>
               <a:t>[190, 5, 10, 193, 46, 128, 106, 167, 34, 95, 158, 0]</a:t>
             </a:r>
-            <a:endParaRPr lang="it-IT" sz="1100" dirty="0"/>
           </a:p>
         </p:txBody>
       </p:sp>
@@ -30355,7 +30476,7 @@
         </p:nvSpPr>
         <p:spPr>
           <a:xfrm>
-            <a:off x="329186" y="2110590"/>
+            <a:off x="366764" y="2110590"/>
             <a:ext cx="11522504" cy="4517873"/>
           </a:xfrm>
           <a:prstGeom prst="rect">
@@ -30386,7 +30507,7 @@
           <a:lstStyle/>
           <a:p>
             <a:pPr algn="ctr"/>
-            <a:endParaRPr lang="it-IT"/>
+            <a:endParaRPr lang="it-IT" dirty="0"/>
           </a:p>
         </p:txBody>
       </p:sp>
@@ -30499,13 +30620,13 @@
           <p:nvPr>
             <p:extLst>
               <p:ext uri="{D42A27DB-BD31-4B8C-83A1-F6EECF244321}">
-                <p14:modId xmlns:p14="http://schemas.microsoft.com/office/powerpoint/2010/main" val="997155564"/>
+                <p14:modId xmlns:p14="http://schemas.microsoft.com/office/powerpoint/2010/main" val="1896542733"/>
               </p:ext>
             </p:extLst>
           </p:nvPr>
         </p:nvGraphicFramePr>
         <p:xfrm>
-          <a:off x="539101" y="2315380"/>
+          <a:off x="639309" y="2490744"/>
           <a:ext cx="2669978" cy="1816776"/>
         </p:xfrm>
         <a:graphic>
@@ -30552,10 +30673,10 @@
                     <a:p>
                       <a:pPr algn="ctr"/>
                       <a:r>
-                        <a:rPr lang="it-IT" sz="1200" b="1" i="1"/>
+                        <a:rPr lang="it-IT" sz="1200" b="1" i="1" dirty="0"/>
                         <a:t>MDPDF : valori soluzione migliore</a:t>
                       </a:r>
-                      <a:endParaRPr lang="it-IT" sz="1400" b="1" i="1"/>
+                      <a:endParaRPr lang="it-IT" sz="1400" b="1" i="1" dirty="0"/>
                     </a:p>
                   </a:txBody>
                   <a:tcPr marL="77823" marR="77823" marT="38911" marB="38911">
@@ -30745,21 +30866,21 @@
                     <a:p>
                       <a:pPr algn="r"/>
                       <a:r>
-                        <a:rPr lang="it-IT" sz="1200" i="1"/>
+                        <a:rPr lang="it-IT" sz="1200" i="1" dirty="0"/>
                         <a:t>  </a:t>
                       </a:r>
                       <a:r>
-                        <a:rPr lang="it-IT" sz="1000" i="1"/>
+                        <a:rPr lang="it-IT" sz="1000" i="1" dirty="0"/>
                         <a:t>Rand</a:t>
                       </a:r>
-                      <a:endParaRPr lang="it-IT" sz="1500" i="1"/>
+                      <a:endParaRPr lang="it-IT" sz="1500" i="1" dirty="0"/>
                     </a:p>
                     <a:p>
                       <a:r>
-                        <a:rPr lang="it-IT" sz="1000" i="1"/>
+                        <a:rPr lang="it-IT" sz="1000" i="1" dirty="0"/>
                         <a:t>Dim</a:t>
                       </a:r>
-                      <a:endParaRPr lang="it-IT" sz="1500" i="1"/>
+                      <a:endParaRPr lang="it-IT" sz="1500" i="1" dirty="0"/>
                     </a:p>
                   </a:txBody>
                   <a:tcPr marL="77823" marR="77823" marT="38911" marB="38911">
@@ -30790,7 +30911,7 @@
                     <a:p>
                       <a:pPr algn="ctr"/>
                       <a:r>
-                        <a:rPr lang="it-IT" sz="1200" b="1" i="1"/>
+                        <a:rPr lang="it-IT" sz="1200" b="1" i="1" dirty="0"/>
                         <a:t>50</a:t>
                       </a:r>
                     </a:p>
@@ -30814,7 +30935,7 @@
                     <a:p>
                       <a:pPr algn="ctr"/>
                       <a:r>
-                        <a:rPr lang="it-IT" sz="1200" b="1" i="1"/>
+                        <a:rPr lang="it-IT" sz="1200" b="1" i="1" dirty="0"/>
                         <a:t>100</a:t>
                       </a:r>
                     </a:p>
@@ -30838,7 +30959,7 @@
                     <a:p>
                       <a:pPr algn="ctr"/>
                       <a:r>
-                        <a:rPr lang="it-IT" sz="1200" b="1" i="1"/>
+                        <a:rPr lang="it-IT" sz="1200" b="1" i="1" dirty="0"/>
                         <a:t>150</a:t>
                       </a:r>
                     </a:p>
@@ -30869,7 +30990,7 @@
                     <a:p>
                       <a:pPr algn="ctr"/>
                       <a:r>
-                        <a:rPr lang="it-IT" sz="1200" b="1" i="1"/>
+                        <a:rPr lang="it-IT" sz="1200" b="1" i="1" dirty="0"/>
                         <a:t>30</a:t>
                       </a:r>
                     </a:p>
@@ -30883,7 +31004,7 @@
                     <a:p>
                       <a:pPr algn="ctr"/>
                       <a:r>
-                        <a:rPr lang="it-IT" sz="1000"/>
+                        <a:rPr lang="it-IT" sz="1000" dirty="0"/>
                         <a:t>3389,54</a:t>
                       </a:r>
                     </a:p>
@@ -30954,7 +31075,7 @@
                     <a:p>
                       <a:pPr algn="ctr"/>
                       <a:r>
-                        <a:rPr lang="it-IT" sz="1000"/>
+                        <a:rPr lang="it-IT" sz="1000" dirty="0"/>
                         <a:t>3360,32</a:t>
                       </a:r>
                     </a:p>
@@ -31007,7 +31128,7 @@
                     <a:p>
                       <a:pPr algn="ctr"/>
                       <a:r>
-                        <a:rPr lang="it-IT" sz="1200" b="1" i="1"/>
+                        <a:rPr lang="it-IT" sz="1200" b="1" i="1" dirty="0"/>
                         <a:t>50</a:t>
                       </a:r>
                     </a:p>
@@ -31021,7 +31142,7 @@
                     <a:p>
                       <a:pPr algn="ctr"/>
                       <a:r>
-                        <a:rPr lang="it-IT" sz="1000"/>
+                        <a:rPr lang="it-IT" sz="1000" dirty="0"/>
                         <a:t>3316,59</a:t>
                       </a:r>
                     </a:p>
@@ -31055,7 +31176,7 @@
                     <a:p>
                       <a:pPr algn="ctr"/>
                       <a:r>
-                        <a:rPr lang="it-IT" sz="1000"/>
+                        <a:rPr lang="it-IT" sz="1000" dirty="0"/>
                         <a:t>3339,45</a:t>
                       </a:r>
                     </a:p>
@@ -31089,13 +31210,13 @@
           <p:nvPr>
             <p:extLst>
               <p:ext uri="{D42A27DB-BD31-4B8C-83A1-F6EECF244321}">
-                <p14:modId xmlns:p14="http://schemas.microsoft.com/office/powerpoint/2010/main" val="849419899"/>
+                <p14:modId xmlns:p14="http://schemas.microsoft.com/office/powerpoint/2010/main" val="2647426881"/>
               </p:ext>
             </p:extLst>
           </p:nvPr>
         </p:nvGraphicFramePr>
         <p:xfrm>
-          <a:off x="6144990" y="2315380"/>
+          <a:off x="6245198" y="2490744"/>
           <a:ext cx="2669979" cy="1808835"/>
         </p:xfrm>
         <a:graphic>
@@ -31334,21 +31455,21 @@
                     <a:p>
                       <a:pPr algn="r"/>
                       <a:r>
-                        <a:rPr lang="it-IT" sz="1200" i="1"/>
+                        <a:rPr lang="it-IT" sz="1200" i="1" dirty="0"/>
                         <a:t>   </a:t>
                       </a:r>
                       <a:r>
-                        <a:rPr lang="it-IT" sz="1000" i="1"/>
+                        <a:rPr lang="it-IT" sz="1000" i="1" dirty="0"/>
                         <a:t>Rand</a:t>
                       </a:r>
-                      <a:endParaRPr lang="it-IT" sz="1400" i="1"/>
+                      <a:endParaRPr lang="it-IT" sz="1400" i="1" dirty="0"/>
                     </a:p>
                     <a:p>
                       <a:r>
-                        <a:rPr lang="it-IT" sz="1000" i="1"/>
+                        <a:rPr lang="it-IT" sz="1000" i="1" dirty="0"/>
                         <a:t>Dim</a:t>
                       </a:r>
-                      <a:endParaRPr lang="it-IT" sz="1400" i="1"/>
+                      <a:endParaRPr lang="it-IT" sz="1400" i="1" dirty="0"/>
                     </a:p>
                   </a:txBody>
                   <a:tcPr marL="77823" marR="77823" marT="38911" marB="38911">
@@ -31755,13 +31876,13 @@
           <p:nvPr>
             <p:extLst>
               <p:ext uri="{D42A27DB-BD31-4B8C-83A1-F6EECF244321}">
-                <p14:modId xmlns:p14="http://schemas.microsoft.com/office/powerpoint/2010/main" val="647792701"/>
+                <p14:modId xmlns:p14="http://schemas.microsoft.com/office/powerpoint/2010/main" val="3381325259"/>
               </p:ext>
             </p:extLst>
           </p:nvPr>
         </p:nvGraphicFramePr>
         <p:xfrm>
-          <a:off x="3336481" y="2315795"/>
+          <a:off x="3436689" y="2491159"/>
           <a:ext cx="2669978" cy="1819159"/>
         </p:xfrm>
         <a:graphic>
@@ -32000,16 +32121,16 @@
                     <a:p>
                       <a:pPr algn="r"/>
                       <a:r>
-                        <a:rPr lang="it-IT" sz="1000" i="1"/>
+                        <a:rPr lang="it-IT" sz="1000" i="1" dirty="0"/>
                         <a:t>  Rand</a:t>
                       </a:r>
                     </a:p>
                     <a:p>
                       <a:r>
-                        <a:rPr lang="it-IT" sz="1000" i="1"/>
+                        <a:rPr lang="it-IT" sz="1000" i="1" dirty="0"/>
                         <a:t>Dim</a:t>
                       </a:r>
-                      <a:endParaRPr lang="it-IT" sz="1400" i="1"/>
+                      <a:endParaRPr lang="it-IT" sz="1400" i="1" dirty="0"/>
                     </a:p>
                   </a:txBody>
                   <a:tcPr marL="77823" marR="77823" marT="38912" marB="38912">
@@ -32133,7 +32254,7 @@
                     <a:p>
                       <a:pPr algn="ctr"/>
                       <a:r>
-                        <a:rPr lang="it-IT" sz="1000"/>
+                        <a:rPr lang="it-IT" sz="1000" dirty="0"/>
                         <a:t>6497,48</a:t>
                       </a:r>
                     </a:p>
@@ -32190,7 +32311,7 @@
                     <a:p>
                       <a:pPr algn="ctr"/>
                       <a:r>
-                        <a:rPr lang="it-IT" sz="1200" b="1" i="1"/>
+                        <a:rPr lang="it-IT" sz="1200" b="1" i="1" dirty="0"/>
                         <a:t>40</a:t>
                       </a:r>
                     </a:p>
@@ -32303,7 +32424,7 @@
                     <a:p>
                       <a:pPr algn="ctr"/>
                       <a:r>
-                        <a:rPr lang="it-IT" sz="1000"/>
+                        <a:rPr lang="it-IT" sz="1000" dirty="0"/>
                         <a:t>6490,92</a:t>
                       </a:r>
                     </a:p>
@@ -32335,13 +32456,13 @@
           <p:nvPr>
             <p:extLst>
               <p:ext uri="{D42A27DB-BD31-4B8C-83A1-F6EECF244321}">
-                <p14:modId xmlns:p14="http://schemas.microsoft.com/office/powerpoint/2010/main" val="1435648244"/>
+                <p14:modId xmlns:p14="http://schemas.microsoft.com/office/powerpoint/2010/main" val="4152572954"/>
               </p:ext>
             </p:extLst>
           </p:nvPr>
         </p:nvGraphicFramePr>
         <p:xfrm>
-          <a:off x="539100" y="4299606"/>
+          <a:off x="639308" y="4474970"/>
           <a:ext cx="2669978" cy="1816776"/>
         </p:xfrm>
         <a:graphic>
@@ -32388,10 +32509,14 @@
                     <a:p>
                       <a:pPr algn="ctr"/>
                       <a:r>
-                        <a:rPr lang="it-IT" sz="1200" b="1" i="1"/>
-                        <a:t>MDPDF : tempi di esecuzione max</a:t>
+                        <a:rPr lang="it-IT" sz="1200" b="1" i="1" dirty="0"/>
+                        <a:t>MDPDF : tempi di esecuzione </a:t>
                       </a:r>
-                      <a:endParaRPr lang="it-IT" sz="1400" b="1" i="1"/>
+                      <a:r>
+                        <a:rPr lang="it-IT" sz="1200" b="1" i="1" dirty="0" err="1"/>
+                        <a:t>max</a:t>
+                      </a:r>
+                      <a:endParaRPr lang="it-IT" sz="1400" b="1" i="1" dirty="0"/>
                     </a:p>
                   </a:txBody>
                   <a:tcPr marL="77823" marR="77823" marT="38911" marB="38911">
@@ -32581,21 +32706,21 @@
                     <a:p>
                       <a:pPr algn="r"/>
                       <a:r>
-                        <a:rPr lang="it-IT" sz="1200" i="1"/>
+                        <a:rPr lang="it-IT" sz="1200" i="1" dirty="0"/>
                         <a:t>  </a:t>
                       </a:r>
                       <a:r>
-                        <a:rPr lang="it-IT" sz="1000" i="1"/>
+                        <a:rPr lang="it-IT" sz="1000" i="1" dirty="0"/>
                         <a:t>Rand</a:t>
                       </a:r>
-                      <a:endParaRPr lang="it-IT" sz="1500" i="1"/>
+                      <a:endParaRPr lang="it-IT" sz="1500" i="1" dirty="0"/>
                     </a:p>
                     <a:p>
                       <a:r>
-                        <a:rPr lang="it-IT" sz="1000" i="1"/>
+                        <a:rPr lang="it-IT" sz="1000" i="1" dirty="0"/>
                         <a:t>Dim</a:t>
                       </a:r>
-                      <a:endParaRPr lang="it-IT" sz="1500" i="1"/>
+                      <a:endParaRPr lang="it-IT" sz="1500" i="1" dirty="0"/>
                     </a:p>
                   </a:txBody>
                   <a:tcPr marL="77823" marR="77823" marT="38911" marB="38911">
@@ -32873,11 +32998,11 @@
                     <a:p>
                       <a:pPr algn="ctr"/>
                       <a:r>
-                        <a:rPr lang="it-IT" sz="1000"/>
+                        <a:rPr lang="it-IT" sz="1000" dirty="0"/>
                         <a:t>2,20 </a:t>
                       </a:r>
                       <a:r>
-                        <a:rPr lang="it-IT" sz="1000" i="1"/>
+                        <a:rPr lang="it-IT" sz="1000" i="1" dirty="0"/>
                         <a:t>s</a:t>
                       </a:r>
                     </a:p>
@@ -32911,11 +33036,11 @@
                     <a:p>
                       <a:pPr algn="ctr"/>
                       <a:r>
-                        <a:rPr lang="it-IT" sz="1000"/>
+                        <a:rPr lang="it-IT" sz="1000" dirty="0"/>
                         <a:t>2,30 </a:t>
                       </a:r>
                       <a:r>
-                        <a:rPr lang="it-IT" sz="1000" i="1"/>
+                        <a:rPr lang="it-IT" sz="1000" i="1" dirty="0"/>
                         <a:t>s</a:t>
                       </a:r>
                     </a:p>
@@ -32951,13 +33076,13 @@
           <p:nvPr>
             <p:extLst>
               <p:ext uri="{D42A27DB-BD31-4B8C-83A1-F6EECF244321}">
-                <p14:modId xmlns:p14="http://schemas.microsoft.com/office/powerpoint/2010/main" val="2777544938"/>
+                <p14:modId xmlns:p14="http://schemas.microsoft.com/office/powerpoint/2010/main" val="1091828490"/>
               </p:ext>
             </p:extLst>
           </p:nvPr>
         </p:nvGraphicFramePr>
         <p:xfrm>
-          <a:off x="3336481" y="4306553"/>
+          <a:off x="3436689" y="4481917"/>
           <a:ext cx="2669978" cy="1819159"/>
         </p:xfrm>
         <a:graphic>
@@ -33196,16 +33321,16 @@
                     <a:p>
                       <a:pPr algn="r"/>
                       <a:r>
-                        <a:rPr lang="it-IT" sz="1000" i="1"/>
+                        <a:rPr lang="it-IT" sz="1000" i="1" dirty="0"/>
                         <a:t>  Rand</a:t>
                       </a:r>
                     </a:p>
                     <a:p>
                       <a:r>
-                        <a:rPr lang="it-IT" sz="1000" i="1"/>
+                        <a:rPr lang="it-IT" sz="1000" i="1" dirty="0"/>
                         <a:t>Dim</a:t>
                       </a:r>
-                      <a:endParaRPr lang="it-IT" sz="1400" i="1"/>
+                      <a:endParaRPr lang="it-IT" sz="1400" i="1" dirty="0"/>
                     </a:p>
                   </a:txBody>
                   <a:tcPr marL="77823" marR="77823" marT="38912" marB="38912">
@@ -33559,13 +33684,13 @@
           <p:nvPr>
             <p:extLst>
               <p:ext uri="{D42A27DB-BD31-4B8C-83A1-F6EECF244321}">
-                <p14:modId xmlns:p14="http://schemas.microsoft.com/office/powerpoint/2010/main" val="1922884290"/>
+                <p14:modId xmlns:p14="http://schemas.microsoft.com/office/powerpoint/2010/main" val="617634765"/>
               </p:ext>
             </p:extLst>
           </p:nvPr>
         </p:nvGraphicFramePr>
         <p:xfrm>
-          <a:off x="6156122" y="4307944"/>
+          <a:off x="6256330" y="4483308"/>
           <a:ext cx="2669978" cy="1819159"/>
         </p:xfrm>
         <a:graphic>
@@ -33804,16 +33929,16 @@
                     <a:p>
                       <a:pPr algn="r"/>
                       <a:r>
-                        <a:rPr lang="it-IT" sz="1000" i="1"/>
+                        <a:rPr lang="it-IT" sz="1000" i="1" dirty="0"/>
                         <a:t>  Rand</a:t>
                       </a:r>
                     </a:p>
                     <a:p>
                       <a:r>
-                        <a:rPr lang="it-IT" sz="1000" i="1"/>
+                        <a:rPr lang="it-IT" sz="1000" i="1" dirty="0"/>
                         <a:t>Dim</a:t>
                       </a:r>
-                      <a:endParaRPr lang="it-IT" sz="1400" i="1"/>
+                      <a:endParaRPr lang="it-IT" sz="1400" i="1" dirty="0"/>
                     </a:p>
                   </a:txBody>
                   <a:tcPr marL="77823" marR="77823" marT="38912" marB="38912">
@@ -34232,7 +34357,7 @@
                     <a:p>
                       <a:pPr algn="ctr"/>
                       <a:r>
-                        <a:rPr lang="it-IT" sz="1000" b="0" i="0" kern="1200">
+                        <a:rPr lang="it-IT" sz="1000" b="0" i="0" kern="1200" dirty="0">
                           <a:solidFill>
                             <a:schemeClr val="dk1"/>
                           </a:solidFill>
@@ -34244,7 +34369,7 @@
                         <a:t>0,151 </a:t>
                       </a:r>
                       <a:r>
-                        <a:rPr lang="it-IT" sz="1000" b="0" i="1" kern="1200">
+                        <a:rPr lang="it-IT" sz="1000" b="0" i="1" kern="1200" dirty="0">
                           <a:solidFill>
                             <a:schemeClr val="dk1"/>
                           </a:solidFill>
@@ -34255,7 +34380,7 @@
                         </a:rPr>
                         <a:t>s</a:t>
                       </a:r>
-                      <a:endParaRPr lang="it-IT" sz="900" i="1"/>
+                      <a:endParaRPr lang="it-IT" sz="900" i="1" dirty="0"/>
                     </a:p>
                   </a:txBody>
                   <a:tcPr marL="77823" marR="77823" marT="38912" marB="38912"/>
@@ -34267,7 +34392,7 @@
                     <a:p>
                       <a:pPr algn="ctr"/>
                       <a:r>
-                        <a:rPr lang="it-IT" sz="1000" b="0" i="0" kern="1200">
+                        <a:rPr lang="it-IT" sz="1000" b="0" i="0" kern="1200" dirty="0">
                           <a:solidFill>
                             <a:schemeClr val="dk1"/>
                           </a:solidFill>
@@ -34279,7 +34404,7 @@
                         <a:t>0,156 </a:t>
                       </a:r>
                       <a:r>
-                        <a:rPr lang="it-IT" sz="1000" b="0" i="1" kern="1200">
+                        <a:rPr lang="it-IT" sz="1000" b="0" i="1" kern="1200" dirty="0">
                           <a:solidFill>
                             <a:schemeClr val="dk1"/>
                           </a:solidFill>
@@ -34290,7 +34415,7 @@
                         </a:rPr>
                         <a:t>s</a:t>
                       </a:r>
-                      <a:endParaRPr lang="it-IT" sz="900" i="1"/>
+                      <a:endParaRPr lang="it-IT" sz="900" i="1" dirty="0"/>
                     </a:p>
                   </a:txBody>
                   <a:tcPr marL="77823" marR="77823" marT="38912" marB="38912"/>
@@ -34305,10 +34430,4479 @@
           </a:graphicData>
         </a:graphic>
       </p:graphicFrame>
+      <p:sp>
+        <p:nvSpPr>
+          <p:cNvPr id="13" name="CasellaDiTesto 12"/>
+          <p:cNvSpPr txBox="1"/>
+          <p:nvPr/>
+        </p:nvSpPr>
+        <p:spPr>
+          <a:xfrm>
+            <a:off x="9118948" y="2393597"/>
+            <a:ext cx="2592888" cy="3323987"/>
+          </a:xfrm>
+          <a:prstGeom prst="rect">
+            <a:avLst/>
+          </a:prstGeom>
+          <a:noFill/>
+        </p:spPr>
+        <p:txBody>
+          <a:bodyPr wrap="square" rtlCol="0">
+            <a:spAutoFit/>
+          </a:bodyPr>
+          <a:lstStyle/>
+          <a:p>
+            <a:pPr algn="just"/>
+            <a:r>
+              <a:rPr lang="it-IT" sz="1400" dirty="0" smtClean="0"/>
+              <a:t>Le seguenti tabelle sono state costruite utilizzando le tre diverse euristiche utilizzate per produrre la popolazione iniziale modificando:</a:t>
+            </a:r>
+          </a:p>
+          <a:p>
+            <a:pPr marL="285750" indent="-285750" algn="just">
+              <a:buFont typeface="Arial" panose="020B0604020202020204" pitchFamily="34" charset="0"/>
+              <a:buChar char="•"/>
+            </a:pPr>
+            <a:r>
+              <a:rPr lang="it-IT" sz="1400" i="1" u="sng" dirty="0" smtClean="0"/>
+              <a:t>Randomness</a:t>
+            </a:r>
+            <a:r>
+              <a:rPr lang="it-IT" sz="1400" dirty="0"/>
+              <a:t> </a:t>
+            </a:r>
+            <a:r>
+              <a:rPr lang="it-IT" sz="1400" dirty="0" smtClean="0"/>
+              <a:t>(Numero di iterazioni dopo le quali viene aggiunto un nodo casuale al percorso)</a:t>
+            </a:r>
+          </a:p>
+          <a:p>
+            <a:pPr marL="285750" indent="-285750" algn="just">
+              <a:buFont typeface="Arial" panose="020B0604020202020204" pitchFamily="34" charset="0"/>
+              <a:buChar char="•"/>
+            </a:pPr>
+            <a:r>
+              <a:rPr lang="it-IT" sz="1400" i="1" u="sng" dirty="0" smtClean="0"/>
+              <a:t>Dimensione</a:t>
+            </a:r>
+            <a:r>
+              <a:rPr lang="it-IT" sz="1400" dirty="0" smtClean="0"/>
+              <a:t> (Numero di individui nella popolazione)</a:t>
+            </a:r>
+          </a:p>
+          <a:p>
+            <a:pPr marL="285750" indent="-285750" algn="just">
+              <a:buFont typeface="Arial" panose="020B0604020202020204" pitchFamily="34" charset="0"/>
+              <a:buChar char="•"/>
+            </a:pPr>
+            <a:endParaRPr lang="it-IT" sz="1400" i="1" u="sng" dirty="0"/>
+          </a:p>
+          <a:p>
+            <a:pPr algn="just"/>
+            <a:r>
+              <a:rPr lang="it-IT" sz="1400" dirty="0" smtClean="0"/>
+              <a:t>Dai test l’euristica migliore è la MDPDF con popolazione di 50 individui e </a:t>
+            </a:r>
+            <a:r>
+              <a:rPr lang="it-IT" sz="1400" dirty="0" err="1" smtClean="0"/>
+              <a:t>randomness</a:t>
+            </a:r>
+            <a:r>
+              <a:rPr lang="it-IT" sz="1400" dirty="0" smtClean="0"/>
+              <a:t> di 50</a:t>
+            </a:r>
+            <a:endParaRPr lang="it-IT" sz="1400" dirty="0"/>
+          </a:p>
+        </p:txBody>
+      </p:sp>
     </p:spTree>
     <p:extLst>
       <p:ext uri="{BB962C8B-B14F-4D97-AF65-F5344CB8AC3E}">
         <p14:creationId xmlns:p14="http://schemas.microsoft.com/office/powerpoint/2010/main" val="4177921264"/>
+      </p:ext>
+    </p:extLst>
+  </p:cSld>
+  <p:clrMapOvr>
+    <a:masterClrMapping/>
+  </p:clrMapOvr>
+</p:sld>
+</file>
+
+<file path=ppt/slides/slide29.xml><?xml version="1.0" encoding="utf-8"?>
+<p:sld xmlns:a="http://schemas.openxmlformats.org/drawingml/2006/main" xmlns:r="http://schemas.openxmlformats.org/officeDocument/2006/relationships" xmlns:p="http://schemas.openxmlformats.org/presentationml/2006/main">
+  <p:cSld>
+    <p:bg>
+      <p:bgPr>
+        <a:solidFill>
+          <a:schemeClr val="bg1"/>
+        </a:solidFill>
+        <a:effectLst/>
+      </p:bgPr>
+    </p:bg>
+    <p:spTree>
+      <p:nvGrpSpPr>
+        <p:cNvPr id="1" name=""/>
+        <p:cNvGrpSpPr/>
+        <p:nvPr/>
+      </p:nvGrpSpPr>
+      <p:grpSpPr>
+        <a:xfrm>
+          <a:off x="0" y="0"/>
+          <a:ext cx="0" cy="0"/>
+          <a:chOff x="0" y="0"/>
+          <a:chExt cx="0" cy="0"/>
+        </a:xfrm>
+      </p:grpSpPr>
+      <p:sp>
+        <p:nvSpPr>
+          <p:cNvPr id="18" name="Rettangolo 17">
+            <a:extLst>
+              <a:ext uri="{FF2B5EF4-FFF2-40B4-BE49-F238E27FC236}">
+                <a16:creationId xmlns:a16="http://schemas.microsoft.com/office/drawing/2014/main" id="{4F49A59B-91F6-456E-9556-CC8C4373D475}"/>
+              </a:ext>
+            </a:extLst>
+          </p:cNvPr>
+          <p:cNvSpPr/>
+          <p:nvPr/>
+        </p:nvSpPr>
+        <p:spPr>
+          <a:xfrm>
+            <a:off x="366764" y="2110590"/>
+            <a:ext cx="11522504" cy="4517873"/>
+          </a:xfrm>
+          <a:prstGeom prst="rect">
+            <a:avLst/>
+          </a:prstGeom>
+          <a:solidFill>
+            <a:srgbClr val="E5E5E5"/>
+          </a:solidFill>
+        </p:spPr>
+        <p:style>
+          <a:lnRef idx="2">
+            <a:schemeClr val="accent1">
+              <a:shade val="50000"/>
+            </a:schemeClr>
+          </a:lnRef>
+          <a:fillRef idx="1">
+            <a:schemeClr val="accent1"/>
+          </a:fillRef>
+          <a:effectRef idx="0">
+            <a:schemeClr val="accent1"/>
+          </a:effectRef>
+          <a:fontRef idx="minor">
+            <a:schemeClr val="lt1"/>
+          </a:fontRef>
+        </p:style>
+        <p:txBody>
+          <a:bodyPr rtlCol="0" anchor="ctr"/>
+          <a:lstStyle/>
+          <a:p>
+            <a:r>
+              <a:rPr lang="it-IT" dirty="0" smtClean="0">
+                <a:solidFill>
+                  <a:schemeClr val="tx1"/>
+                </a:solidFill>
+              </a:rPr>
+              <a:t>				</a:t>
+            </a:r>
+            <a:endParaRPr lang="it-IT" dirty="0">
+              <a:solidFill>
+                <a:schemeClr val="tx1"/>
+              </a:solidFill>
+            </a:endParaRPr>
+          </a:p>
+        </p:txBody>
+      </p:sp>
+      <p:sp>
+        <p:nvSpPr>
+          <p:cNvPr id="17" name="Rettangolo 16">
+            <a:extLst>
+              <a:ext uri="{FF2B5EF4-FFF2-40B4-BE49-F238E27FC236}">
+                <a16:creationId xmlns:a16="http://schemas.microsoft.com/office/drawing/2014/main" id="{A101F3F9-A1F9-4185-8473-EB24D4768818}"/>
+              </a:ext>
+            </a:extLst>
+          </p:cNvPr>
+          <p:cNvSpPr/>
+          <p:nvPr/>
+        </p:nvSpPr>
+        <p:spPr>
+          <a:xfrm>
+            <a:off x="329185" y="275079"/>
+            <a:ext cx="11522504" cy="1625210"/>
+          </a:xfrm>
+          <a:prstGeom prst="rect">
+            <a:avLst/>
+          </a:prstGeom>
+          <a:solidFill>
+            <a:srgbClr val="684A54"/>
+          </a:solidFill>
+        </p:spPr>
+        <p:style>
+          <a:lnRef idx="2">
+            <a:schemeClr val="accent1">
+              <a:shade val="50000"/>
+            </a:schemeClr>
+          </a:lnRef>
+          <a:fillRef idx="1">
+            <a:schemeClr val="accent1"/>
+          </a:fillRef>
+          <a:effectRef idx="0">
+            <a:schemeClr val="accent1"/>
+          </a:effectRef>
+          <a:fontRef idx="minor">
+            <a:schemeClr val="lt1"/>
+          </a:fontRef>
+        </p:style>
+        <p:txBody>
+          <a:bodyPr rtlCol="0" anchor="ctr"/>
+          <a:lstStyle/>
+          <a:p>
+            <a:pPr algn="ctr"/>
+            <a:endParaRPr lang="it-IT"/>
+          </a:p>
+        </p:txBody>
+      </p:sp>
+      <p:sp>
+        <p:nvSpPr>
+          <p:cNvPr id="4" name="Titolo 3">
+            <a:extLst>
+              <a:ext uri="{FF2B5EF4-FFF2-40B4-BE49-F238E27FC236}">
+                <a16:creationId xmlns:a16="http://schemas.microsoft.com/office/drawing/2014/main" id="{22298CA8-B14D-42A4-9839-2A19B3FFC3E4}"/>
+              </a:ext>
+            </a:extLst>
+          </p:cNvPr>
+          <p:cNvSpPr>
+            <a:spLocks noGrp="1"/>
+          </p:cNvSpPr>
+          <p:nvPr>
+            <p:ph type="title"/>
+          </p:nvPr>
+        </p:nvSpPr>
+        <p:spPr>
+          <a:xfrm>
+            <a:off x="2507014" y="310250"/>
+            <a:ext cx="7166845" cy="1625210"/>
+          </a:xfrm>
+        </p:spPr>
+        <p:txBody>
+          <a:bodyPr>
+            <a:normAutofit/>
+          </a:bodyPr>
+          <a:lstStyle/>
+          <a:p>
+            <a:pPr algn="ctr"/>
+            <a:r>
+              <a:rPr lang="it-IT" sz="4000" dirty="0">
+                <a:solidFill>
+                  <a:srgbClr val="FFFFFF"/>
+                </a:solidFill>
+              </a:rPr>
+              <a:t>Confronto dei risultati : </a:t>
+            </a:r>
+            <a:r>
+              <a:rPr lang="it-IT" sz="4000" dirty="0" smtClean="0">
+                <a:solidFill>
+                  <a:srgbClr val="FFFFFF"/>
+                </a:solidFill>
+              </a:rPr>
+              <a:t>Algoritmo Genetico</a:t>
+            </a:r>
+            <a:endParaRPr lang="it-IT" sz="4000" dirty="0">
+              <a:solidFill>
+                <a:srgbClr val="FFFFFF"/>
+              </a:solidFill>
+            </a:endParaRPr>
+          </a:p>
+        </p:txBody>
+      </p:sp>
+      <p:graphicFrame>
+        <p:nvGraphicFramePr>
+          <p:cNvPr id="19" name="Tabella 7">
+            <a:extLst>
+              <a:ext uri="{FF2B5EF4-FFF2-40B4-BE49-F238E27FC236}">
+                <a16:creationId xmlns:a16="http://schemas.microsoft.com/office/drawing/2014/main" id="{BD18624C-EF40-48F1-887F-B3E2A5BE493D}"/>
+              </a:ext>
+            </a:extLst>
+          </p:cNvPr>
+          <p:cNvGraphicFramePr>
+            <a:graphicFrameLocks noGrp="1"/>
+          </p:cNvGraphicFramePr>
+          <p:nvPr>
+            <p:extLst>
+              <p:ext uri="{D42A27DB-BD31-4B8C-83A1-F6EECF244321}">
+                <p14:modId xmlns:p14="http://schemas.microsoft.com/office/powerpoint/2010/main" val="3804116571"/>
+              </p:ext>
+            </p:extLst>
+          </p:nvPr>
+        </p:nvGraphicFramePr>
+        <p:xfrm>
+          <a:off x="3946564" y="2393597"/>
+          <a:ext cx="3172686" cy="1929405"/>
+        </p:xfrm>
+        <a:graphic>
+          <a:graphicData uri="http://schemas.openxmlformats.org/drawingml/2006/table">
+            <a:tbl>
+              <a:tblPr firstRow="1" bandRow="1">
+                <a:tableStyleId>{D7AC3CCA-C797-4891-BE02-D94E43425B78}</a:tableStyleId>
+              </a:tblPr>
+              <a:tblGrid>
+                <a:gridCol w="639199">
+                  <a:extLst>
+                    <a:ext uri="{9D8B030D-6E8A-4147-A177-3AD203B41FA5}">
+                      <a16:colId xmlns:a16="http://schemas.microsoft.com/office/drawing/2014/main" val="1229876134"/>
+                    </a:ext>
+                  </a:extLst>
+                </a:gridCol>
+                <a:gridCol w="636848">
+                  <a:extLst>
+                    <a:ext uri="{9D8B030D-6E8A-4147-A177-3AD203B41FA5}">
+                      <a16:colId xmlns:a16="http://schemas.microsoft.com/office/drawing/2014/main" val="3099311952"/>
+                    </a:ext>
+                  </a:extLst>
+                </a:gridCol>
+                <a:gridCol w="618241">
+                  <a:extLst>
+                    <a:ext uri="{9D8B030D-6E8A-4147-A177-3AD203B41FA5}">
+                      <a16:colId xmlns:a16="http://schemas.microsoft.com/office/drawing/2014/main" val="2395735390"/>
+                    </a:ext>
+                  </a:extLst>
+                </a:gridCol>
+                <a:gridCol w="639199">
+                  <a:extLst>
+                    <a:ext uri="{9D8B030D-6E8A-4147-A177-3AD203B41FA5}">
+                      <a16:colId xmlns:a16="http://schemas.microsoft.com/office/drawing/2014/main" val="2674043146"/>
+                    </a:ext>
+                  </a:extLst>
+                </a:gridCol>
+                <a:gridCol w="639199">
+                  <a:extLst>
+                    <a:ext uri="{9D8B030D-6E8A-4147-A177-3AD203B41FA5}">
+                      <a16:colId xmlns:a16="http://schemas.microsoft.com/office/drawing/2014/main" val="3536713904"/>
+                    </a:ext>
+                  </a:extLst>
+                </a:gridCol>
+              </a:tblGrid>
+              <a:tr h="370686">
+                <a:tc gridSpan="5">
+                  <a:txBody>
+                    <a:bodyPr/>
+                    <a:lstStyle/>
+                    <a:p>
+                      <a:pPr algn="ctr"/>
+                      <a:r>
+                        <a:rPr lang="it-IT" sz="1200" b="1" i="1" dirty="0" smtClean="0"/>
+                        <a:t>Crossover</a:t>
+                      </a:r>
+                      <a:r>
+                        <a:rPr lang="it-IT" sz="1200" b="1" i="1" baseline="0" dirty="0" smtClean="0"/>
+                        <a:t> 20</a:t>
+                      </a:r>
+                      <a:endParaRPr lang="it-IT" sz="1400" b="1" i="1" dirty="0"/>
+                    </a:p>
+                  </a:txBody>
+                  <a:tcPr marL="77417" marR="77417" marT="38709" marB="38709" anchor="ctr">
+                    <a:lnL w="12700" cap="flat" cmpd="sng" algn="ctr">
+                      <a:solidFill>
+                        <a:schemeClr val="tx1"/>
+                      </a:solidFill>
+                      <a:prstDash val="solid"/>
+                      <a:round/>
+                      <a:headEnd type="none" w="med" len="med"/>
+                      <a:tailEnd type="none" w="med" len="med"/>
+                    </a:lnL>
+                    <a:lnR w="12700" cap="flat" cmpd="sng" algn="ctr">
+                      <a:solidFill>
+                        <a:schemeClr val="tx1"/>
+                      </a:solidFill>
+                      <a:prstDash val="solid"/>
+                      <a:round/>
+                      <a:headEnd type="none" w="med" len="med"/>
+                      <a:tailEnd type="none" w="med" len="med"/>
+                    </a:lnR>
+                    <a:lnT w="12700" cap="flat" cmpd="sng" algn="ctr">
+                      <a:solidFill>
+                        <a:schemeClr val="tx1"/>
+                      </a:solidFill>
+                      <a:prstDash val="solid"/>
+                      <a:round/>
+                      <a:headEnd type="none" w="med" len="med"/>
+                      <a:tailEnd type="none" w="med" len="med"/>
+                    </a:lnT>
+                    <a:lnB w="12700" cap="flat" cmpd="sng" algn="ctr">
+                      <a:solidFill>
+                        <a:schemeClr val="tx1"/>
+                      </a:solidFill>
+                      <a:prstDash val="solid"/>
+                      <a:round/>
+                      <a:headEnd type="none" w="med" len="med"/>
+                      <a:tailEnd type="none" w="med" len="med"/>
+                    </a:lnB>
+                  </a:tcPr>
+                </a:tc>
+                <a:tc hMerge="1">
+                  <a:txBody>
+                    <a:bodyPr/>
+                    <a:lstStyle/>
+                    <a:p>
+                      <a:pPr algn="ctr"/>
+                      <a:endParaRPr lang="it-IT"/>
+                    </a:p>
+                  </a:txBody>
+                  <a:tcPr>
+                    <a:lnL w="12700" cap="flat" cmpd="sng" algn="ctr">
+                      <a:noFill/>
+                      <a:prstDash val="solid"/>
+                      <a:round/>
+                      <a:headEnd type="none" w="med" len="med"/>
+                      <a:tailEnd type="none" w="med" len="med"/>
+                    </a:lnL>
+                    <a:lnR w="12700" cap="flat" cmpd="sng" algn="ctr">
+                      <a:solidFill>
+                        <a:schemeClr val="tx1"/>
+                      </a:solidFill>
+                      <a:prstDash val="solid"/>
+                      <a:round/>
+                      <a:headEnd type="none" w="med" len="med"/>
+                      <a:tailEnd type="none" w="med" len="med"/>
+                    </a:lnR>
+                    <a:lnT w="12700" cap="flat" cmpd="sng" algn="ctr">
+                      <a:solidFill>
+                        <a:schemeClr val="tx1"/>
+                      </a:solidFill>
+                      <a:prstDash val="solid"/>
+                      <a:round/>
+                      <a:headEnd type="none" w="med" len="med"/>
+                      <a:tailEnd type="none" w="med" len="med"/>
+                    </a:lnT>
+                    <a:lnB w="12700" cap="flat" cmpd="sng" algn="ctr">
+                      <a:solidFill>
+                        <a:schemeClr val="tx1"/>
+                      </a:solidFill>
+                      <a:prstDash val="solid"/>
+                      <a:round/>
+                      <a:headEnd type="none" w="med" len="med"/>
+                      <a:tailEnd type="none" w="med" len="med"/>
+                    </a:lnB>
+                  </a:tcPr>
+                </a:tc>
+                <a:tc hMerge="1">
+                  <a:txBody>
+                    <a:bodyPr/>
+                    <a:lstStyle/>
+                    <a:p>
+                      <a:endParaRPr lang="it-IT"/>
+                    </a:p>
+                  </a:txBody>
+                  <a:tcPr>
+                    <a:lnL w="12700" cap="flat" cmpd="sng" algn="ctr">
+                      <a:noFill/>
+                      <a:prstDash val="solid"/>
+                      <a:round/>
+                      <a:headEnd type="none" w="med" len="med"/>
+                      <a:tailEnd type="none" w="med" len="med"/>
+                    </a:lnL>
+                    <a:lnR w="12700" cap="flat" cmpd="sng" algn="ctr">
+                      <a:noFill/>
+                      <a:prstDash val="solid"/>
+                      <a:round/>
+                      <a:headEnd type="none" w="med" len="med"/>
+                      <a:tailEnd type="none" w="med" len="med"/>
+                    </a:lnR>
+                    <a:lnT w="12700" cap="flat" cmpd="sng" algn="ctr">
+                      <a:solidFill>
+                        <a:schemeClr val="tx1"/>
+                      </a:solidFill>
+                      <a:prstDash val="solid"/>
+                      <a:round/>
+                      <a:headEnd type="none" w="med" len="med"/>
+                      <a:tailEnd type="none" w="med" len="med"/>
+                    </a:lnT>
+                    <a:lnB w="12700" cap="flat" cmpd="sng" algn="ctr">
+                      <a:solidFill>
+                        <a:schemeClr val="tx1"/>
+                      </a:solidFill>
+                      <a:prstDash val="solid"/>
+                      <a:round/>
+                      <a:headEnd type="none" w="med" len="med"/>
+                      <a:tailEnd type="none" w="med" len="med"/>
+                    </a:lnB>
+                  </a:tcPr>
+                </a:tc>
+                <a:tc hMerge="1">
+                  <a:txBody>
+                    <a:bodyPr/>
+                    <a:lstStyle/>
+                    <a:p>
+                      <a:endParaRPr lang="it-IT"/>
+                    </a:p>
+                  </a:txBody>
+                  <a:tcPr>
+                    <a:lnL w="12700" cap="flat" cmpd="sng" algn="ctr">
+                      <a:noFill/>
+                      <a:prstDash val="solid"/>
+                      <a:round/>
+                      <a:headEnd type="none" w="med" len="med"/>
+                      <a:tailEnd type="none" w="med" len="med"/>
+                    </a:lnL>
+                    <a:lnR w="12700" cap="flat" cmpd="sng" algn="ctr">
+                      <a:solidFill>
+                        <a:schemeClr val="tx1"/>
+                      </a:solidFill>
+                      <a:prstDash val="solid"/>
+                      <a:round/>
+                      <a:headEnd type="none" w="med" len="med"/>
+                      <a:tailEnd type="none" w="med" len="med"/>
+                    </a:lnR>
+                    <a:lnT w="12700" cap="flat" cmpd="sng" algn="ctr">
+                      <a:solidFill>
+                        <a:schemeClr val="tx1"/>
+                      </a:solidFill>
+                      <a:prstDash val="solid"/>
+                      <a:round/>
+                      <a:headEnd type="none" w="med" len="med"/>
+                      <a:tailEnd type="none" w="med" len="med"/>
+                    </a:lnT>
+                    <a:lnB w="12700" cap="flat" cmpd="sng" algn="ctr">
+                      <a:solidFill>
+                        <a:schemeClr val="tx1"/>
+                      </a:solidFill>
+                      <a:prstDash val="solid"/>
+                      <a:round/>
+                      <a:headEnd type="none" w="med" len="med"/>
+                      <a:tailEnd type="none" w="med" len="med"/>
+                    </a:lnB>
+                  </a:tcPr>
+                </a:tc>
+                <a:tc hMerge="1">
+                  <a:txBody>
+                    <a:bodyPr/>
+                    <a:lstStyle/>
+                    <a:p>
+                      <a:pPr algn="ctr"/>
+                      <a:endParaRPr lang="it-IT" sz="1400" b="1" i="1" dirty="0"/>
+                    </a:p>
+                  </a:txBody>
+                  <a:tcPr marL="77823" marR="77823" marT="38911" marB="38911">
+                    <a:lnL w="12700" cap="flat" cmpd="sng" algn="ctr">
+                      <a:solidFill>
+                        <a:schemeClr val="tx1"/>
+                      </a:solidFill>
+                      <a:prstDash val="solid"/>
+                      <a:round/>
+                      <a:headEnd type="none" w="med" len="med"/>
+                      <a:tailEnd type="none" w="med" len="med"/>
+                    </a:lnL>
+                    <a:lnR w="12700" cap="flat" cmpd="sng" algn="ctr">
+                      <a:solidFill>
+                        <a:schemeClr val="tx1"/>
+                      </a:solidFill>
+                      <a:prstDash val="solid"/>
+                      <a:round/>
+                      <a:headEnd type="none" w="med" len="med"/>
+                      <a:tailEnd type="none" w="med" len="med"/>
+                    </a:lnR>
+                    <a:lnT w="12700" cap="flat" cmpd="sng" algn="ctr">
+                      <a:solidFill>
+                        <a:schemeClr val="tx1"/>
+                      </a:solidFill>
+                      <a:prstDash val="solid"/>
+                      <a:round/>
+                      <a:headEnd type="none" w="med" len="med"/>
+                      <a:tailEnd type="none" w="med" len="med"/>
+                    </a:lnT>
+                    <a:lnB w="12700" cap="flat" cmpd="sng" algn="ctr">
+                      <a:solidFill>
+                        <a:schemeClr val="tx1"/>
+                      </a:solidFill>
+                      <a:prstDash val="solid"/>
+                      <a:round/>
+                      <a:headEnd type="none" w="med" len="med"/>
+                      <a:tailEnd type="none" w="med" len="med"/>
+                    </a:lnB>
+                  </a:tcPr>
+                </a:tc>
+                <a:extLst>
+                  <a:ext uri="{0D108BD9-81ED-4DB2-BD59-A6C34878D82A}">
+                    <a16:rowId xmlns:a16="http://schemas.microsoft.com/office/drawing/2014/main" val="3424649096"/>
+                  </a:ext>
+                </a:extLst>
+              </a:tr>
+              <a:tr h="463677">
+                <a:tc>
+                  <a:txBody>
+                    <a:bodyPr/>
+                    <a:lstStyle/>
+                    <a:p>
+                      <a:pPr algn="r"/>
+                      <a:r>
+                        <a:rPr lang="it-IT" sz="1200" i="1" dirty="0"/>
+                        <a:t>  </a:t>
+                      </a:r>
+                      <a:r>
+                        <a:rPr lang="it-IT" sz="1100" i="1" dirty="0" err="1" smtClean="0"/>
+                        <a:t>Prob</a:t>
+                      </a:r>
+                      <a:endParaRPr lang="it-IT" sz="1500" i="1" dirty="0"/>
+                    </a:p>
+                    <a:p>
+                      <a:r>
+                        <a:rPr lang="it-IT" sz="1200" i="1" dirty="0"/>
+                        <a:t>Dim</a:t>
+                      </a:r>
+                      <a:endParaRPr lang="it-IT" sz="2000" i="1" dirty="0"/>
+                    </a:p>
+                  </a:txBody>
+                  <a:tcPr marL="77417" marR="77417" marT="38709" marB="38709">
+                    <a:lnT w="12700" cap="flat" cmpd="sng" algn="ctr">
+                      <a:solidFill>
+                        <a:schemeClr val="tx1"/>
+                      </a:solidFill>
+                      <a:prstDash val="solid"/>
+                      <a:round/>
+                      <a:headEnd type="none" w="med" len="med"/>
+                      <a:tailEnd type="none" w="med" len="med"/>
+                    </a:lnT>
+                    <a:lnTlToBr w="12700" cap="flat" cmpd="sng" algn="ctr">
+                      <a:solidFill>
+                        <a:schemeClr val="tx1"/>
+                      </a:solidFill>
+                      <a:prstDash val="solid"/>
+                      <a:round/>
+                      <a:headEnd type="none" w="med" len="med"/>
+                      <a:tailEnd type="none" w="med" len="med"/>
+                    </a:lnTlToBr>
+                  </a:tcPr>
+                </a:tc>
+                <a:tc>
+                  <a:txBody>
+                    <a:bodyPr/>
+                    <a:lstStyle/>
+                    <a:p>
+                      <a:pPr algn="ctr"/>
+                      <a:r>
+                        <a:rPr lang="it-IT" sz="1200" b="1" i="1" dirty="0" smtClean="0"/>
+                        <a:t>5%</a:t>
+                      </a:r>
+                      <a:endParaRPr lang="it-IT" sz="1200" b="1" i="1" dirty="0"/>
+                    </a:p>
+                  </a:txBody>
+                  <a:tcPr marL="77417" marR="77417" marT="38709" marB="38709">
+                    <a:lnT w="12700" cap="flat" cmpd="sng" algn="ctr">
+                      <a:solidFill>
+                        <a:schemeClr val="tx1"/>
+                      </a:solidFill>
+                      <a:prstDash val="solid"/>
+                      <a:round/>
+                      <a:headEnd type="none" w="med" len="med"/>
+                      <a:tailEnd type="none" w="med" len="med"/>
+                    </a:lnT>
+                  </a:tcPr>
+                </a:tc>
+                <a:tc>
+                  <a:txBody>
+                    <a:bodyPr/>
+                    <a:lstStyle/>
+                    <a:p>
+                      <a:pPr algn="ctr"/>
+                      <a:r>
+                        <a:rPr lang="it-IT" sz="1200" b="1" i="1" dirty="0" smtClean="0"/>
+                        <a:t>10%</a:t>
+                      </a:r>
+                      <a:endParaRPr lang="it-IT" sz="1200" b="1" i="1" dirty="0"/>
+                    </a:p>
+                  </a:txBody>
+                  <a:tcPr marL="77417" marR="77417" marT="38709" marB="38709">
+                    <a:lnT w="12700" cap="flat" cmpd="sng" algn="ctr">
+                      <a:solidFill>
+                        <a:schemeClr val="tx1"/>
+                      </a:solidFill>
+                      <a:prstDash val="solid"/>
+                      <a:round/>
+                      <a:headEnd type="none" w="med" len="med"/>
+                      <a:tailEnd type="none" w="med" len="med"/>
+                    </a:lnT>
+                  </a:tcPr>
+                </a:tc>
+                <a:tc>
+                  <a:txBody>
+                    <a:bodyPr/>
+                    <a:lstStyle/>
+                    <a:p>
+                      <a:pPr algn="ctr"/>
+                      <a:r>
+                        <a:rPr lang="it-IT" sz="1200" b="1" i="1" dirty="0" smtClean="0"/>
+                        <a:t>20%</a:t>
+                      </a:r>
+                      <a:endParaRPr lang="it-IT" sz="1200" b="1" i="1" dirty="0"/>
+                    </a:p>
+                  </a:txBody>
+                  <a:tcPr marL="77417" marR="77417" marT="38709" marB="38709">
+                    <a:lnT w="12700" cap="flat" cmpd="sng" algn="ctr">
+                      <a:solidFill>
+                        <a:schemeClr val="tx1"/>
+                      </a:solidFill>
+                      <a:prstDash val="solid"/>
+                      <a:round/>
+                      <a:headEnd type="none" w="med" len="med"/>
+                      <a:tailEnd type="none" w="med" len="med"/>
+                    </a:lnT>
+                  </a:tcPr>
+                </a:tc>
+                <a:tc>
+                  <a:txBody>
+                    <a:bodyPr/>
+                    <a:lstStyle/>
+                    <a:p>
+                      <a:pPr algn="ctr"/>
+                      <a:r>
+                        <a:rPr lang="it-IT" sz="1200" b="1" i="1" dirty="0" smtClean="0"/>
+                        <a:t>30%</a:t>
+                      </a:r>
+                      <a:endParaRPr lang="it-IT" sz="1200" b="1" i="1" dirty="0"/>
+                    </a:p>
+                  </a:txBody>
+                  <a:tcPr marL="77417" marR="77417" marT="38709" marB="38709">
+                    <a:lnT w="12700" cap="flat" cmpd="sng" algn="ctr">
+                      <a:solidFill>
+                        <a:schemeClr val="tx1"/>
+                      </a:solidFill>
+                      <a:prstDash val="solid"/>
+                      <a:round/>
+                      <a:headEnd type="none" w="med" len="med"/>
+                      <a:tailEnd type="none" w="med" len="med"/>
+                    </a:lnT>
+                  </a:tcPr>
+                </a:tc>
+                <a:extLst>
+                  <a:ext uri="{0D108BD9-81ED-4DB2-BD59-A6C34878D82A}">
+                    <a16:rowId xmlns:a16="http://schemas.microsoft.com/office/drawing/2014/main" val="2481347082"/>
+                  </a:ext>
+                </a:extLst>
+              </a:tr>
+              <a:tr h="342047">
+                <a:tc>
+                  <a:txBody>
+                    <a:bodyPr/>
+                    <a:lstStyle/>
+                    <a:p>
+                      <a:pPr algn="ctr"/>
+                      <a:r>
+                        <a:rPr lang="it-IT" sz="1200" b="1" i="1" dirty="0" smtClean="0"/>
+                        <a:t>5</a:t>
+                      </a:r>
+                      <a:endParaRPr lang="it-IT" sz="1200" b="1" i="1" dirty="0"/>
+                    </a:p>
+                  </a:txBody>
+                  <a:tcPr marL="77417" marR="77417" marT="38709" marB="38709"/>
+                </a:tc>
+                <a:tc>
+                  <a:txBody>
+                    <a:bodyPr/>
+                    <a:lstStyle/>
+                    <a:p>
+                      <a:pPr marL="0" marR="0" indent="0" algn="ctr" defTabSz="914400" rtl="0" eaLnBrk="1" fontAlgn="auto" latinLnBrk="0" hangingPunct="1">
+                        <a:lnSpc>
+                          <a:spcPct val="100000"/>
+                        </a:lnSpc>
+                        <a:spcBef>
+                          <a:spcPts val="0"/>
+                        </a:spcBef>
+                        <a:spcAft>
+                          <a:spcPts val="0"/>
+                        </a:spcAft>
+                        <a:buClrTx/>
+                        <a:buSzTx/>
+                        <a:buFontTx/>
+                        <a:buNone/>
+                        <a:tabLst/>
+                        <a:defRPr/>
+                      </a:pPr>
+                      <a:r>
+                        <a:rPr lang="it-IT" sz="1000" b="0" i="0" kern="1200" dirty="0" smtClean="0">
+                          <a:solidFill>
+                            <a:schemeClr val="dk1"/>
+                          </a:solidFill>
+                          <a:effectLst/>
+                          <a:latin typeface="+mn-lt"/>
+                          <a:ea typeface="+mn-ea"/>
+                          <a:cs typeface="+mn-cs"/>
+                        </a:rPr>
+                        <a:t>3082.87</a:t>
+                      </a:r>
+                    </a:p>
+                  </a:txBody>
+                  <a:tcPr marL="77417" marR="77417" marT="38709" marB="38709">
+                    <a:solidFill>
+                      <a:srgbClr val="00B050"/>
+                    </a:solidFill>
+                  </a:tcPr>
+                </a:tc>
+                <a:tc>
+                  <a:txBody>
+                    <a:bodyPr/>
+                    <a:lstStyle/>
+                    <a:p>
+                      <a:pPr marL="0" marR="0" indent="0" algn="ctr" defTabSz="914400" rtl="0" eaLnBrk="1" fontAlgn="auto" latinLnBrk="0" hangingPunct="1">
+                        <a:lnSpc>
+                          <a:spcPct val="100000"/>
+                        </a:lnSpc>
+                        <a:spcBef>
+                          <a:spcPts val="0"/>
+                        </a:spcBef>
+                        <a:spcAft>
+                          <a:spcPts val="0"/>
+                        </a:spcAft>
+                        <a:buClrTx/>
+                        <a:buSzTx/>
+                        <a:buFontTx/>
+                        <a:buNone/>
+                        <a:tabLst/>
+                        <a:defRPr/>
+                      </a:pPr>
+                      <a:r>
+                        <a:rPr lang="it-IT" sz="1000" b="0" i="0" kern="1200" dirty="0" smtClean="0">
+                          <a:solidFill>
+                            <a:schemeClr val="dk1"/>
+                          </a:solidFill>
+                          <a:effectLst/>
+                          <a:latin typeface="+mn-lt"/>
+                          <a:ea typeface="+mn-ea"/>
+                          <a:cs typeface="+mn-cs"/>
+                        </a:rPr>
+                        <a:t>3116.72</a:t>
+                      </a:r>
+                    </a:p>
+                  </a:txBody>
+                  <a:tcPr marL="77417" marR="77417" marT="38709" marB="38709"/>
+                </a:tc>
+                <a:tc>
+                  <a:txBody>
+                    <a:bodyPr/>
+                    <a:lstStyle/>
+                    <a:p>
+                      <a:pPr marL="0" marR="0" indent="0" algn="ctr" defTabSz="914400" rtl="0" eaLnBrk="1" fontAlgn="auto" latinLnBrk="0" hangingPunct="1">
+                        <a:lnSpc>
+                          <a:spcPct val="100000"/>
+                        </a:lnSpc>
+                        <a:spcBef>
+                          <a:spcPts val="0"/>
+                        </a:spcBef>
+                        <a:spcAft>
+                          <a:spcPts val="0"/>
+                        </a:spcAft>
+                        <a:buClrTx/>
+                        <a:buSzTx/>
+                        <a:buFontTx/>
+                        <a:buNone/>
+                        <a:tabLst/>
+                        <a:defRPr/>
+                      </a:pPr>
+                      <a:r>
+                        <a:rPr lang="it-IT" sz="1000" b="0" i="0" kern="1200" dirty="0" smtClean="0">
+                          <a:solidFill>
+                            <a:schemeClr val="dk1"/>
+                          </a:solidFill>
+                          <a:effectLst/>
+                          <a:latin typeface="+mn-lt"/>
+                          <a:ea typeface="+mn-ea"/>
+                          <a:cs typeface="+mn-cs"/>
+                        </a:rPr>
+                        <a:t>3210.34</a:t>
+                      </a:r>
+                    </a:p>
+                  </a:txBody>
+                  <a:tcPr marL="77417" marR="77417" marT="38709" marB="38709">
+                    <a:solidFill>
+                      <a:schemeClr val="bg1">
+                        <a:lumMod val="85000"/>
+                      </a:schemeClr>
+                    </a:solidFill>
+                  </a:tcPr>
+                </a:tc>
+                <a:tc>
+                  <a:txBody>
+                    <a:bodyPr/>
+                    <a:lstStyle/>
+                    <a:p>
+                      <a:pPr marL="0" marR="0" indent="0" algn="ctr" defTabSz="914400" rtl="0" eaLnBrk="1" fontAlgn="auto" latinLnBrk="0" hangingPunct="1">
+                        <a:lnSpc>
+                          <a:spcPct val="100000"/>
+                        </a:lnSpc>
+                        <a:spcBef>
+                          <a:spcPts val="0"/>
+                        </a:spcBef>
+                        <a:spcAft>
+                          <a:spcPts val="0"/>
+                        </a:spcAft>
+                        <a:buClrTx/>
+                        <a:buSzTx/>
+                        <a:buFontTx/>
+                        <a:buNone/>
+                        <a:tabLst/>
+                        <a:defRPr/>
+                      </a:pPr>
+                      <a:r>
+                        <a:rPr lang="it-IT" sz="1000" b="0" i="0" kern="1200" dirty="0" smtClean="0">
+                          <a:solidFill>
+                            <a:schemeClr val="dk1"/>
+                          </a:solidFill>
+                          <a:effectLst/>
+                          <a:latin typeface="+mn-lt"/>
+                          <a:ea typeface="+mn-ea"/>
+                          <a:cs typeface="+mn-cs"/>
+                        </a:rPr>
+                        <a:t>3331.57</a:t>
+                      </a:r>
+                    </a:p>
+                  </a:txBody>
+                  <a:tcPr marL="77417" marR="77417" marT="38709" marB="38709">
+                    <a:solidFill>
+                      <a:schemeClr val="bg1">
+                        <a:lumMod val="85000"/>
+                      </a:schemeClr>
+                    </a:solidFill>
+                  </a:tcPr>
+                </a:tc>
+                <a:extLst>
+                  <a:ext uri="{0D108BD9-81ED-4DB2-BD59-A6C34878D82A}">
+                    <a16:rowId xmlns:a16="http://schemas.microsoft.com/office/drawing/2014/main" val="2948238502"/>
+                  </a:ext>
+                </a:extLst>
+              </a:tr>
+              <a:tr h="363968">
+                <a:tc>
+                  <a:txBody>
+                    <a:bodyPr/>
+                    <a:lstStyle/>
+                    <a:p>
+                      <a:pPr algn="ctr"/>
+                      <a:r>
+                        <a:rPr lang="it-IT" sz="1200" b="1" i="1" dirty="0" smtClean="0"/>
+                        <a:t>10</a:t>
+                      </a:r>
+                      <a:endParaRPr lang="it-IT" sz="1200" b="1" i="1" dirty="0"/>
+                    </a:p>
+                  </a:txBody>
+                  <a:tcPr marL="77417" marR="77417" marT="38709" marB="38709"/>
+                </a:tc>
+                <a:tc>
+                  <a:txBody>
+                    <a:bodyPr/>
+                    <a:lstStyle/>
+                    <a:p>
+                      <a:pPr marL="0" marR="0" indent="0" algn="ctr" defTabSz="914400" rtl="0" eaLnBrk="1" fontAlgn="auto" latinLnBrk="0" hangingPunct="1">
+                        <a:lnSpc>
+                          <a:spcPct val="100000"/>
+                        </a:lnSpc>
+                        <a:spcBef>
+                          <a:spcPts val="0"/>
+                        </a:spcBef>
+                        <a:spcAft>
+                          <a:spcPts val="0"/>
+                        </a:spcAft>
+                        <a:buClrTx/>
+                        <a:buSzTx/>
+                        <a:buFontTx/>
+                        <a:buNone/>
+                        <a:tabLst/>
+                        <a:defRPr/>
+                      </a:pPr>
+                      <a:r>
+                        <a:rPr lang="it-IT" sz="1000" b="0" i="0" kern="1200" dirty="0" smtClean="0">
+                          <a:solidFill>
+                            <a:schemeClr val="dk1"/>
+                          </a:solidFill>
+                          <a:effectLst/>
+                          <a:latin typeface="+mn-lt"/>
+                          <a:ea typeface="+mn-ea"/>
+                          <a:cs typeface="+mn-cs"/>
+                        </a:rPr>
+                        <a:t>3484.64</a:t>
+                      </a:r>
+                    </a:p>
+                  </a:txBody>
+                  <a:tcPr marL="77417" marR="77417" marT="38709" marB="38709">
+                    <a:solidFill>
+                      <a:srgbClr val="FF0000"/>
+                    </a:solidFill>
+                  </a:tcPr>
+                </a:tc>
+                <a:tc>
+                  <a:txBody>
+                    <a:bodyPr/>
+                    <a:lstStyle/>
+                    <a:p>
+                      <a:pPr marL="0" marR="0" indent="0" algn="ctr" defTabSz="914400" rtl="0" eaLnBrk="1" fontAlgn="auto" latinLnBrk="0" hangingPunct="1">
+                        <a:lnSpc>
+                          <a:spcPct val="100000"/>
+                        </a:lnSpc>
+                        <a:spcBef>
+                          <a:spcPts val="0"/>
+                        </a:spcBef>
+                        <a:spcAft>
+                          <a:spcPts val="0"/>
+                        </a:spcAft>
+                        <a:buClrTx/>
+                        <a:buSzTx/>
+                        <a:buFontTx/>
+                        <a:buNone/>
+                        <a:tabLst/>
+                        <a:defRPr/>
+                      </a:pPr>
+                      <a:r>
+                        <a:rPr lang="it-IT" sz="1000" b="0" i="0" kern="1200" dirty="0" smtClean="0">
+                          <a:solidFill>
+                            <a:schemeClr val="dk1"/>
+                          </a:solidFill>
+                          <a:effectLst/>
+                          <a:latin typeface="+mn-lt"/>
+                          <a:ea typeface="+mn-ea"/>
+                          <a:cs typeface="+mn-cs"/>
+                        </a:rPr>
+                        <a:t>3199.44</a:t>
+                      </a:r>
+                    </a:p>
+                    <a:p>
+                      <a:pPr algn="ctr"/>
+                      <a:endParaRPr lang="it-IT" sz="1000" dirty="0"/>
+                    </a:p>
+                  </a:txBody>
+                  <a:tcPr marL="77417" marR="77417" marT="38709" marB="38709">
+                    <a:solidFill>
+                      <a:srgbClr val="FFFF00"/>
+                    </a:solidFill>
+                  </a:tcPr>
+                </a:tc>
+                <a:tc>
+                  <a:txBody>
+                    <a:bodyPr/>
+                    <a:lstStyle/>
+                    <a:p>
+                      <a:pPr marL="0" marR="0" indent="0" algn="ctr" defTabSz="914400" rtl="0" eaLnBrk="1" fontAlgn="auto" latinLnBrk="0" hangingPunct="1">
+                        <a:lnSpc>
+                          <a:spcPct val="100000"/>
+                        </a:lnSpc>
+                        <a:spcBef>
+                          <a:spcPts val="0"/>
+                        </a:spcBef>
+                        <a:spcAft>
+                          <a:spcPts val="0"/>
+                        </a:spcAft>
+                        <a:buClrTx/>
+                        <a:buSzTx/>
+                        <a:buFontTx/>
+                        <a:buNone/>
+                        <a:tabLst/>
+                        <a:defRPr/>
+                      </a:pPr>
+                      <a:r>
+                        <a:rPr lang="it-IT" sz="1000" b="0" i="0" kern="1200" dirty="0" smtClean="0">
+                          <a:solidFill>
+                            <a:schemeClr val="dk1"/>
+                          </a:solidFill>
+                          <a:effectLst/>
+                          <a:latin typeface="+mn-lt"/>
+                          <a:ea typeface="+mn-ea"/>
+                          <a:cs typeface="+mn-cs"/>
+                        </a:rPr>
+                        <a:t>3277.59</a:t>
+                      </a:r>
+                    </a:p>
+                  </a:txBody>
+                  <a:tcPr marL="77417" marR="77417" marT="38709" marB="38709"/>
+                </a:tc>
+                <a:tc>
+                  <a:txBody>
+                    <a:bodyPr/>
+                    <a:lstStyle/>
+                    <a:p>
+                      <a:pPr marL="0" marR="0" indent="0" algn="ctr" defTabSz="914400" rtl="0" eaLnBrk="1" fontAlgn="auto" latinLnBrk="0" hangingPunct="1">
+                        <a:lnSpc>
+                          <a:spcPct val="100000"/>
+                        </a:lnSpc>
+                        <a:spcBef>
+                          <a:spcPts val="0"/>
+                        </a:spcBef>
+                        <a:spcAft>
+                          <a:spcPts val="0"/>
+                        </a:spcAft>
+                        <a:buClrTx/>
+                        <a:buSzTx/>
+                        <a:buFontTx/>
+                        <a:buNone/>
+                        <a:tabLst/>
+                        <a:defRPr/>
+                      </a:pPr>
+                      <a:r>
+                        <a:rPr lang="it-IT" sz="1000" b="0" i="0" kern="1200" dirty="0" smtClean="0">
+                          <a:solidFill>
+                            <a:schemeClr val="dk1"/>
+                          </a:solidFill>
+                          <a:effectLst/>
+                          <a:latin typeface="+mn-lt"/>
+                          <a:ea typeface="+mn-ea"/>
+                          <a:cs typeface="+mn-cs"/>
+                        </a:rPr>
+                        <a:t>3241.66</a:t>
+                      </a:r>
+                    </a:p>
+                  </a:txBody>
+                  <a:tcPr marL="77417" marR="77417" marT="38709" marB="38709"/>
+                </a:tc>
+                <a:extLst>
+                  <a:ext uri="{0D108BD9-81ED-4DB2-BD59-A6C34878D82A}">
+                    <a16:rowId xmlns:a16="http://schemas.microsoft.com/office/drawing/2014/main" val="556880110"/>
+                  </a:ext>
+                </a:extLst>
+              </a:tr>
+              <a:tr h="370777">
+                <a:tc>
+                  <a:txBody>
+                    <a:bodyPr/>
+                    <a:lstStyle/>
+                    <a:p>
+                      <a:pPr algn="ctr"/>
+                      <a:r>
+                        <a:rPr lang="it-IT" sz="1200" b="1" i="1" dirty="0" smtClean="0"/>
+                        <a:t>15</a:t>
+                      </a:r>
+                      <a:endParaRPr lang="it-IT" sz="1200" b="1" i="1" dirty="0"/>
+                    </a:p>
+                  </a:txBody>
+                  <a:tcPr marL="77417" marR="77417" marT="38709" marB="38709"/>
+                </a:tc>
+                <a:tc>
+                  <a:txBody>
+                    <a:bodyPr/>
+                    <a:lstStyle/>
+                    <a:p>
+                      <a:pPr marL="0" marR="0" indent="0" algn="ctr" defTabSz="914400" rtl="0" eaLnBrk="1" fontAlgn="auto" latinLnBrk="0" hangingPunct="1">
+                        <a:lnSpc>
+                          <a:spcPct val="100000"/>
+                        </a:lnSpc>
+                        <a:spcBef>
+                          <a:spcPts val="0"/>
+                        </a:spcBef>
+                        <a:spcAft>
+                          <a:spcPts val="0"/>
+                        </a:spcAft>
+                        <a:buClrTx/>
+                        <a:buSzTx/>
+                        <a:buFontTx/>
+                        <a:buNone/>
+                        <a:tabLst/>
+                        <a:defRPr/>
+                      </a:pPr>
+                      <a:r>
+                        <a:rPr lang="it-IT" sz="1000" b="0" i="0" kern="1200" dirty="0" smtClean="0">
+                          <a:solidFill>
+                            <a:schemeClr val="dk1"/>
+                          </a:solidFill>
+                          <a:effectLst/>
+                          <a:latin typeface="+mn-lt"/>
+                          <a:ea typeface="+mn-ea"/>
+                          <a:cs typeface="+mn-cs"/>
+                        </a:rPr>
+                        <a:t>3246.02</a:t>
+                      </a:r>
+                    </a:p>
+                  </a:txBody>
+                  <a:tcPr marL="77417" marR="77417" marT="38709" marB="38709">
+                    <a:solidFill>
+                      <a:schemeClr val="bg1">
+                        <a:lumMod val="85000"/>
+                      </a:schemeClr>
+                    </a:solidFill>
+                  </a:tcPr>
+                </a:tc>
+                <a:tc>
+                  <a:txBody>
+                    <a:bodyPr/>
+                    <a:lstStyle/>
+                    <a:p>
+                      <a:pPr marL="0" marR="0" indent="0" algn="ctr" defTabSz="914400" rtl="0" eaLnBrk="1" fontAlgn="auto" latinLnBrk="0" hangingPunct="1">
+                        <a:lnSpc>
+                          <a:spcPct val="100000"/>
+                        </a:lnSpc>
+                        <a:spcBef>
+                          <a:spcPts val="0"/>
+                        </a:spcBef>
+                        <a:spcAft>
+                          <a:spcPts val="0"/>
+                        </a:spcAft>
+                        <a:buClrTx/>
+                        <a:buSzTx/>
+                        <a:buFontTx/>
+                        <a:buNone/>
+                        <a:tabLst/>
+                        <a:defRPr/>
+                      </a:pPr>
+                      <a:r>
+                        <a:rPr lang="it-IT" sz="1000" b="0" i="0" kern="1200" dirty="0" smtClean="0">
+                          <a:solidFill>
+                            <a:schemeClr val="dk1"/>
+                          </a:solidFill>
+                          <a:effectLst/>
+                          <a:latin typeface="+mn-lt"/>
+                          <a:ea typeface="+mn-ea"/>
+                          <a:cs typeface="+mn-cs"/>
+                        </a:rPr>
+                        <a:t>3211.31</a:t>
+                      </a:r>
+                    </a:p>
+                  </a:txBody>
+                  <a:tcPr marL="77417" marR="77417" marT="38709" marB="38709">
+                    <a:solidFill>
+                      <a:srgbClr val="FFFF00"/>
+                    </a:solidFill>
+                  </a:tcPr>
+                </a:tc>
+                <a:tc>
+                  <a:txBody>
+                    <a:bodyPr/>
+                    <a:lstStyle/>
+                    <a:p>
+                      <a:pPr marL="0" marR="0" indent="0" algn="ctr" defTabSz="914400" rtl="0" eaLnBrk="1" fontAlgn="auto" latinLnBrk="0" hangingPunct="1">
+                        <a:lnSpc>
+                          <a:spcPct val="100000"/>
+                        </a:lnSpc>
+                        <a:spcBef>
+                          <a:spcPts val="0"/>
+                        </a:spcBef>
+                        <a:spcAft>
+                          <a:spcPts val="0"/>
+                        </a:spcAft>
+                        <a:buClrTx/>
+                        <a:buSzTx/>
+                        <a:buFontTx/>
+                        <a:buNone/>
+                        <a:tabLst/>
+                        <a:defRPr/>
+                      </a:pPr>
+                      <a:r>
+                        <a:rPr lang="it-IT" sz="1000" b="0" i="0" kern="1200" dirty="0" smtClean="0">
+                          <a:solidFill>
+                            <a:schemeClr val="dk1"/>
+                          </a:solidFill>
+                          <a:effectLst/>
+                          <a:latin typeface="+mn-lt"/>
+                          <a:ea typeface="+mn-ea"/>
+                          <a:cs typeface="+mn-cs"/>
+                        </a:rPr>
+                        <a:t>3366.73</a:t>
+                      </a:r>
+                    </a:p>
+                  </a:txBody>
+                  <a:tcPr marL="77417" marR="77417" marT="38709" marB="38709">
+                    <a:noFill/>
+                  </a:tcPr>
+                </a:tc>
+                <a:tc>
+                  <a:txBody>
+                    <a:bodyPr/>
+                    <a:lstStyle/>
+                    <a:p>
+                      <a:pPr marL="0" marR="0" indent="0" algn="ctr" defTabSz="914400" rtl="0" eaLnBrk="1" fontAlgn="auto" latinLnBrk="0" hangingPunct="1">
+                        <a:lnSpc>
+                          <a:spcPct val="100000"/>
+                        </a:lnSpc>
+                        <a:spcBef>
+                          <a:spcPts val="0"/>
+                        </a:spcBef>
+                        <a:spcAft>
+                          <a:spcPts val="0"/>
+                        </a:spcAft>
+                        <a:buClrTx/>
+                        <a:buSzTx/>
+                        <a:buFontTx/>
+                        <a:buNone/>
+                        <a:tabLst/>
+                        <a:defRPr/>
+                      </a:pPr>
+                      <a:r>
+                        <a:rPr lang="it-IT" sz="1000" b="0" i="0" kern="1200" dirty="0" smtClean="0">
+                          <a:solidFill>
+                            <a:schemeClr val="dk1"/>
+                          </a:solidFill>
+                          <a:effectLst/>
+                          <a:latin typeface="+mn-lt"/>
+                          <a:ea typeface="+mn-ea"/>
+                          <a:cs typeface="+mn-cs"/>
+                        </a:rPr>
+                        <a:t>3470.06</a:t>
+                      </a:r>
+                    </a:p>
+                  </a:txBody>
+                  <a:tcPr marL="77417" marR="77417" marT="38709" marB="38709">
+                    <a:noFill/>
+                  </a:tcPr>
+                </a:tc>
+                <a:extLst>
+                  <a:ext uri="{0D108BD9-81ED-4DB2-BD59-A6C34878D82A}">
+                    <a16:rowId xmlns:a16="http://schemas.microsoft.com/office/drawing/2014/main" val="3068703127"/>
+                  </a:ext>
+                </a:extLst>
+              </a:tr>
+            </a:tbl>
+          </a:graphicData>
+        </a:graphic>
+      </p:graphicFrame>
+      <p:graphicFrame>
+        <p:nvGraphicFramePr>
+          <p:cNvPr id="21" name="Tabella 7">
+            <a:extLst>
+              <a:ext uri="{FF2B5EF4-FFF2-40B4-BE49-F238E27FC236}">
+                <a16:creationId xmlns:a16="http://schemas.microsoft.com/office/drawing/2014/main" id="{BD18624C-EF40-48F1-887F-B3E2A5BE493D}"/>
+              </a:ext>
+            </a:extLst>
+          </p:cNvPr>
+          <p:cNvGraphicFramePr>
+            <a:graphicFrameLocks noGrp="1"/>
+          </p:cNvGraphicFramePr>
+          <p:nvPr>
+            <p:extLst>
+              <p:ext uri="{D42A27DB-BD31-4B8C-83A1-F6EECF244321}">
+                <p14:modId xmlns:p14="http://schemas.microsoft.com/office/powerpoint/2010/main" val="4212750476"/>
+              </p:ext>
+            </p:extLst>
+          </p:nvPr>
+        </p:nvGraphicFramePr>
+        <p:xfrm>
+          <a:off x="617406" y="4521567"/>
+          <a:ext cx="3172686" cy="1911155"/>
+        </p:xfrm>
+        <a:graphic>
+          <a:graphicData uri="http://schemas.openxmlformats.org/drawingml/2006/table">
+            <a:tbl>
+              <a:tblPr firstRow="1" bandRow="1">
+                <a:tableStyleId>{D7AC3CCA-C797-4891-BE02-D94E43425B78}</a:tableStyleId>
+              </a:tblPr>
+              <a:tblGrid>
+                <a:gridCol w="639199">
+                  <a:extLst>
+                    <a:ext uri="{9D8B030D-6E8A-4147-A177-3AD203B41FA5}">
+                      <a16:colId xmlns:a16="http://schemas.microsoft.com/office/drawing/2014/main" val="1229876134"/>
+                    </a:ext>
+                  </a:extLst>
+                </a:gridCol>
+                <a:gridCol w="636848">
+                  <a:extLst>
+                    <a:ext uri="{9D8B030D-6E8A-4147-A177-3AD203B41FA5}">
+                      <a16:colId xmlns:a16="http://schemas.microsoft.com/office/drawing/2014/main" val="3099311952"/>
+                    </a:ext>
+                  </a:extLst>
+                </a:gridCol>
+                <a:gridCol w="618241">
+                  <a:extLst>
+                    <a:ext uri="{9D8B030D-6E8A-4147-A177-3AD203B41FA5}">
+                      <a16:colId xmlns:a16="http://schemas.microsoft.com/office/drawing/2014/main" val="2395735390"/>
+                    </a:ext>
+                  </a:extLst>
+                </a:gridCol>
+                <a:gridCol w="639199">
+                  <a:extLst>
+                    <a:ext uri="{9D8B030D-6E8A-4147-A177-3AD203B41FA5}">
+                      <a16:colId xmlns:a16="http://schemas.microsoft.com/office/drawing/2014/main" val="2674043146"/>
+                    </a:ext>
+                  </a:extLst>
+                </a:gridCol>
+                <a:gridCol w="639199">
+                  <a:extLst>
+                    <a:ext uri="{9D8B030D-6E8A-4147-A177-3AD203B41FA5}">
+                      <a16:colId xmlns:a16="http://schemas.microsoft.com/office/drawing/2014/main" val="3536713904"/>
+                    </a:ext>
+                  </a:extLst>
+                </a:gridCol>
+              </a:tblGrid>
+              <a:tr h="370686">
+                <a:tc gridSpan="5">
+                  <a:txBody>
+                    <a:bodyPr/>
+                    <a:lstStyle/>
+                    <a:p>
+                      <a:pPr algn="ctr"/>
+                      <a:r>
+                        <a:rPr lang="it-IT" sz="1200" b="1" i="1" dirty="0" smtClean="0"/>
+                        <a:t>Crossover</a:t>
+                      </a:r>
+                      <a:r>
+                        <a:rPr lang="it-IT" sz="1200" b="1" i="1" baseline="0" dirty="0" smtClean="0"/>
+                        <a:t> 40</a:t>
+                      </a:r>
+                      <a:endParaRPr lang="it-IT" sz="1400" b="1" i="1" dirty="0"/>
+                    </a:p>
+                  </a:txBody>
+                  <a:tcPr marL="77417" marR="77417" marT="38709" marB="38709" anchor="ctr">
+                    <a:lnL w="12700" cap="flat" cmpd="sng" algn="ctr">
+                      <a:solidFill>
+                        <a:schemeClr val="tx1"/>
+                      </a:solidFill>
+                      <a:prstDash val="solid"/>
+                      <a:round/>
+                      <a:headEnd type="none" w="med" len="med"/>
+                      <a:tailEnd type="none" w="med" len="med"/>
+                    </a:lnL>
+                    <a:lnR w="12700" cap="flat" cmpd="sng" algn="ctr">
+                      <a:solidFill>
+                        <a:schemeClr val="tx1"/>
+                      </a:solidFill>
+                      <a:prstDash val="solid"/>
+                      <a:round/>
+                      <a:headEnd type="none" w="med" len="med"/>
+                      <a:tailEnd type="none" w="med" len="med"/>
+                    </a:lnR>
+                    <a:lnT w="12700" cap="flat" cmpd="sng" algn="ctr">
+                      <a:solidFill>
+                        <a:schemeClr val="tx1"/>
+                      </a:solidFill>
+                      <a:prstDash val="solid"/>
+                      <a:round/>
+                      <a:headEnd type="none" w="med" len="med"/>
+                      <a:tailEnd type="none" w="med" len="med"/>
+                    </a:lnT>
+                    <a:lnB w="12700" cap="flat" cmpd="sng" algn="ctr">
+                      <a:solidFill>
+                        <a:schemeClr val="tx1"/>
+                      </a:solidFill>
+                      <a:prstDash val="solid"/>
+                      <a:round/>
+                      <a:headEnd type="none" w="med" len="med"/>
+                      <a:tailEnd type="none" w="med" len="med"/>
+                    </a:lnB>
+                  </a:tcPr>
+                </a:tc>
+                <a:tc hMerge="1">
+                  <a:txBody>
+                    <a:bodyPr/>
+                    <a:lstStyle/>
+                    <a:p>
+                      <a:pPr algn="ctr"/>
+                      <a:endParaRPr lang="it-IT"/>
+                    </a:p>
+                  </a:txBody>
+                  <a:tcPr>
+                    <a:lnL w="12700" cap="flat" cmpd="sng" algn="ctr">
+                      <a:noFill/>
+                      <a:prstDash val="solid"/>
+                      <a:round/>
+                      <a:headEnd type="none" w="med" len="med"/>
+                      <a:tailEnd type="none" w="med" len="med"/>
+                    </a:lnL>
+                    <a:lnR w="12700" cap="flat" cmpd="sng" algn="ctr">
+                      <a:solidFill>
+                        <a:schemeClr val="tx1"/>
+                      </a:solidFill>
+                      <a:prstDash val="solid"/>
+                      <a:round/>
+                      <a:headEnd type="none" w="med" len="med"/>
+                      <a:tailEnd type="none" w="med" len="med"/>
+                    </a:lnR>
+                    <a:lnT w="12700" cap="flat" cmpd="sng" algn="ctr">
+                      <a:solidFill>
+                        <a:schemeClr val="tx1"/>
+                      </a:solidFill>
+                      <a:prstDash val="solid"/>
+                      <a:round/>
+                      <a:headEnd type="none" w="med" len="med"/>
+                      <a:tailEnd type="none" w="med" len="med"/>
+                    </a:lnT>
+                    <a:lnB w="12700" cap="flat" cmpd="sng" algn="ctr">
+                      <a:solidFill>
+                        <a:schemeClr val="tx1"/>
+                      </a:solidFill>
+                      <a:prstDash val="solid"/>
+                      <a:round/>
+                      <a:headEnd type="none" w="med" len="med"/>
+                      <a:tailEnd type="none" w="med" len="med"/>
+                    </a:lnB>
+                  </a:tcPr>
+                </a:tc>
+                <a:tc hMerge="1">
+                  <a:txBody>
+                    <a:bodyPr/>
+                    <a:lstStyle/>
+                    <a:p>
+                      <a:endParaRPr lang="it-IT"/>
+                    </a:p>
+                  </a:txBody>
+                  <a:tcPr>
+                    <a:lnL w="12700" cap="flat" cmpd="sng" algn="ctr">
+                      <a:noFill/>
+                      <a:prstDash val="solid"/>
+                      <a:round/>
+                      <a:headEnd type="none" w="med" len="med"/>
+                      <a:tailEnd type="none" w="med" len="med"/>
+                    </a:lnL>
+                    <a:lnR w="12700" cap="flat" cmpd="sng" algn="ctr">
+                      <a:noFill/>
+                      <a:prstDash val="solid"/>
+                      <a:round/>
+                      <a:headEnd type="none" w="med" len="med"/>
+                      <a:tailEnd type="none" w="med" len="med"/>
+                    </a:lnR>
+                    <a:lnT w="12700" cap="flat" cmpd="sng" algn="ctr">
+                      <a:solidFill>
+                        <a:schemeClr val="tx1"/>
+                      </a:solidFill>
+                      <a:prstDash val="solid"/>
+                      <a:round/>
+                      <a:headEnd type="none" w="med" len="med"/>
+                      <a:tailEnd type="none" w="med" len="med"/>
+                    </a:lnT>
+                    <a:lnB w="12700" cap="flat" cmpd="sng" algn="ctr">
+                      <a:solidFill>
+                        <a:schemeClr val="tx1"/>
+                      </a:solidFill>
+                      <a:prstDash val="solid"/>
+                      <a:round/>
+                      <a:headEnd type="none" w="med" len="med"/>
+                      <a:tailEnd type="none" w="med" len="med"/>
+                    </a:lnB>
+                  </a:tcPr>
+                </a:tc>
+                <a:tc hMerge="1">
+                  <a:txBody>
+                    <a:bodyPr/>
+                    <a:lstStyle/>
+                    <a:p>
+                      <a:endParaRPr lang="it-IT"/>
+                    </a:p>
+                  </a:txBody>
+                  <a:tcPr>
+                    <a:lnL w="12700" cap="flat" cmpd="sng" algn="ctr">
+                      <a:noFill/>
+                      <a:prstDash val="solid"/>
+                      <a:round/>
+                      <a:headEnd type="none" w="med" len="med"/>
+                      <a:tailEnd type="none" w="med" len="med"/>
+                    </a:lnL>
+                    <a:lnR w="12700" cap="flat" cmpd="sng" algn="ctr">
+                      <a:solidFill>
+                        <a:schemeClr val="tx1"/>
+                      </a:solidFill>
+                      <a:prstDash val="solid"/>
+                      <a:round/>
+                      <a:headEnd type="none" w="med" len="med"/>
+                      <a:tailEnd type="none" w="med" len="med"/>
+                    </a:lnR>
+                    <a:lnT w="12700" cap="flat" cmpd="sng" algn="ctr">
+                      <a:solidFill>
+                        <a:schemeClr val="tx1"/>
+                      </a:solidFill>
+                      <a:prstDash val="solid"/>
+                      <a:round/>
+                      <a:headEnd type="none" w="med" len="med"/>
+                      <a:tailEnd type="none" w="med" len="med"/>
+                    </a:lnT>
+                    <a:lnB w="12700" cap="flat" cmpd="sng" algn="ctr">
+                      <a:solidFill>
+                        <a:schemeClr val="tx1"/>
+                      </a:solidFill>
+                      <a:prstDash val="solid"/>
+                      <a:round/>
+                      <a:headEnd type="none" w="med" len="med"/>
+                      <a:tailEnd type="none" w="med" len="med"/>
+                    </a:lnB>
+                  </a:tcPr>
+                </a:tc>
+                <a:tc hMerge="1">
+                  <a:txBody>
+                    <a:bodyPr/>
+                    <a:lstStyle/>
+                    <a:p>
+                      <a:pPr algn="ctr"/>
+                      <a:endParaRPr lang="it-IT" sz="1400" b="1" i="1" dirty="0"/>
+                    </a:p>
+                  </a:txBody>
+                  <a:tcPr marL="77823" marR="77823" marT="38911" marB="38911">
+                    <a:lnL w="12700" cap="flat" cmpd="sng" algn="ctr">
+                      <a:solidFill>
+                        <a:schemeClr val="tx1"/>
+                      </a:solidFill>
+                      <a:prstDash val="solid"/>
+                      <a:round/>
+                      <a:headEnd type="none" w="med" len="med"/>
+                      <a:tailEnd type="none" w="med" len="med"/>
+                    </a:lnL>
+                    <a:lnR w="12700" cap="flat" cmpd="sng" algn="ctr">
+                      <a:solidFill>
+                        <a:schemeClr val="tx1"/>
+                      </a:solidFill>
+                      <a:prstDash val="solid"/>
+                      <a:round/>
+                      <a:headEnd type="none" w="med" len="med"/>
+                      <a:tailEnd type="none" w="med" len="med"/>
+                    </a:lnR>
+                    <a:lnT w="12700" cap="flat" cmpd="sng" algn="ctr">
+                      <a:solidFill>
+                        <a:schemeClr val="tx1"/>
+                      </a:solidFill>
+                      <a:prstDash val="solid"/>
+                      <a:round/>
+                      <a:headEnd type="none" w="med" len="med"/>
+                      <a:tailEnd type="none" w="med" len="med"/>
+                    </a:lnT>
+                    <a:lnB w="12700" cap="flat" cmpd="sng" algn="ctr">
+                      <a:solidFill>
+                        <a:schemeClr val="tx1"/>
+                      </a:solidFill>
+                      <a:prstDash val="solid"/>
+                      <a:round/>
+                      <a:headEnd type="none" w="med" len="med"/>
+                      <a:tailEnd type="none" w="med" len="med"/>
+                    </a:lnB>
+                  </a:tcPr>
+                </a:tc>
+                <a:extLst>
+                  <a:ext uri="{0D108BD9-81ED-4DB2-BD59-A6C34878D82A}">
+                    <a16:rowId xmlns:a16="http://schemas.microsoft.com/office/drawing/2014/main" val="3424649096"/>
+                  </a:ext>
+                </a:extLst>
+              </a:tr>
+              <a:tr h="463677">
+                <a:tc>
+                  <a:txBody>
+                    <a:bodyPr/>
+                    <a:lstStyle/>
+                    <a:p>
+                      <a:pPr algn="r"/>
+                      <a:r>
+                        <a:rPr lang="it-IT" sz="1200" i="1" dirty="0"/>
+                        <a:t>  </a:t>
+                      </a:r>
+                      <a:r>
+                        <a:rPr lang="it-IT" sz="1100" i="1" dirty="0" err="1" smtClean="0"/>
+                        <a:t>Prob</a:t>
+                      </a:r>
+                      <a:endParaRPr lang="it-IT" sz="1500" i="1" dirty="0"/>
+                    </a:p>
+                    <a:p>
+                      <a:r>
+                        <a:rPr lang="it-IT" sz="1200" i="1" dirty="0"/>
+                        <a:t>Dim</a:t>
+                      </a:r>
+                      <a:endParaRPr lang="it-IT" sz="2000" i="1" dirty="0"/>
+                    </a:p>
+                  </a:txBody>
+                  <a:tcPr marL="77417" marR="77417" marT="38709" marB="38709">
+                    <a:lnT w="12700" cap="flat" cmpd="sng" algn="ctr">
+                      <a:solidFill>
+                        <a:schemeClr val="tx1"/>
+                      </a:solidFill>
+                      <a:prstDash val="solid"/>
+                      <a:round/>
+                      <a:headEnd type="none" w="med" len="med"/>
+                      <a:tailEnd type="none" w="med" len="med"/>
+                    </a:lnT>
+                    <a:lnTlToBr w="12700" cap="flat" cmpd="sng" algn="ctr">
+                      <a:solidFill>
+                        <a:schemeClr val="tx1"/>
+                      </a:solidFill>
+                      <a:prstDash val="solid"/>
+                      <a:round/>
+                      <a:headEnd type="none" w="med" len="med"/>
+                      <a:tailEnd type="none" w="med" len="med"/>
+                    </a:lnTlToBr>
+                  </a:tcPr>
+                </a:tc>
+                <a:tc>
+                  <a:txBody>
+                    <a:bodyPr/>
+                    <a:lstStyle/>
+                    <a:p>
+                      <a:pPr algn="ctr"/>
+                      <a:r>
+                        <a:rPr lang="it-IT" sz="1200" b="1" i="1" dirty="0" smtClean="0"/>
+                        <a:t>5%</a:t>
+                      </a:r>
+                      <a:endParaRPr lang="it-IT" sz="1200" b="1" i="1" dirty="0"/>
+                    </a:p>
+                  </a:txBody>
+                  <a:tcPr marL="77417" marR="77417" marT="38709" marB="38709">
+                    <a:lnT w="12700" cap="flat" cmpd="sng" algn="ctr">
+                      <a:solidFill>
+                        <a:schemeClr val="tx1"/>
+                      </a:solidFill>
+                      <a:prstDash val="solid"/>
+                      <a:round/>
+                      <a:headEnd type="none" w="med" len="med"/>
+                      <a:tailEnd type="none" w="med" len="med"/>
+                    </a:lnT>
+                  </a:tcPr>
+                </a:tc>
+                <a:tc>
+                  <a:txBody>
+                    <a:bodyPr/>
+                    <a:lstStyle/>
+                    <a:p>
+                      <a:pPr algn="ctr"/>
+                      <a:r>
+                        <a:rPr lang="it-IT" sz="1200" b="1" i="1" dirty="0" smtClean="0"/>
+                        <a:t>10%</a:t>
+                      </a:r>
+                      <a:endParaRPr lang="it-IT" sz="1200" b="1" i="1" dirty="0"/>
+                    </a:p>
+                  </a:txBody>
+                  <a:tcPr marL="77417" marR="77417" marT="38709" marB="38709">
+                    <a:lnT w="12700" cap="flat" cmpd="sng" algn="ctr">
+                      <a:solidFill>
+                        <a:schemeClr val="tx1"/>
+                      </a:solidFill>
+                      <a:prstDash val="solid"/>
+                      <a:round/>
+                      <a:headEnd type="none" w="med" len="med"/>
+                      <a:tailEnd type="none" w="med" len="med"/>
+                    </a:lnT>
+                  </a:tcPr>
+                </a:tc>
+                <a:tc>
+                  <a:txBody>
+                    <a:bodyPr/>
+                    <a:lstStyle/>
+                    <a:p>
+                      <a:pPr algn="ctr"/>
+                      <a:r>
+                        <a:rPr lang="it-IT" sz="1200" b="1" i="1" dirty="0" smtClean="0"/>
+                        <a:t>20%</a:t>
+                      </a:r>
+                      <a:endParaRPr lang="it-IT" sz="1200" b="1" i="1" dirty="0"/>
+                    </a:p>
+                  </a:txBody>
+                  <a:tcPr marL="77417" marR="77417" marT="38709" marB="38709">
+                    <a:lnT w="12700" cap="flat" cmpd="sng" algn="ctr">
+                      <a:solidFill>
+                        <a:schemeClr val="tx1"/>
+                      </a:solidFill>
+                      <a:prstDash val="solid"/>
+                      <a:round/>
+                      <a:headEnd type="none" w="med" len="med"/>
+                      <a:tailEnd type="none" w="med" len="med"/>
+                    </a:lnT>
+                  </a:tcPr>
+                </a:tc>
+                <a:tc>
+                  <a:txBody>
+                    <a:bodyPr/>
+                    <a:lstStyle/>
+                    <a:p>
+                      <a:pPr algn="ctr"/>
+                      <a:r>
+                        <a:rPr lang="it-IT" sz="1200" b="1" i="1" dirty="0" smtClean="0"/>
+                        <a:t>30%</a:t>
+                      </a:r>
+                      <a:endParaRPr lang="it-IT" sz="1200" b="1" i="1" dirty="0"/>
+                    </a:p>
+                  </a:txBody>
+                  <a:tcPr marL="77417" marR="77417" marT="38709" marB="38709">
+                    <a:lnT w="12700" cap="flat" cmpd="sng" algn="ctr">
+                      <a:solidFill>
+                        <a:schemeClr val="tx1"/>
+                      </a:solidFill>
+                      <a:prstDash val="solid"/>
+                      <a:round/>
+                      <a:headEnd type="none" w="med" len="med"/>
+                      <a:tailEnd type="none" w="med" len="med"/>
+                    </a:lnT>
+                  </a:tcPr>
+                </a:tc>
+                <a:extLst>
+                  <a:ext uri="{0D108BD9-81ED-4DB2-BD59-A6C34878D82A}">
+                    <a16:rowId xmlns:a16="http://schemas.microsoft.com/office/drawing/2014/main" val="2481347082"/>
+                  </a:ext>
+                </a:extLst>
+              </a:tr>
+              <a:tr h="342047">
+                <a:tc>
+                  <a:txBody>
+                    <a:bodyPr/>
+                    <a:lstStyle/>
+                    <a:p>
+                      <a:pPr algn="ctr"/>
+                      <a:r>
+                        <a:rPr lang="it-IT" sz="1200" b="1" i="1" dirty="0" smtClean="0"/>
+                        <a:t>5</a:t>
+                      </a:r>
+                      <a:endParaRPr lang="it-IT" sz="1200" b="1" i="1" dirty="0"/>
+                    </a:p>
+                  </a:txBody>
+                  <a:tcPr marL="77417" marR="77417" marT="38709" marB="38709"/>
+                </a:tc>
+                <a:tc>
+                  <a:txBody>
+                    <a:bodyPr/>
+                    <a:lstStyle/>
+                    <a:p>
+                      <a:pPr marL="0" marR="0" indent="0" algn="ctr" defTabSz="914400" rtl="0" eaLnBrk="1" fontAlgn="auto" latinLnBrk="0" hangingPunct="1">
+                        <a:lnSpc>
+                          <a:spcPct val="100000"/>
+                        </a:lnSpc>
+                        <a:spcBef>
+                          <a:spcPts val="0"/>
+                        </a:spcBef>
+                        <a:spcAft>
+                          <a:spcPts val="0"/>
+                        </a:spcAft>
+                        <a:buClrTx/>
+                        <a:buSzTx/>
+                        <a:buFontTx/>
+                        <a:buNone/>
+                        <a:tabLst/>
+                        <a:defRPr/>
+                      </a:pPr>
+                      <a:r>
+                        <a:rPr lang="it-IT" sz="1000" b="0" i="0" kern="1200" dirty="0" smtClean="0">
+                          <a:solidFill>
+                            <a:schemeClr val="dk1"/>
+                          </a:solidFill>
+                          <a:effectLst/>
+                          <a:latin typeface="+mn-lt"/>
+                          <a:ea typeface="+mn-ea"/>
+                          <a:cs typeface="+mn-cs"/>
+                        </a:rPr>
+                        <a:t>3314.79</a:t>
+                      </a:r>
+                    </a:p>
+                  </a:txBody>
+                  <a:tcPr marL="77417" marR="77417" marT="38709" marB="38709">
+                    <a:solidFill>
+                      <a:srgbClr val="FFFF00"/>
+                    </a:solidFill>
+                  </a:tcPr>
+                </a:tc>
+                <a:tc>
+                  <a:txBody>
+                    <a:bodyPr/>
+                    <a:lstStyle/>
+                    <a:p>
+                      <a:pPr marL="0" marR="0" indent="0" algn="ctr" defTabSz="914400" rtl="0" eaLnBrk="1" fontAlgn="auto" latinLnBrk="0" hangingPunct="1">
+                        <a:lnSpc>
+                          <a:spcPct val="100000"/>
+                        </a:lnSpc>
+                        <a:spcBef>
+                          <a:spcPts val="0"/>
+                        </a:spcBef>
+                        <a:spcAft>
+                          <a:spcPts val="0"/>
+                        </a:spcAft>
+                        <a:buClrTx/>
+                        <a:buSzTx/>
+                        <a:buFontTx/>
+                        <a:buNone/>
+                        <a:tabLst/>
+                        <a:defRPr/>
+                      </a:pPr>
+                      <a:r>
+                        <a:rPr lang="it-IT" sz="1000" b="0" i="0" kern="1200" dirty="0" smtClean="0">
+                          <a:solidFill>
+                            <a:schemeClr val="dk1"/>
+                          </a:solidFill>
+                          <a:effectLst/>
+                          <a:latin typeface="+mn-lt"/>
+                          <a:ea typeface="+mn-ea"/>
+                          <a:cs typeface="+mn-cs"/>
+                        </a:rPr>
+                        <a:t>3698.25</a:t>
+                      </a:r>
+                    </a:p>
+                  </a:txBody>
+                  <a:tcPr marL="77417" marR="77417" marT="38709" marB="38709">
+                    <a:solidFill>
+                      <a:srgbClr val="FF0000"/>
+                    </a:solidFill>
+                  </a:tcPr>
+                </a:tc>
+                <a:tc>
+                  <a:txBody>
+                    <a:bodyPr/>
+                    <a:lstStyle/>
+                    <a:p>
+                      <a:pPr marL="0" marR="0" indent="0" algn="ctr" defTabSz="914400" rtl="0" eaLnBrk="1" fontAlgn="auto" latinLnBrk="0" hangingPunct="1">
+                        <a:lnSpc>
+                          <a:spcPct val="100000"/>
+                        </a:lnSpc>
+                        <a:spcBef>
+                          <a:spcPts val="0"/>
+                        </a:spcBef>
+                        <a:spcAft>
+                          <a:spcPts val="0"/>
+                        </a:spcAft>
+                        <a:buClrTx/>
+                        <a:buSzTx/>
+                        <a:buFontTx/>
+                        <a:buNone/>
+                        <a:tabLst/>
+                        <a:defRPr/>
+                      </a:pPr>
+                      <a:r>
+                        <a:rPr lang="it-IT" sz="1000" b="0" i="0" kern="1200" dirty="0" smtClean="0">
+                          <a:solidFill>
+                            <a:schemeClr val="dk1"/>
+                          </a:solidFill>
+                          <a:effectLst/>
+                          <a:latin typeface="+mn-lt"/>
+                          <a:ea typeface="+mn-ea"/>
+                          <a:cs typeface="+mn-cs"/>
+                        </a:rPr>
+                        <a:t>3375.45</a:t>
+                      </a:r>
+                    </a:p>
+                  </a:txBody>
+                  <a:tcPr marL="77417" marR="77417" marT="38709" marB="38709">
+                    <a:solidFill>
+                      <a:schemeClr val="bg1">
+                        <a:lumMod val="85000"/>
+                      </a:schemeClr>
+                    </a:solidFill>
+                  </a:tcPr>
+                </a:tc>
+                <a:tc>
+                  <a:txBody>
+                    <a:bodyPr/>
+                    <a:lstStyle/>
+                    <a:p>
+                      <a:pPr marL="0" marR="0" indent="0" algn="ctr" defTabSz="914400" rtl="0" eaLnBrk="1" fontAlgn="auto" latinLnBrk="0" hangingPunct="1">
+                        <a:lnSpc>
+                          <a:spcPct val="100000"/>
+                        </a:lnSpc>
+                        <a:spcBef>
+                          <a:spcPts val="0"/>
+                        </a:spcBef>
+                        <a:spcAft>
+                          <a:spcPts val="0"/>
+                        </a:spcAft>
+                        <a:buClrTx/>
+                        <a:buSzTx/>
+                        <a:buFontTx/>
+                        <a:buNone/>
+                        <a:tabLst/>
+                        <a:defRPr/>
+                      </a:pPr>
+                      <a:r>
+                        <a:rPr lang="it-IT" sz="1000" b="0" i="0" kern="1200" dirty="0" smtClean="0">
+                          <a:solidFill>
+                            <a:schemeClr val="dk1"/>
+                          </a:solidFill>
+                          <a:effectLst/>
+                          <a:latin typeface="+mn-lt"/>
+                          <a:ea typeface="+mn-ea"/>
+                          <a:cs typeface="+mn-cs"/>
+                        </a:rPr>
+                        <a:t>3399.77</a:t>
+                      </a:r>
+                    </a:p>
+                  </a:txBody>
+                  <a:tcPr marL="77417" marR="77417" marT="38709" marB="38709">
+                    <a:solidFill>
+                      <a:schemeClr val="bg1">
+                        <a:lumMod val="85000"/>
+                      </a:schemeClr>
+                    </a:solidFill>
+                  </a:tcPr>
+                </a:tc>
+                <a:extLst>
+                  <a:ext uri="{0D108BD9-81ED-4DB2-BD59-A6C34878D82A}">
+                    <a16:rowId xmlns:a16="http://schemas.microsoft.com/office/drawing/2014/main" val="2948238502"/>
+                  </a:ext>
+                </a:extLst>
+              </a:tr>
+              <a:tr h="363968">
+                <a:tc>
+                  <a:txBody>
+                    <a:bodyPr/>
+                    <a:lstStyle/>
+                    <a:p>
+                      <a:pPr algn="ctr"/>
+                      <a:r>
+                        <a:rPr lang="it-IT" sz="1200" b="1" i="1" dirty="0" smtClean="0"/>
+                        <a:t>10</a:t>
+                      </a:r>
+                      <a:endParaRPr lang="it-IT" sz="1200" b="1" i="1" dirty="0"/>
+                    </a:p>
+                  </a:txBody>
+                  <a:tcPr marL="77417" marR="77417" marT="38709" marB="38709"/>
+                </a:tc>
+                <a:tc>
+                  <a:txBody>
+                    <a:bodyPr/>
+                    <a:lstStyle/>
+                    <a:p>
+                      <a:pPr marL="0" marR="0" indent="0" algn="ctr" defTabSz="914400" rtl="0" eaLnBrk="1" fontAlgn="auto" latinLnBrk="0" hangingPunct="1">
+                        <a:lnSpc>
+                          <a:spcPct val="100000"/>
+                        </a:lnSpc>
+                        <a:spcBef>
+                          <a:spcPts val="0"/>
+                        </a:spcBef>
+                        <a:spcAft>
+                          <a:spcPts val="0"/>
+                        </a:spcAft>
+                        <a:buClrTx/>
+                        <a:buSzTx/>
+                        <a:buFontTx/>
+                        <a:buNone/>
+                        <a:tabLst/>
+                        <a:defRPr/>
+                      </a:pPr>
+                      <a:r>
+                        <a:rPr lang="it-IT" sz="1000" b="0" i="0" kern="1200" dirty="0" smtClean="0">
+                          <a:solidFill>
+                            <a:schemeClr val="dk1"/>
+                          </a:solidFill>
+                          <a:effectLst/>
+                          <a:latin typeface="+mn-lt"/>
+                          <a:ea typeface="+mn-ea"/>
+                          <a:cs typeface="+mn-cs"/>
+                        </a:rPr>
+                        <a:t>3565.94</a:t>
+                      </a:r>
+                    </a:p>
+                  </a:txBody>
+                  <a:tcPr marL="77417" marR="77417" marT="38709" marB="38709">
+                    <a:solidFill>
+                      <a:schemeClr val="bg1">
+                        <a:lumMod val="85000"/>
+                      </a:schemeClr>
+                    </a:solidFill>
+                  </a:tcPr>
+                </a:tc>
+                <a:tc>
+                  <a:txBody>
+                    <a:bodyPr/>
+                    <a:lstStyle/>
+                    <a:p>
+                      <a:pPr marL="0" marR="0" indent="0" algn="ctr" defTabSz="914400" rtl="0" eaLnBrk="1" fontAlgn="auto" latinLnBrk="0" hangingPunct="1">
+                        <a:lnSpc>
+                          <a:spcPct val="100000"/>
+                        </a:lnSpc>
+                        <a:spcBef>
+                          <a:spcPts val="0"/>
+                        </a:spcBef>
+                        <a:spcAft>
+                          <a:spcPts val="0"/>
+                        </a:spcAft>
+                        <a:buClrTx/>
+                        <a:buSzTx/>
+                        <a:buFontTx/>
+                        <a:buNone/>
+                        <a:tabLst/>
+                        <a:defRPr/>
+                      </a:pPr>
+                      <a:r>
+                        <a:rPr lang="it-IT" sz="1000" b="0" i="0" kern="1200" dirty="0" smtClean="0">
+                          <a:solidFill>
+                            <a:schemeClr val="dk1"/>
+                          </a:solidFill>
+                          <a:effectLst/>
+                          <a:latin typeface="+mn-lt"/>
+                          <a:ea typeface="+mn-ea"/>
+                          <a:cs typeface="+mn-cs"/>
+                        </a:rPr>
+                        <a:t>3280.63</a:t>
+                      </a:r>
+                    </a:p>
+                  </a:txBody>
+                  <a:tcPr marL="77417" marR="77417" marT="38709" marB="38709"/>
+                </a:tc>
+                <a:tc>
+                  <a:txBody>
+                    <a:bodyPr/>
+                    <a:lstStyle/>
+                    <a:p>
+                      <a:pPr marL="0" marR="0" indent="0" algn="ctr" defTabSz="914400" rtl="0" eaLnBrk="1" fontAlgn="auto" latinLnBrk="0" hangingPunct="1">
+                        <a:lnSpc>
+                          <a:spcPct val="100000"/>
+                        </a:lnSpc>
+                        <a:spcBef>
+                          <a:spcPts val="0"/>
+                        </a:spcBef>
+                        <a:spcAft>
+                          <a:spcPts val="0"/>
+                        </a:spcAft>
+                        <a:buClrTx/>
+                        <a:buSzTx/>
+                        <a:buFontTx/>
+                        <a:buNone/>
+                        <a:tabLst/>
+                        <a:defRPr/>
+                      </a:pPr>
+                      <a:r>
+                        <a:rPr lang="it-IT" sz="1000" b="0" i="0" kern="1200" dirty="0" smtClean="0">
+                          <a:solidFill>
+                            <a:schemeClr val="dk1"/>
+                          </a:solidFill>
+                          <a:effectLst/>
+                          <a:latin typeface="+mn-lt"/>
+                          <a:ea typeface="+mn-ea"/>
+                          <a:cs typeface="+mn-cs"/>
+                        </a:rPr>
+                        <a:t>3267.21</a:t>
+                      </a:r>
+                    </a:p>
+                  </a:txBody>
+                  <a:tcPr marL="77417" marR="77417" marT="38709" marB="38709">
+                    <a:solidFill>
+                      <a:srgbClr val="FFFF00"/>
+                    </a:solidFill>
+                  </a:tcPr>
+                </a:tc>
+                <a:tc>
+                  <a:txBody>
+                    <a:bodyPr/>
+                    <a:lstStyle/>
+                    <a:p>
+                      <a:pPr marL="0" marR="0" indent="0" algn="ctr" defTabSz="914400" rtl="0" eaLnBrk="1" fontAlgn="auto" latinLnBrk="0" hangingPunct="1">
+                        <a:lnSpc>
+                          <a:spcPct val="100000"/>
+                        </a:lnSpc>
+                        <a:spcBef>
+                          <a:spcPts val="0"/>
+                        </a:spcBef>
+                        <a:spcAft>
+                          <a:spcPts val="0"/>
+                        </a:spcAft>
+                        <a:buClrTx/>
+                        <a:buSzTx/>
+                        <a:buFontTx/>
+                        <a:buNone/>
+                        <a:tabLst/>
+                        <a:defRPr/>
+                      </a:pPr>
+                      <a:r>
+                        <a:rPr lang="it-IT" sz="1000" b="0" i="0" kern="1200" dirty="0" smtClean="0">
+                          <a:solidFill>
+                            <a:schemeClr val="dk1"/>
+                          </a:solidFill>
+                          <a:effectLst/>
+                          <a:latin typeface="+mn-lt"/>
+                          <a:ea typeface="+mn-ea"/>
+                          <a:cs typeface="+mn-cs"/>
+                        </a:rPr>
+                        <a:t>3684.80</a:t>
+                      </a:r>
+                    </a:p>
+                  </a:txBody>
+                  <a:tcPr marL="77417" marR="77417" marT="38709" marB="38709"/>
+                </a:tc>
+                <a:extLst>
+                  <a:ext uri="{0D108BD9-81ED-4DB2-BD59-A6C34878D82A}">
+                    <a16:rowId xmlns:a16="http://schemas.microsoft.com/office/drawing/2014/main" val="556880110"/>
+                  </a:ext>
+                </a:extLst>
+              </a:tr>
+              <a:tr h="370777">
+                <a:tc>
+                  <a:txBody>
+                    <a:bodyPr/>
+                    <a:lstStyle/>
+                    <a:p>
+                      <a:pPr algn="ctr"/>
+                      <a:r>
+                        <a:rPr lang="it-IT" sz="1200" b="1" i="1" dirty="0" smtClean="0"/>
+                        <a:t>15</a:t>
+                      </a:r>
+                      <a:endParaRPr lang="it-IT" sz="1200" b="1" i="1" dirty="0"/>
+                    </a:p>
+                  </a:txBody>
+                  <a:tcPr marL="77417" marR="77417" marT="38709" marB="38709"/>
+                </a:tc>
+                <a:tc>
+                  <a:txBody>
+                    <a:bodyPr/>
+                    <a:lstStyle/>
+                    <a:p>
+                      <a:pPr marL="0" marR="0" indent="0" algn="ctr" defTabSz="914400" rtl="0" eaLnBrk="1" fontAlgn="auto" latinLnBrk="0" hangingPunct="1">
+                        <a:lnSpc>
+                          <a:spcPct val="100000"/>
+                        </a:lnSpc>
+                        <a:spcBef>
+                          <a:spcPts val="0"/>
+                        </a:spcBef>
+                        <a:spcAft>
+                          <a:spcPts val="0"/>
+                        </a:spcAft>
+                        <a:buClrTx/>
+                        <a:buSzTx/>
+                        <a:buFontTx/>
+                        <a:buNone/>
+                        <a:tabLst/>
+                        <a:defRPr/>
+                      </a:pPr>
+                      <a:r>
+                        <a:rPr lang="it-IT" sz="1000" b="0" i="0" kern="1200" dirty="0" smtClean="0">
+                          <a:solidFill>
+                            <a:schemeClr val="dk1"/>
+                          </a:solidFill>
+                          <a:effectLst/>
+                          <a:latin typeface="+mn-lt"/>
+                          <a:ea typeface="+mn-ea"/>
+                          <a:cs typeface="+mn-cs"/>
+                        </a:rPr>
+                        <a:t>3147.23</a:t>
+                      </a:r>
+                    </a:p>
+                  </a:txBody>
+                  <a:tcPr marL="77417" marR="77417" marT="38709" marB="38709">
+                    <a:solidFill>
+                      <a:srgbClr val="00B050"/>
+                    </a:solidFill>
+                  </a:tcPr>
+                </a:tc>
+                <a:tc>
+                  <a:txBody>
+                    <a:bodyPr/>
+                    <a:lstStyle/>
+                    <a:p>
+                      <a:pPr marL="0" marR="0" indent="0" algn="ctr" defTabSz="914400" rtl="0" eaLnBrk="1" fontAlgn="auto" latinLnBrk="0" hangingPunct="1">
+                        <a:lnSpc>
+                          <a:spcPct val="100000"/>
+                        </a:lnSpc>
+                        <a:spcBef>
+                          <a:spcPts val="0"/>
+                        </a:spcBef>
+                        <a:spcAft>
+                          <a:spcPts val="0"/>
+                        </a:spcAft>
+                        <a:buClrTx/>
+                        <a:buSzTx/>
+                        <a:buFontTx/>
+                        <a:buNone/>
+                        <a:tabLst/>
+                        <a:defRPr/>
+                      </a:pPr>
+                      <a:r>
+                        <a:rPr lang="it-IT" sz="1000" b="0" i="0" kern="1200" dirty="0" smtClean="0">
+                          <a:solidFill>
+                            <a:schemeClr val="dk1"/>
+                          </a:solidFill>
+                          <a:effectLst/>
+                          <a:latin typeface="+mn-lt"/>
+                          <a:ea typeface="+mn-ea"/>
+                          <a:cs typeface="+mn-cs"/>
+                        </a:rPr>
+                        <a:t>3316.24</a:t>
+                      </a:r>
+                    </a:p>
+                  </a:txBody>
+                  <a:tcPr marL="77417" marR="77417" marT="38709" marB="38709">
+                    <a:noFill/>
+                  </a:tcPr>
+                </a:tc>
+                <a:tc>
+                  <a:txBody>
+                    <a:bodyPr/>
+                    <a:lstStyle/>
+                    <a:p>
+                      <a:pPr marL="0" marR="0" indent="0" algn="ctr" defTabSz="914400" rtl="0" eaLnBrk="1" fontAlgn="auto" latinLnBrk="0" hangingPunct="1">
+                        <a:lnSpc>
+                          <a:spcPct val="100000"/>
+                        </a:lnSpc>
+                        <a:spcBef>
+                          <a:spcPts val="0"/>
+                        </a:spcBef>
+                        <a:spcAft>
+                          <a:spcPts val="0"/>
+                        </a:spcAft>
+                        <a:buClrTx/>
+                        <a:buSzTx/>
+                        <a:buFontTx/>
+                        <a:buNone/>
+                        <a:tabLst/>
+                        <a:defRPr/>
+                      </a:pPr>
+                      <a:r>
+                        <a:rPr lang="it-IT" sz="1000" b="0" i="0" kern="1200" dirty="0" smtClean="0">
+                          <a:solidFill>
+                            <a:schemeClr val="dk1"/>
+                          </a:solidFill>
+                          <a:effectLst/>
+                          <a:latin typeface="+mn-lt"/>
+                          <a:ea typeface="+mn-ea"/>
+                          <a:cs typeface="+mn-cs"/>
+                        </a:rPr>
+                        <a:t>3797.34</a:t>
+                      </a:r>
+                    </a:p>
+                  </a:txBody>
+                  <a:tcPr marL="77417" marR="77417" marT="38709" marB="38709">
+                    <a:noFill/>
+                  </a:tcPr>
+                </a:tc>
+                <a:tc>
+                  <a:txBody>
+                    <a:bodyPr/>
+                    <a:lstStyle/>
+                    <a:p>
+                      <a:pPr marL="0" marR="0" indent="0" algn="ctr" defTabSz="914400" rtl="0" eaLnBrk="1" fontAlgn="auto" latinLnBrk="0" hangingPunct="1">
+                        <a:lnSpc>
+                          <a:spcPct val="100000"/>
+                        </a:lnSpc>
+                        <a:spcBef>
+                          <a:spcPts val="0"/>
+                        </a:spcBef>
+                        <a:spcAft>
+                          <a:spcPts val="0"/>
+                        </a:spcAft>
+                        <a:buClrTx/>
+                        <a:buSzTx/>
+                        <a:buFontTx/>
+                        <a:buNone/>
+                        <a:tabLst/>
+                        <a:defRPr/>
+                      </a:pPr>
+                      <a:r>
+                        <a:rPr lang="it-IT" sz="1000" b="0" i="0" kern="1200" dirty="0" smtClean="0">
+                          <a:solidFill>
+                            <a:schemeClr val="dk1"/>
+                          </a:solidFill>
+                          <a:effectLst/>
+                          <a:latin typeface="+mn-lt"/>
+                          <a:ea typeface="+mn-ea"/>
+                          <a:cs typeface="+mn-cs"/>
+                        </a:rPr>
+                        <a:t>3665.03</a:t>
+                      </a:r>
+                    </a:p>
+                  </a:txBody>
+                  <a:tcPr marL="77417" marR="77417" marT="38709" marB="38709">
+                    <a:noFill/>
+                  </a:tcPr>
+                </a:tc>
+                <a:extLst>
+                  <a:ext uri="{0D108BD9-81ED-4DB2-BD59-A6C34878D82A}">
+                    <a16:rowId xmlns:a16="http://schemas.microsoft.com/office/drawing/2014/main" val="3068703127"/>
+                  </a:ext>
+                </a:extLst>
+              </a:tr>
+            </a:tbl>
+          </a:graphicData>
+        </a:graphic>
+      </p:graphicFrame>
+      <p:graphicFrame>
+        <p:nvGraphicFramePr>
+          <p:cNvPr id="30" name="Tabella 7">
+            <a:extLst>
+              <a:ext uri="{FF2B5EF4-FFF2-40B4-BE49-F238E27FC236}">
+                <a16:creationId xmlns:a16="http://schemas.microsoft.com/office/drawing/2014/main" id="{BD18624C-EF40-48F1-887F-B3E2A5BE493D}"/>
+              </a:ext>
+            </a:extLst>
+          </p:cNvPr>
+          <p:cNvGraphicFramePr>
+            <a:graphicFrameLocks noGrp="1"/>
+          </p:cNvGraphicFramePr>
+          <p:nvPr>
+            <p:extLst>
+              <p:ext uri="{D42A27DB-BD31-4B8C-83A1-F6EECF244321}">
+                <p14:modId xmlns:p14="http://schemas.microsoft.com/office/powerpoint/2010/main" val="2339971889"/>
+              </p:ext>
+            </p:extLst>
+          </p:nvPr>
+        </p:nvGraphicFramePr>
+        <p:xfrm>
+          <a:off x="3946564" y="4522855"/>
+          <a:ext cx="3168546" cy="1909161"/>
+        </p:xfrm>
+        <a:graphic>
+          <a:graphicData uri="http://schemas.openxmlformats.org/drawingml/2006/table">
+            <a:tbl>
+              <a:tblPr firstRow="1" bandRow="1">
+                <a:tableStyleId>{D7AC3CCA-C797-4891-BE02-D94E43425B78}</a:tableStyleId>
+              </a:tblPr>
+              <a:tblGrid>
+                <a:gridCol w="638365">
+                  <a:extLst>
+                    <a:ext uri="{9D8B030D-6E8A-4147-A177-3AD203B41FA5}">
+                      <a16:colId xmlns:a16="http://schemas.microsoft.com/office/drawing/2014/main" val="1229876134"/>
+                    </a:ext>
+                  </a:extLst>
+                </a:gridCol>
+                <a:gridCol w="636017">
+                  <a:extLst>
+                    <a:ext uri="{9D8B030D-6E8A-4147-A177-3AD203B41FA5}">
+                      <a16:colId xmlns:a16="http://schemas.microsoft.com/office/drawing/2014/main" val="3099311952"/>
+                    </a:ext>
+                  </a:extLst>
+                </a:gridCol>
+                <a:gridCol w="617434">
+                  <a:extLst>
+                    <a:ext uri="{9D8B030D-6E8A-4147-A177-3AD203B41FA5}">
+                      <a16:colId xmlns:a16="http://schemas.microsoft.com/office/drawing/2014/main" val="2395735390"/>
+                    </a:ext>
+                  </a:extLst>
+                </a:gridCol>
+                <a:gridCol w="638365">
+                  <a:extLst>
+                    <a:ext uri="{9D8B030D-6E8A-4147-A177-3AD203B41FA5}">
+                      <a16:colId xmlns:a16="http://schemas.microsoft.com/office/drawing/2014/main" val="2674043146"/>
+                    </a:ext>
+                  </a:extLst>
+                </a:gridCol>
+                <a:gridCol w="638365">
+                  <a:extLst>
+                    <a:ext uri="{9D8B030D-6E8A-4147-A177-3AD203B41FA5}">
+                      <a16:colId xmlns:a16="http://schemas.microsoft.com/office/drawing/2014/main" val="3536713904"/>
+                    </a:ext>
+                  </a:extLst>
+                </a:gridCol>
+              </a:tblGrid>
+              <a:tr h="370203">
+                <a:tc gridSpan="5">
+                  <a:txBody>
+                    <a:bodyPr/>
+                    <a:lstStyle/>
+                    <a:p>
+                      <a:pPr algn="ctr"/>
+                      <a:r>
+                        <a:rPr lang="it-IT" sz="1200" b="1" i="1" dirty="0" smtClean="0"/>
+                        <a:t>Crossover</a:t>
+                      </a:r>
+                      <a:r>
+                        <a:rPr lang="it-IT" sz="1200" b="1" i="1" baseline="0" dirty="0" smtClean="0"/>
+                        <a:t> 60</a:t>
+                      </a:r>
+                      <a:endParaRPr lang="it-IT" sz="1400" b="1" i="1" dirty="0"/>
+                    </a:p>
+                  </a:txBody>
+                  <a:tcPr marL="77316" marR="77316" marT="38658" marB="38658">
+                    <a:lnL w="12700" cap="flat" cmpd="sng" algn="ctr">
+                      <a:solidFill>
+                        <a:schemeClr val="tx1"/>
+                      </a:solidFill>
+                      <a:prstDash val="solid"/>
+                      <a:round/>
+                      <a:headEnd type="none" w="med" len="med"/>
+                      <a:tailEnd type="none" w="med" len="med"/>
+                    </a:lnL>
+                    <a:lnR w="12700" cap="flat" cmpd="sng" algn="ctr">
+                      <a:solidFill>
+                        <a:schemeClr val="tx1"/>
+                      </a:solidFill>
+                      <a:prstDash val="solid"/>
+                      <a:round/>
+                      <a:headEnd type="none" w="med" len="med"/>
+                      <a:tailEnd type="none" w="med" len="med"/>
+                    </a:lnR>
+                    <a:lnT w="12700" cap="flat" cmpd="sng" algn="ctr">
+                      <a:solidFill>
+                        <a:schemeClr val="tx1"/>
+                      </a:solidFill>
+                      <a:prstDash val="solid"/>
+                      <a:round/>
+                      <a:headEnd type="none" w="med" len="med"/>
+                      <a:tailEnd type="none" w="med" len="med"/>
+                    </a:lnT>
+                    <a:lnB w="12700" cap="flat" cmpd="sng" algn="ctr">
+                      <a:solidFill>
+                        <a:schemeClr val="tx1"/>
+                      </a:solidFill>
+                      <a:prstDash val="solid"/>
+                      <a:round/>
+                      <a:headEnd type="none" w="med" len="med"/>
+                      <a:tailEnd type="none" w="med" len="med"/>
+                    </a:lnB>
+                  </a:tcPr>
+                </a:tc>
+                <a:tc hMerge="1">
+                  <a:txBody>
+                    <a:bodyPr/>
+                    <a:lstStyle/>
+                    <a:p>
+                      <a:pPr algn="ctr"/>
+                      <a:endParaRPr lang="it-IT"/>
+                    </a:p>
+                  </a:txBody>
+                  <a:tcPr>
+                    <a:lnL w="12700" cap="flat" cmpd="sng" algn="ctr">
+                      <a:noFill/>
+                      <a:prstDash val="solid"/>
+                      <a:round/>
+                      <a:headEnd type="none" w="med" len="med"/>
+                      <a:tailEnd type="none" w="med" len="med"/>
+                    </a:lnL>
+                    <a:lnR w="12700" cap="flat" cmpd="sng" algn="ctr">
+                      <a:solidFill>
+                        <a:schemeClr val="tx1"/>
+                      </a:solidFill>
+                      <a:prstDash val="solid"/>
+                      <a:round/>
+                      <a:headEnd type="none" w="med" len="med"/>
+                      <a:tailEnd type="none" w="med" len="med"/>
+                    </a:lnR>
+                    <a:lnT w="12700" cap="flat" cmpd="sng" algn="ctr">
+                      <a:solidFill>
+                        <a:schemeClr val="tx1"/>
+                      </a:solidFill>
+                      <a:prstDash val="solid"/>
+                      <a:round/>
+                      <a:headEnd type="none" w="med" len="med"/>
+                      <a:tailEnd type="none" w="med" len="med"/>
+                    </a:lnT>
+                    <a:lnB w="12700" cap="flat" cmpd="sng" algn="ctr">
+                      <a:solidFill>
+                        <a:schemeClr val="tx1"/>
+                      </a:solidFill>
+                      <a:prstDash val="solid"/>
+                      <a:round/>
+                      <a:headEnd type="none" w="med" len="med"/>
+                      <a:tailEnd type="none" w="med" len="med"/>
+                    </a:lnB>
+                  </a:tcPr>
+                </a:tc>
+                <a:tc hMerge="1">
+                  <a:txBody>
+                    <a:bodyPr/>
+                    <a:lstStyle/>
+                    <a:p>
+                      <a:endParaRPr lang="it-IT"/>
+                    </a:p>
+                  </a:txBody>
+                  <a:tcPr>
+                    <a:lnL w="12700" cap="flat" cmpd="sng" algn="ctr">
+                      <a:noFill/>
+                      <a:prstDash val="solid"/>
+                      <a:round/>
+                      <a:headEnd type="none" w="med" len="med"/>
+                      <a:tailEnd type="none" w="med" len="med"/>
+                    </a:lnL>
+                    <a:lnR w="12700" cap="flat" cmpd="sng" algn="ctr">
+                      <a:noFill/>
+                      <a:prstDash val="solid"/>
+                      <a:round/>
+                      <a:headEnd type="none" w="med" len="med"/>
+                      <a:tailEnd type="none" w="med" len="med"/>
+                    </a:lnR>
+                    <a:lnT w="12700" cap="flat" cmpd="sng" algn="ctr">
+                      <a:solidFill>
+                        <a:schemeClr val="tx1"/>
+                      </a:solidFill>
+                      <a:prstDash val="solid"/>
+                      <a:round/>
+                      <a:headEnd type="none" w="med" len="med"/>
+                      <a:tailEnd type="none" w="med" len="med"/>
+                    </a:lnT>
+                    <a:lnB w="12700" cap="flat" cmpd="sng" algn="ctr">
+                      <a:solidFill>
+                        <a:schemeClr val="tx1"/>
+                      </a:solidFill>
+                      <a:prstDash val="solid"/>
+                      <a:round/>
+                      <a:headEnd type="none" w="med" len="med"/>
+                      <a:tailEnd type="none" w="med" len="med"/>
+                    </a:lnB>
+                  </a:tcPr>
+                </a:tc>
+                <a:tc hMerge="1">
+                  <a:txBody>
+                    <a:bodyPr/>
+                    <a:lstStyle/>
+                    <a:p>
+                      <a:endParaRPr lang="it-IT"/>
+                    </a:p>
+                  </a:txBody>
+                  <a:tcPr>
+                    <a:lnL w="12700" cap="flat" cmpd="sng" algn="ctr">
+                      <a:noFill/>
+                      <a:prstDash val="solid"/>
+                      <a:round/>
+                      <a:headEnd type="none" w="med" len="med"/>
+                      <a:tailEnd type="none" w="med" len="med"/>
+                    </a:lnL>
+                    <a:lnR w="12700" cap="flat" cmpd="sng" algn="ctr">
+                      <a:solidFill>
+                        <a:schemeClr val="tx1"/>
+                      </a:solidFill>
+                      <a:prstDash val="solid"/>
+                      <a:round/>
+                      <a:headEnd type="none" w="med" len="med"/>
+                      <a:tailEnd type="none" w="med" len="med"/>
+                    </a:lnR>
+                    <a:lnT w="12700" cap="flat" cmpd="sng" algn="ctr">
+                      <a:solidFill>
+                        <a:schemeClr val="tx1"/>
+                      </a:solidFill>
+                      <a:prstDash val="solid"/>
+                      <a:round/>
+                      <a:headEnd type="none" w="med" len="med"/>
+                      <a:tailEnd type="none" w="med" len="med"/>
+                    </a:lnT>
+                    <a:lnB w="12700" cap="flat" cmpd="sng" algn="ctr">
+                      <a:solidFill>
+                        <a:schemeClr val="tx1"/>
+                      </a:solidFill>
+                      <a:prstDash val="solid"/>
+                      <a:round/>
+                      <a:headEnd type="none" w="med" len="med"/>
+                      <a:tailEnd type="none" w="med" len="med"/>
+                    </a:lnB>
+                  </a:tcPr>
+                </a:tc>
+                <a:tc hMerge="1">
+                  <a:txBody>
+                    <a:bodyPr/>
+                    <a:lstStyle/>
+                    <a:p>
+                      <a:pPr algn="ctr"/>
+                      <a:endParaRPr lang="it-IT" sz="1400" b="1" i="1" dirty="0"/>
+                    </a:p>
+                  </a:txBody>
+                  <a:tcPr marL="77823" marR="77823" marT="38911" marB="38911">
+                    <a:lnL w="12700" cap="flat" cmpd="sng" algn="ctr">
+                      <a:solidFill>
+                        <a:schemeClr val="tx1"/>
+                      </a:solidFill>
+                      <a:prstDash val="solid"/>
+                      <a:round/>
+                      <a:headEnd type="none" w="med" len="med"/>
+                      <a:tailEnd type="none" w="med" len="med"/>
+                    </a:lnL>
+                    <a:lnR w="12700" cap="flat" cmpd="sng" algn="ctr">
+                      <a:solidFill>
+                        <a:schemeClr val="tx1"/>
+                      </a:solidFill>
+                      <a:prstDash val="solid"/>
+                      <a:round/>
+                      <a:headEnd type="none" w="med" len="med"/>
+                      <a:tailEnd type="none" w="med" len="med"/>
+                    </a:lnR>
+                    <a:lnT w="12700" cap="flat" cmpd="sng" algn="ctr">
+                      <a:solidFill>
+                        <a:schemeClr val="tx1"/>
+                      </a:solidFill>
+                      <a:prstDash val="solid"/>
+                      <a:round/>
+                      <a:headEnd type="none" w="med" len="med"/>
+                      <a:tailEnd type="none" w="med" len="med"/>
+                    </a:lnT>
+                    <a:lnB w="12700" cap="flat" cmpd="sng" algn="ctr">
+                      <a:solidFill>
+                        <a:schemeClr val="tx1"/>
+                      </a:solidFill>
+                      <a:prstDash val="solid"/>
+                      <a:round/>
+                      <a:headEnd type="none" w="med" len="med"/>
+                      <a:tailEnd type="none" w="med" len="med"/>
+                    </a:lnB>
+                  </a:tcPr>
+                </a:tc>
+                <a:extLst>
+                  <a:ext uri="{0D108BD9-81ED-4DB2-BD59-A6C34878D82A}">
+                    <a16:rowId xmlns:a16="http://schemas.microsoft.com/office/drawing/2014/main" val="3424649096"/>
+                  </a:ext>
+                </a:extLst>
+              </a:tr>
+              <a:tr h="463570">
+                <a:tc>
+                  <a:txBody>
+                    <a:bodyPr/>
+                    <a:lstStyle/>
+                    <a:p>
+                      <a:pPr algn="r"/>
+                      <a:r>
+                        <a:rPr lang="it-IT" sz="1200" i="1" dirty="0"/>
+                        <a:t>  </a:t>
+                      </a:r>
+                      <a:r>
+                        <a:rPr lang="it-IT" sz="1100" i="1" dirty="0" err="1" smtClean="0"/>
+                        <a:t>Prob</a:t>
+                      </a:r>
+                      <a:endParaRPr lang="it-IT" sz="1500" i="1" dirty="0"/>
+                    </a:p>
+                    <a:p>
+                      <a:r>
+                        <a:rPr lang="it-IT" sz="1200" i="1" dirty="0"/>
+                        <a:t>Dim</a:t>
+                      </a:r>
+                      <a:endParaRPr lang="it-IT" sz="2000" i="1" dirty="0"/>
+                    </a:p>
+                  </a:txBody>
+                  <a:tcPr marL="77316" marR="77316" marT="38658" marB="38658">
+                    <a:lnT w="12700" cap="flat" cmpd="sng" algn="ctr">
+                      <a:solidFill>
+                        <a:schemeClr val="tx1"/>
+                      </a:solidFill>
+                      <a:prstDash val="solid"/>
+                      <a:round/>
+                      <a:headEnd type="none" w="med" len="med"/>
+                      <a:tailEnd type="none" w="med" len="med"/>
+                    </a:lnT>
+                    <a:lnTlToBr w="12700" cap="flat" cmpd="sng" algn="ctr">
+                      <a:solidFill>
+                        <a:schemeClr val="tx1"/>
+                      </a:solidFill>
+                      <a:prstDash val="solid"/>
+                      <a:round/>
+                      <a:headEnd type="none" w="med" len="med"/>
+                      <a:tailEnd type="none" w="med" len="med"/>
+                    </a:lnTlToBr>
+                  </a:tcPr>
+                </a:tc>
+                <a:tc>
+                  <a:txBody>
+                    <a:bodyPr/>
+                    <a:lstStyle/>
+                    <a:p>
+                      <a:pPr algn="ctr"/>
+                      <a:r>
+                        <a:rPr lang="it-IT" sz="1200" b="1" i="1" dirty="0" smtClean="0"/>
+                        <a:t>5%</a:t>
+                      </a:r>
+                      <a:endParaRPr lang="it-IT" sz="1200" b="1" i="1" dirty="0"/>
+                    </a:p>
+                  </a:txBody>
+                  <a:tcPr marL="77316" marR="77316" marT="38658" marB="38658">
+                    <a:lnT w="12700" cap="flat" cmpd="sng" algn="ctr">
+                      <a:solidFill>
+                        <a:schemeClr val="tx1"/>
+                      </a:solidFill>
+                      <a:prstDash val="solid"/>
+                      <a:round/>
+                      <a:headEnd type="none" w="med" len="med"/>
+                      <a:tailEnd type="none" w="med" len="med"/>
+                    </a:lnT>
+                  </a:tcPr>
+                </a:tc>
+                <a:tc>
+                  <a:txBody>
+                    <a:bodyPr/>
+                    <a:lstStyle/>
+                    <a:p>
+                      <a:pPr algn="ctr"/>
+                      <a:r>
+                        <a:rPr lang="it-IT" sz="1200" b="1" i="1" dirty="0" smtClean="0"/>
+                        <a:t>10%</a:t>
+                      </a:r>
+                      <a:endParaRPr lang="it-IT" sz="1200" b="1" i="1" dirty="0"/>
+                    </a:p>
+                  </a:txBody>
+                  <a:tcPr marL="77316" marR="77316" marT="38658" marB="38658">
+                    <a:lnT w="12700" cap="flat" cmpd="sng" algn="ctr">
+                      <a:solidFill>
+                        <a:schemeClr val="tx1"/>
+                      </a:solidFill>
+                      <a:prstDash val="solid"/>
+                      <a:round/>
+                      <a:headEnd type="none" w="med" len="med"/>
+                      <a:tailEnd type="none" w="med" len="med"/>
+                    </a:lnT>
+                  </a:tcPr>
+                </a:tc>
+                <a:tc>
+                  <a:txBody>
+                    <a:bodyPr/>
+                    <a:lstStyle/>
+                    <a:p>
+                      <a:pPr algn="ctr"/>
+                      <a:r>
+                        <a:rPr lang="it-IT" sz="1200" b="1" i="1" dirty="0" smtClean="0"/>
+                        <a:t>20%</a:t>
+                      </a:r>
+                      <a:endParaRPr lang="it-IT" sz="1200" b="1" i="1" dirty="0"/>
+                    </a:p>
+                  </a:txBody>
+                  <a:tcPr marL="77316" marR="77316" marT="38658" marB="38658">
+                    <a:lnT w="12700" cap="flat" cmpd="sng" algn="ctr">
+                      <a:solidFill>
+                        <a:schemeClr val="tx1"/>
+                      </a:solidFill>
+                      <a:prstDash val="solid"/>
+                      <a:round/>
+                      <a:headEnd type="none" w="med" len="med"/>
+                      <a:tailEnd type="none" w="med" len="med"/>
+                    </a:lnT>
+                  </a:tcPr>
+                </a:tc>
+                <a:tc>
+                  <a:txBody>
+                    <a:bodyPr/>
+                    <a:lstStyle/>
+                    <a:p>
+                      <a:pPr algn="ctr"/>
+                      <a:r>
+                        <a:rPr lang="it-IT" sz="1200" b="1" i="1" dirty="0" smtClean="0"/>
+                        <a:t>30%</a:t>
+                      </a:r>
+                      <a:endParaRPr lang="it-IT" sz="1200" b="1" i="1" dirty="0"/>
+                    </a:p>
+                  </a:txBody>
+                  <a:tcPr marL="77316" marR="77316" marT="38658" marB="38658">
+                    <a:lnT w="12700" cap="flat" cmpd="sng" algn="ctr">
+                      <a:solidFill>
+                        <a:schemeClr val="tx1"/>
+                      </a:solidFill>
+                      <a:prstDash val="solid"/>
+                      <a:round/>
+                      <a:headEnd type="none" w="med" len="med"/>
+                      <a:tailEnd type="none" w="med" len="med"/>
+                    </a:lnT>
+                  </a:tcPr>
+                </a:tc>
+                <a:extLst>
+                  <a:ext uri="{0D108BD9-81ED-4DB2-BD59-A6C34878D82A}">
+                    <a16:rowId xmlns:a16="http://schemas.microsoft.com/office/drawing/2014/main" val="2481347082"/>
+                  </a:ext>
+                </a:extLst>
+              </a:tr>
+              <a:tr h="341600">
+                <a:tc>
+                  <a:txBody>
+                    <a:bodyPr/>
+                    <a:lstStyle/>
+                    <a:p>
+                      <a:pPr algn="ctr"/>
+                      <a:r>
+                        <a:rPr lang="it-IT" sz="1200" b="1" i="1" dirty="0" smtClean="0"/>
+                        <a:t>5</a:t>
+                      </a:r>
+                      <a:endParaRPr lang="it-IT" sz="1200" b="1" i="1" dirty="0"/>
+                    </a:p>
+                  </a:txBody>
+                  <a:tcPr marL="77316" marR="77316" marT="38658" marB="38658"/>
+                </a:tc>
+                <a:tc>
+                  <a:txBody>
+                    <a:bodyPr/>
+                    <a:lstStyle/>
+                    <a:p>
+                      <a:r>
+                        <a:rPr lang="it-IT" sz="1000" b="0" i="0" kern="1200" dirty="0" smtClean="0">
+                          <a:solidFill>
+                            <a:schemeClr val="dk1"/>
+                          </a:solidFill>
+                          <a:effectLst/>
+                          <a:latin typeface="+mn-lt"/>
+                          <a:ea typeface="+mn-ea"/>
+                          <a:cs typeface="+mn-cs"/>
+                        </a:rPr>
+                        <a:t>3848.25</a:t>
+                      </a:r>
+                      <a:endParaRPr lang="it-IT" sz="1000" b="0" i="0" kern="1200" dirty="0">
+                        <a:solidFill>
+                          <a:schemeClr val="dk1"/>
+                        </a:solidFill>
+                        <a:effectLst/>
+                        <a:latin typeface="+mn-lt"/>
+                        <a:ea typeface="+mn-ea"/>
+                        <a:cs typeface="+mn-cs"/>
+                      </a:endParaRPr>
+                    </a:p>
+                  </a:txBody>
+                  <a:tcPr marL="77316" marR="77316" marT="38658" marB="38658">
+                    <a:solidFill>
+                      <a:srgbClr val="FF0000"/>
+                    </a:solidFill>
+                  </a:tcPr>
+                </a:tc>
+                <a:tc>
+                  <a:txBody>
+                    <a:bodyPr/>
+                    <a:lstStyle/>
+                    <a:p>
+                      <a:r>
+                        <a:rPr lang="it-IT" sz="1000" b="0" i="0" kern="1200" dirty="0" smtClean="0">
+                          <a:solidFill>
+                            <a:schemeClr val="dk1"/>
+                          </a:solidFill>
+                          <a:effectLst/>
+                          <a:latin typeface="+mn-lt"/>
+                          <a:ea typeface="+mn-ea"/>
+                          <a:cs typeface="+mn-cs"/>
+                        </a:rPr>
+                        <a:t>3708.11</a:t>
+                      </a:r>
+                      <a:endParaRPr lang="it-IT" sz="1000" b="0" i="0" kern="1200" dirty="0">
+                        <a:solidFill>
+                          <a:schemeClr val="dk1"/>
+                        </a:solidFill>
+                        <a:effectLst/>
+                        <a:latin typeface="+mn-lt"/>
+                        <a:ea typeface="+mn-ea"/>
+                        <a:cs typeface="+mn-cs"/>
+                      </a:endParaRPr>
+                    </a:p>
+                  </a:txBody>
+                  <a:tcPr marL="77316" marR="77316" marT="38658" marB="38658"/>
+                </a:tc>
+                <a:tc>
+                  <a:txBody>
+                    <a:bodyPr/>
+                    <a:lstStyle/>
+                    <a:p>
+                      <a:r>
+                        <a:rPr lang="it-IT" sz="1000" b="0" i="0" kern="1200" dirty="0" smtClean="0">
+                          <a:solidFill>
+                            <a:schemeClr val="dk1"/>
+                          </a:solidFill>
+                          <a:effectLst/>
+                          <a:latin typeface="+mn-lt"/>
+                          <a:ea typeface="+mn-ea"/>
+                          <a:cs typeface="+mn-cs"/>
+                        </a:rPr>
+                        <a:t>3557.78</a:t>
+                      </a:r>
+                      <a:endParaRPr lang="it-IT" sz="1000" b="0" i="0" kern="1200" dirty="0">
+                        <a:solidFill>
+                          <a:schemeClr val="dk1"/>
+                        </a:solidFill>
+                        <a:effectLst/>
+                        <a:latin typeface="+mn-lt"/>
+                        <a:ea typeface="+mn-ea"/>
+                        <a:cs typeface="+mn-cs"/>
+                      </a:endParaRPr>
+                    </a:p>
+                  </a:txBody>
+                  <a:tcPr marL="77316" marR="77316" marT="38658" marB="38658">
+                    <a:solidFill>
+                      <a:srgbClr val="FFFF00"/>
+                    </a:solidFill>
+                  </a:tcPr>
+                </a:tc>
+                <a:tc>
+                  <a:txBody>
+                    <a:bodyPr/>
+                    <a:lstStyle/>
+                    <a:p>
+                      <a:pPr marL="0" marR="0" indent="0" algn="ctr" defTabSz="914400" rtl="0" eaLnBrk="1" fontAlgn="auto" latinLnBrk="0" hangingPunct="1">
+                        <a:lnSpc>
+                          <a:spcPct val="100000"/>
+                        </a:lnSpc>
+                        <a:spcBef>
+                          <a:spcPts val="0"/>
+                        </a:spcBef>
+                        <a:spcAft>
+                          <a:spcPts val="0"/>
+                        </a:spcAft>
+                        <a:buClrTx/>
+                        <a:buSzTx/>
+                        <a:buFontTx/>
+                        <a:buNone/>
+                        <a:tabLst/>
+                        <a:defRPr/>
+                      </a:pPr>
+                      <a:r>
+                        <a:rPr lang="it-IT" sz="1000" b="0" i="0" kern="1200" dirty="0" smtClean="0">
+                          <a:solidFill>
+                            <a:schemeClr val="dk1"/>
+                          </a:solidFill>
+                          <a:effectLst/>
+                          <a:latin typeface="+mn-lt"/>
+                          <a:ea typeface="+mn-ea"/>
+                          <a:cs typeface="+mn-cs"/>
+                        </a:rPr>
+                        <a:t>3558.76</a:t>
+                      </a:r>
+                    </a:p>
+                  </a:txBody>
+                  <a:tcPr marL="77316" marR="77316" marT="38658" marB="38658">
+                    <a:solidFill>
+                      <a:schemeClr val="bg1">
+                        <a:lumMod val="85000"/>
+                      </a:schemeClr>
+                    </a:solidFill>
+                  </a:tcPr>
+                </a:tc>
+                <a:extLst>
+                  <a:ext uri="{0D108BD9-81ED-4DB2-BD59-A6C34878D82A}">
+                    <a16:rowId xmlns:a16="http://schemas.microsoft.com/office/drawing/2014/main" val="2948238502"/>
+                  </a:ext>
+                </a:extLst>
+              </a:tr>
+              <a:tr h="363494">
+                <a:tc>
+                  <a:txBody>
+                    <a:bodyPr/>
+                    <a:lstStyle/>
+                    <a:p>
+                      <a:pPr algn="ctr"/>
+                      <a:r>
+                        <a:rPr lang="it-IT" sz="1200" b="1" i="1" dirty="0" smtClean="0"/>
+                        <a:t>10</a:t>
+                      </a:r>
+                      <a:endParaRPr lang="it-IT" sz="1200" b="1" i="1" dirty="0"/>
+                    </a:p>
+                  </a:txBody>
+                  <a:tcPr marL="77316" marR="77316" marT="38658" marB="38658"/>
+                </a:tc>
+                <a:tc>
+                  <a:txBody>
+                    <a:bodyPr/>
+                    <a:lstStyle/>
+                    <a:p>
+                      <a:r>
+                        <a:rPr lang="it-IT" sz="1000" b="0" i="0" kern="1200" dirty="0" smtClean="0">
+                          <a:solidFill>
+                            <a:schemeClr val="dk1"/>
+                          </a:solidFill>
+                          <a:effectLst/>
+                          <a:latin typeface="+mn-lt"/>
+                          <a:ea typeface="+mn-ea"/>
+                          <a:cs typeface="+mn-cs"/>
+                        </a:rPr>
+                        <a:t>3415.12</a:t>
+                      </a:r>
+                      <a:endParaRPr lang="it-IT" sz="1000" b="0" i="0" kern="1200" dirty="0">
+                        <a:solidFill>
+                          <a:schemeClr val="dk1"/>
+                        </a:solidFill>
+                        <a:effectLst/>
+                        <a:latin typeface="+mn-lt"/>
+                        <a:ea typeface="+mn-ea"/>
+                        <a:cs typeface="+mn-cs"/>
+                      </a:endParaRPr>
+                    </a:p>
+                  </a:txBody>
+                  <a:tcPr marL="77316" marR="77316" marT="38658" marB="38658">
+                    <a:solidFill>
+                      <a:schemeClr val="bg1">
+                        <a:lumMod val="85000"/>
+                      </a:schemeClr>
+                    </a:solidFill>
+                  </a:tcPr>
+                </a:tc>
+                <a:tc>
+                  <a:txBody>
+                    <a:bodyPr/>
+                    <a:lstStyle/>
+                    <a:p>
+                      <a:r>
+                        <a:rPr lang="it-IT" sz="1000" b="0" i="0" kern="1200" dirty="0" smtClean="0">
+                          <a:solidFill>
+                            <a:schemeClr val="dk1"/>
+                          </a:solidFill>
+                          <a:effectLst/>
+                          <a:latin typeface="+mn-lt"/>
+                          <a:ea typeface="+mn-ea"/>
+                          <a:cs typeface="+mn-cs"/>
+                        </a:rPr>
+                        <a:t>3758.85</a:t>
+                      </a:r>
+                      <a:endParaRPr lang="it-IT" sz="1000" b="0" i="0" kern="1200" dirty="0">
+                        <a:solidFill>
+                          <a:schemeClr val="dk1"/>
+                        </a:solidFill>
+                        <a:effectLst/>
+                        <a:latin typeface="+mn-lt"/>
+                        <a:ea typeface="+mn-ea"/>
+                        <a:cs typeface="+mn-cs"/>
+                      </a:endParaRPr>
+                    </a:p>
+                  </a:txBody>
+                  <a:tcPr marL="77316" marR="77316" marT="38658" marB="38658"/>
+                </a:tc>
+                <a:tc>
+                  <a:txBody>
+                    <a:bodyPr/>
+                    <a:lstStyle/>
+                    <a:p>
+                      <a:r>
+                        <a:rPr lang="it-IT" sz="1000" b="0" i="0" kern="1200" dirty="0" smtClean="0">
+                          <a:solidFill>
+                            <a:schemeClr val="dk1"/>
+                          </a:solidFill>
+                          <a:effectLst/>
+                          <a:latin typeface="+mn-lt"/>
+                          <a:ea typeface="+mn-ea"/>
+                          <a:cs typeface="+mn-cs"/>
+                        </a:rPr>
+                        <a:t>3175.75</a:t>
+                      </a:r>
+                      <a:endParaRPr lang="it-IT" sz="1000" b="0" i="0" kern="1200" dirty="0">
+                        <a:solidFill>
+                          <a:schemeClr val="dk1"/>
+                        </a:solidFill>
+                        <a:effectLst/>
+                        <a:latin typeface="+mn-lt"/>
+                        <a:ea typeface="+mn-ea"/>
+                        <a:cs typeface="+mn-cs"/>
+                      </a:endParaRPr>
+                    </a:p>
+                  </a:txBody>
+                  <a:tcPr marL="77316" marR="77316" marT="38658" marB="38658">
+                    <a:solidFill>
+                      <a:srgbClr val="00B050"/>
+                    </a:solidFill>
+                  </a:tcPr>
+                </a:tc>
+                <a:tc>
+                  <a:txBody>
+                    <a:bodyPr/>
+                    <a:lstStyle/>
+                    <a:p>
+                      <a:pPr marL="0" marR="0" indent="0" algn="ctr" defTabSz="914400" rtl="0" eaLnBrk="1" fontAlgn="auto" latinLnBrk="0" hangingPunct="1">
+                        <a:lnSpc>
+                          <a:spcPct val="100000"/>
+                        </a:lnSpc>
+                        <a:spcBef>
+                          <a:spcPts val="0"/>
+                        </a:spcBef>
+                        <a:spcAft>
+                          <a:spcPts val="0"/>
+                        </a:spcAft>
+                        <a:buClrTx/>
+                        <a:buSzTx/>
+                        <a:buFontTx/>
+                        <a:buNone/>
+                        <a:tabLst/>
+                        <a:defRPr/>
+                      </a:pPr>
+                      <a:r>
+                        <a:rPr lang="it-IT" sz="1000" b="0" i="0" kern="1200" dirty="0" smtClean="0">
+                          <a:solidFill>
+                            <a:schemeClr val="dk1"/>
+                          </a:solidFill>
+                          <a:effectLst/>
+                          <a:latin typeface="+mn-lt"/>
+                          <a:ea typeface="+mn-ea"/>
+                          <a:cs typeface="+mn-cs"/>
+                        </a:rPr>
+                        <a:t>3392.62</a:t>
+                      </a:r>
+                    </a:p>
+                  </a:txBody>
+                  <a:tcPr marL="77316" marR="77316" marT="38658" marB="38658"/>
+                </a:tc>
+                <a:extLst>
+                  <a:ext uri="{0D108BD9-81ED-4DB2-BD59-A6C34878D82A}">
+                    <a16:rowId xmlns:a16="http://schemas.microsoft.com/office/drawing/2014/main" val="556880110"/>
+                  </a:ext>
+                </a:extLst>
+              </a:tr>
+              <a:tr h="370294">
+                <a:tc>
+                  <a:txBody>
+                    <a:bodyPr/>
+                    <a:lstStyle/>
+                    <a:p>
+                      <a:pPr algn="ctr"/>
+                      <a:r>
+                        <a:rPr lang="it-IT" sz="1200" b="1" i="1" dirty="0" smtClean="0"/>
+                        <a:t>15</a:t>
+                      </a:r>
+                      <a:endParaRPr lang="it-IT" sz="1200" b="1" i="1" dirty="0"/>
+                    </a:p>
+                  </a:txBody>
+                  <a:tcPr marL="77316" marR="77316" marT="38658" marB="38658"/>
+                </a:tc>
+                <a:tc>
+                  <a:txBody>
+                    <a:bodyPr/>
+                    <a:lstStyle/>
+                    <a:p>
+                      <a:r>
+                        <a:rPr lang="it-IT" sz="1000" b="0" i="0" kern="1200" dirty="0" smtClean="0">
+                          <a:solidFill>
+                            <a:schemeClr val="dk1"/>
+                          </a:solidFill>
+                          <a:effectLst/>
+                          <a:latin typeface="+mn-lt"/>
+                          <a:ea typeface="+mn-ea"/>
+                          <a:cs typeface="+mn-cs"/>
+                        </a:rPr>
+                        <a:t>3393.89</a:t>
+                      </a:r>
+                      <a:endParaRPr lang="it-IT" sz="1000" b="0" i="0" kern="1200" dirty="0">
+                        <a:solidFill>
+                          <a:schemeClr val="dk1"/>
+                        </a:solidFill>
+                        <a:effectLst/>
+                        <a:latin typeface="+mn-lt"/>
+                        <a:ea typeface="+mn-ea"/>
+                        <a:cs typeface="+mn-cs"/>
+                      </a:endParaRPr>
+                    </a:p>
+                  </a:txBody>
+                  <a:tcPr marL="77316" marR="77316" marT="38658" marB="38658">
+                    <a:solidFill>
+                      <a:schemeClr val="bg1">
+                        <a:lumMod val="85000"/>
+                      </a:schemeClr>
+                    </a:solidFill>
+                  </a:tcPr>
+                </a:tc>
+                <a:tc>
+                  <a:txBody>
+                    <a:bodyPr/>
+                    <a:lstStyle/>
+                    <a:p>
+                      <a:r>
+                        <a:rPr lang="it-IT" sz="1000" b="0" i="0" kern="1200" dirty="0" smtClean="0">
+                          <a:solidFill>
+                            <a:schemeClr val="dk1"/>
+                          </a:solidFill>
+                          <a:effectLst/>
+                          <a:latin typeface="+mn-lt"/>
+                          <a:ea typeface="+mn-ea"/>
+                          <a:cs typeface="+mn-cs"/>
+                        </a:rPr>
+                        <a:t>3487.59</a:t>
+                      </a:r>
+                      <a:endParaRPr lang="it-IT" sz="1000" b="0" i="0" kern="1200" dirty="0">
+                        <a:solidFill>
+                          <a:schemeClr val="dk1"/>
+                        </a:solidFill>
+                        <a:effectLst/>
+                        <a:latin typeface="+mn-lt"/>
+                        <a:ea typeface="+mn-ea"/>
+                        <a:cs typeface="+mn-cs"/>
+                      </a:endParaRPr>
+                    </a:p>
+                  </a:txBody>
+                  <a:tcPr marL="77316" marR="77316" marT="38658" marB="38658">
+                    <a:noFill/>
+                  </a:tcPr>
+                </a:tc>
+                <a:tc>
+                  <a:txBody>
+                    <a:bodyPr/>
+                    <a:lstStyle/>
+                    <a:p>
+                      <a:r>
+                        <a:rPr lang="it-IT" sz="1000" b="0" i="0" kern="1200" dirty="0" smtClean="0">
+                          <a:solidFill>
+                            <a:schemeClr val="dk1"/>
+                          </a:solidFill>
+                          <a:effectLst/>
+                          <a:latin typeface="+mn-lt"/>
+                          <a:ea typeface="+mn-ea"/>
+                          <a:cs typeface="+mn-cs"/>
+                        </a:rPr>
+                        <a:t>3559.87</a:t>
+                      </a:r>
+                      <a:endParaRPr lang="it-IT" sz="1000" b="0" i="0" kern="1200" dirty="0">
+                        <a:solidFill>
+                          <a:schemeClr val="dk1"/>
+                        </a:solidFill>
+                        <a:effectLst/>
+                        <a:latin typeface="+mn-lt"/>
+                        <a:ea typeface="+mn-ea"/>
+                        <a:cs typeface="+mn-cs"/>
+                      </a:endParaRPr>
+                    </a:p>
+                  </a:txBody>
+                  <a:tcPr marL="77316" marR="77316" marT="38658" marB="38658">
+                    <a:noFill/>
+                  </a:tcPr>
+                </a:tc>
+                <a:tc>
+                  <a:txBody>
+                    <a:bodyPr/>
+                    <a:lstStyle/>
+                    <a:p>
+                      <a:pPr marL="0" marR="0" indent="0" algn="ctr" defTabSz="914400" rtl="0" eaLnBrk="1" fontAlgn="auto" latinLnBrk="0" hangingPunct="1">
+                        <a:lnSpc>
+                          <a:spcPct val="100000"/>
+                        </a:lnSpc>
+                        <a:spcBef>
+                          <a:spcPts val="0"/>
+                        </a:spcBef>
+                        <a:spcAft>
+                          <a:spcPts val="0"/>
+                        </a:spcAft>
+                        <a:buClrTx/>
+                        <a:buSzTx/>
+                        <a:buFontTx/>
+                        <a:buNone/>
+                        <a:tabLst/>
+                        <a:defRPr/>
+                      </a:pPr>
+                      <a:r>
+                        <a:rPr lang="it-IT" sz="1000" b="0" i="0" kern="1200" dirty="0" smtClean="0">
+                          <a:solidFill>
+                            <a:schemeClr val="dk1"/>
+                          </a:solidFill>
+                          <a:effectLst/>
+                          <a:latin typeface="+mn-lt"/>
+                          <a:ea typeface="+mn-ea"/>
+                          <a:cs typeface="+mn-cs"/>
+                        </a:rPr>
+                        <a:t>3349.36</a:t>
+                      </a:r>
+                    </a:p>
+                  </a:txBody>
+                  <a:tcPr marL="77316" marR="77316" marT="38658" marB="38658">
+                    <a:solidFill>
+                      <a:srgbClr val="FFFF00"/>
+                    </a:solidFill>
+                  </a:tcPr>
+                </a:tc>
+                <a:extLst>
+                  <a:ext uri="{0D108BD9-81ED-4DB2-BD59-A6C34878D82A}">
+                    <a16:rowId xmlns:a16="http://schemas.microsoft.com/office/drawing/2014/main" val="3068703127"/>
+                  </a:ext>
+                </a:extLst>
+              </a:tr>
+            </a:tbl>
+          </a:graphicData>
+        </a:graphic>
+      </p:graphicFrame>
+      <p:graphicFrame>
+        <p:nvGraphicFramePr>
+          <p:cNvPr id="34" name="Tabella 7">
+            <a:extLst>
+              <a:ext uri="{FF2B5EF4-FFF2-40B4-BE49-F238E27FC236}">
+                <a16:creationId xmlns:a16="http://schemas.microsoft.com/office/drawing/2014/main" id="{BD18624C-EF40-48F1-887F-B3E2A5BE493D}"/>
+              </a:ext>
+            </a:extLst>
+          </p:cNvPr>
+          <p:cNvGraphicFramePr>
+            <a:graphicFrameLocks noGrp="1"/>
+          </p:cNvGraphicFramePr>
+          <p:nvPr>
+            <p:extLst>
+              <p:ext uri="{D42A27DB-BD31-4B8C-83A1-F6EECF244321}">
+                <p14:modId xmlns:p14="http://schemas.microsoft.com/office/powerpoint/2010/main" val="4193109710"/>
+              </p:ext>
+            </p:extLst>
+          </p:nvPr>
+        </p:nvGraphicFramePr>
+        <p:xfrm>
+          <a:off x="617406" y="2382544"/>
+          <a:ext cx="3172686" cy="1962767"/>
+        </p:xfrm>
+        <a:graphic>
+          <a:graphicData uri="http://schemas.openxmlformats.org/drawingml/2006/table">
+            <a:tbl>
+              <a:tblPr firstRow="1" bandRow="1">
+                <a:tableStyleId>{D7AC3CCA-C797-4891-BE02-D94E43425B78}</a:tableStyleId>
+              </a:tblPr>
+              <a:tblGrid>
+                <a:gridCol w="639199">
+                  <a:extLst>
+                    <a:ext uri="{9D8B030D-6E8A-4147-A177-3AD203B41FA5}">
+                      <a16:colId xmlns:a16="http://schemas.microsoft.com/office/drawing/2014/main" val="1229876134"/>
+                    </a:ext>
+                  </a:extLst>
+                </a:gridCol>
+                <a:gridCol w="636848">
+                  <a:extLst>
+                    <a:ext uri="{9D8B030D-6E8A-4147-A177-3AD203B41FA5}">
+                      <a16:colId xmlns:a16="http://schemas.microsoft.com/office/drawing/2014/main" val="3099311952"/>
+                    </a:ext>
+                  </a:extLst>
+                </a:gridCol>
+                <a:gridCol w="618241">
+                  <a:extLst>
+                    <a:ext uri="{9D8B030D-6E8A-4147-A177-3AD203B41FA5}">
+                      <a16:colId xmlns:a16="http://schemas.microsoft.com/office/drawing/2014/main" val="2395735390"/>
+                    </a:ext>
+                  </a:extLst>
+                </a:gridCol>
+                <a:gridCol w="639199">
+                  <a:extLst>
+                    <a:ext uri="{9D8B030D-6E8A-4147-A177-3AD203B41FA5}">
+                      <a16:colId xmlns:a16="http://schemas.microsoft.com/office/drawing/2014/main" val="2674043146"/>
+                    </a:ext>
+                  </a:extLst>
+                </a:gridCol>
+                <a:gridCol w="639199">
+                  <a:extLst>
+                    <a:ext uri="{9D8B030D-6E8A-4147-A177-3AD203B41FA5}">
+                      <a16:colId xmlns:a16="http://schemas.microsoft.com/office/drawing/2014/main" val="3536713904"/>
+                    </a:ext>
+                  </a:extLst>
+                </a:gridCol>
+              </a:tblGrid>
+              <a:tr h="370686">
+                <a:tc gridSpan="5">
+                  <a:txBody>
+                    <a:bodyPr/>
+                    <a:lstStyle/>
+                    <a:p>
+                      <a:pPr algn="ctr"/>
+                      <a:r>
+                        <a:rPr lang="it-IT" sz="1200" b="1" i="1" dirty="0" smtClean="0"/>
+                        <a:t>Crossover</a:t>
+                      </a:r>
+                      <a:r>
+                        <a:rPr lang="it-IT" sz="1200" b="1" i="1" baseline="0" dirty="0" smtClean="0"/>
+                        <a:t> 10</a:t>
+                      </a:r>
+                      <a:endParaRPr lang="it-IT" sz="1400" b="1" i="1" dirty="0"/>
+                    </a:p>
+                  </a:txBody>
+                  <a:tcPr marL="77417" marR="77417" marT="38709" marB="38709" anchor="ctr">
+                    <a:lnL w="12700" cap="flat" cmpd="sng" algn="ctr">
+                      <a:solidFill>
+                        <a:schemeClr val="tx1"/>
+                      </a:solidFill>
+                      <a:prstDash val="solid"/>
+                      <a:round/>
+                      <a:headEnd type="none" w="med" len="med"/>
+                      <a:tailEnd type="none" w="med" len="med"/>
+                    </a:lnL>
+                    <a:lnR w="12700" cap="flat" cmpd="sng" algn="ctr">
+                      <a:solidFill>
+                        <a:schemeClr val="tx1"/>
+                      </a:solidFill>
+                      <a:prstDash val="solid"/>
+                      <a:round/>
+                      <a:headEnd type="none" w="med" len="med"/>
+                      <a:tailEnd type="none" w="med" len="med"/>
+                    </a:lnR>
+                    <a:lnT w="12700" cap="flat" cmpd="sng" algn="ctr">
+                      <a:solidFill>
+                        <a:schemeClr val="tx1"/>
+                      </a:solidFill>
+                      <a:prstDash val="solid"/>
+                      <a:round/>
+                      <a:headEnd type="none" w="med" len="med"/>
+                      <a:tailEnd type="none" w="med" len="med"/>
+                    </a:lnT>
+                    <a:lnB w="12700" cap="flat" cmpd="sng" algn="ctr">
+                      <a:solidFill>
+                        <a:schemeClr val="tx1"/>
+                      </a:solidFill>
+                      <a:prstDash val="solid"/>
+                      <a:round/>
+                      <a:headEnd type="none" w="med" len="med"/>
+                      <a:tailEnd type="none" w="med" len="med"/>
+                    </a:lnB>
+                  </a:tcPr>
+                </a:tc>
+                <a:tc hMerge="1">
+                  <a:txBody>
+                    <a:bodyPr/>
+                    <a:lstStyle/>
+                    <a:p>
+                      <a:pPr algn="ctr"/>
+                      <a:endParaRPr lang="it-IT"/>
+                    </a:p>
+                  </a:txBody>
+                  <a:tcPr>
+                    <a:lnL w="12700" cap="flat" cmpd="sng" algn="ctr">
+                      <a:noFill/>
+                      <a:prstDash val="solid"/>
+                      <a:round/>
+                      <a:headEnd type="none" w="med" len="med"/>
+                      <a:tailEnd type="none" w="med" len="med"/>
+                    </a:lnL>
+                    <a:lnR w="12700" cap="flat" cmpd="sng" algn="ctr">
+                      <a:solidFill>
+                        <a:schemeClr val="tx1"/>
+                      </a:solidFill>
+                      <a:prstDash val="solid"/>
+                      <a:round/>
+                      <a:headEnd type="none" w="med" len="med"/>
+                      <a:tailEnd type="none" w="med" len="med"/>
+                    </a:lnR>
+                    <a:lnT w="12700" cap="flat" cmpd="sng" algn="ctr">
+                      <a:solidFill>
+                        <a:schemeClr val="tx1"/>
+                      </a:solidFill>
+                      <a:prstDash val="solid"/>
+                      <a:round/>
+                      <a:headEnd type="none" w="med" len="med"/>
+                      <a:tailEnd type="none" w="med" len="med"/>
+                    </a:lnT>
+                    <a:lnB w="12700" cap="flat" cmpd="sng" algn="ctr">
+                      <a:solidFill>
+                        <a:schemeClr val="tx1"/>
+                      </a:solidFill>
+                      <a:prstDash val="solid"/>
+                      <a:round/>
+                      <a:headEnd type="none" w="med" len="med"/>
+                      <a:tailEnd type="none" w="med" len="med"/>
+                    </a:lnB>
+                  </a:tcPr>
+                </a:tc>
+                <a:tc hMerge="1">
+                  <a:txBody>
+                    <a:bodyPr/>
+                    <a:lstStyle/>
+                    <a:p>
+                      <a:endParaRPr lang="it-IT"/>
+                    </a:p>
+                  </a:txBody>
+                  <a:tcPr>
+                    <a:lnL w="12700" cap="flat" cmpd="sng" algn="ctr">
+                      <a:noFill/>
+                      <a:prstDash val="solid"/>
+                      <a:round/>
+                      <a:headEnd type="none" w="med" len="med"/>
+                      <a:tailEnd type="none" w="med" len="med"/>
+                    </a:lnL>
+                    <a:lnR w="12700" cap="flat" cmpd="sng" algn="ctr">
+                      <a:noFill/>
+                      <a:prstDash val="solid"/>
+                      <a:round/>
+                      <a:headEnd type="none" w="med" len="med"/>
+                      <a:tailEnd type="none" w="med" len="med"/>
+                    </a:lnR>
+                    <a:lnT w="12700" cap="flat" cmpd="sng" algn="ctr">
+                      <a:solidFill>
+                        <a:schemeClr val="tx1"/>
+                      </a:solidFill>
+                      <a:prstDash val="solid"/>
+                      <a:round/>
+                      <a:headEnd type="none" w="med" len="med"/>
+                      <a:tailEnd type="none" w="med" len="med"/>
+                    </a:lnT>
+                    <a:lnB w="12700" cap="flat" cmpd="sng" algn="ctr">
+                      <a:solidFill>
+                        <a:schemeClr val="tx1"/>
+                      </a:solidFill>
+                      <a:prstDash val="solid"/>
+                      <a:round/>
+                      <a:headEnd type="none" w="med" len="med"/>
+                      <a:tailEnd type="none" w="med" len="med"/>
+                    </a:lnB>
+                  </a:tcPr>
+                </a:tc>
+                <a:tc hMerge="1">
+                  <a:txBody>
+                    <a:bodyPr/>
+                    <a:lstStyle/>
+                    <a:p>
+                      <a:endParaRPr lang="it-IT"/>
+                    </a:p>
+                  </a:txBody>
+                  <a:tcPr>
+                    <a:lnL w="12700" cap="flat" cmpd="sng" algn="ctr">
+                      <a:noFill/>
+                      <a:prstDash val="solid"/>
+                      <a:round/>
+                      <a:headEnd type="none" w="med" len="med"/>
+                      <a:tailEnd type="none" w="med" len="med"/>
+                    </a:lnL>
+                    <a:lnR w="12700" cap="flat" cmpd="sng" algn="ctr">
+                      <a:solidFill>
+                        <a:schemeClr val="tx1"/>
+                      </a:solidFill>
+                      <a:prstDash val="solid"/>
+                      <a:round/>
+                      <a:headEnd type="none" w="med" len="med"/>
+                      <a:tailEnd type="none" w="med" len="med"/>
+                    </a:lnR>
+                    <a:lnT w="12700" cap="flat" cmpd="sng" algn="ctr">
+                      <a:solidFill>
+                        <a:schemeClr val="tx1"/>
+                      </a:solidFill>
+                      <a:prstDash val="solid"/>
+                      <a:round/>
+                      <a:headEnd type="none" w="med" len="med"/>
+                      <a:tailEnd type="none" w="med" len="med"/>
+                    </a:lnT>
+                    <a:lnB w="12700" cap="flat" cmpd="sng" algn="ctr">
+                      <a:solidFill>
+                        <a:schemeClr val="tx1"/>
+                      </a:solidFill>
+                      <a:prstDash val="solid"/>
+                      <a:round/>
+                      <a:headEnd type="none" w="med" len="med"/>
+                      <a:tailEnd type="none" w="med" len="med"/>
+                    </a:lnB>
+                  </a:tcPr>
+                </a:tc>
+                <a:tc hMerge="1">
+                  <a:txBody>
+                    <a:bodyPr/>
+                    <a:lstStyle/>
+                    <a:p>
+                      <a:pPr algn="ctr"/>
+                      <a:endParaRPr lang="it-IT" sz="1400" b="1" i="1" dirty="0"/>
+                    </a:p>
+                  </a:txBody>
+                  <a:tcPr marL="77823" marR="77823" marT="38911" marB="38911">
+                    <a:lnL w="12700" cap="flat" cmpd="sng" algn="ctr">
+                      <a:solidFill>
+                        <a:schemeClr val="tx1"/>
+                      </a:solidFill>
+                      <a:prstDash val="solid"/>
+                      <a:round/>
+                      <a:headEnd type="none" w="med" len="med"/>
+                      <a:tailEnd type="none" w="med" len="med"/>
+                    </a:lnL>
+                    <a:lnR w="12700" cap="flat" cmpd="sng" algn="ctr">
+                      <a:solidFill>
+                        <a:schemeClr val="tx1"/>
+                      </a:solidFill>
+                      <a:prstDash val="solid"/>
+                      <a:round/>
+                      <a:headEnd type="none" w="med" len="med"/>
+                      <a:tailEnd type="none" w="med" len="med"/>
+                    </a:lnR>
+                    <a:lnT w="12700" cap="flat" cmpd="sng" algn="ctr">
+                      <a:solidFill>
+                        <a:schemeClr val="tx1"/>
+                      </a:solidFill>
+                      <a:prstDash val="solid"/>
+                      <a:round/>
+                      <a:headEnd type="none" w="med" len="med"/>
+                      <a:tailEnd type="none" w="med" len="med"/>
+                    </a:lnT>
+                    <a:lnB w="12700" cap="flat" cmpd="sng" algn="ctr">
+                      <a:solidFill>
+                        <a:schemeClr val="tx1"/>
+                      </a:solidFill>
+                      <a:prstDash val="solid"/>
+                      <a:round/>
+                      <a:headEnd type="none" w="med" len="med"/>
+                      <a:tailEnd type="none" w="med" len="med"/>
+                    </a:lnB>
+                  </a:tcPr>
+                </a:tc>
+                <a:extLst>
+                  <a:ext uri="{0D108BD9-81ED-4DB2-BD59-A6C34878D82A}">
+                    <a16:rowId xmlns:a16="http://schemas.microsoft.com/office/drawing/2014/main" val="3424649096"/>
+                  </a:ext>
+                </a:extLst>
+              </a:tr>
+              <a:tr h="463677">
+                <a:tc>
+                  <a:txBody>
+                    <a:bodyPr/>
+                    <a:lstStyle/>
+                    <a:p>
+                      <a:pPr algn="r"/>
+                      <a:r>
+                        <a:rPr lang="it-IT" sz="1200" i="1" dirty="0"/>
+                        <a:t>  </a:t>
+                      </a:r>
+                      <a:r>
+                        <a:rPr lang="it-IT" sz="1100" i="1" dirty="0" err="1" smtClean="0"/>
+                        <a:t>Prob</a:t>
+                      </a:r>
+                      <a:endParaRPr lang="it-IT" sz="1500" i="1" dirty="0"/>
+                    </a:p>
+                    <a:p>
+                      <a:r>
+                        <a:rPr lang="it-IT" sz="1200" i="1" dirty="0"/>
+                        <a:t>Dim</a:t>
+                      </a:r>
+                      <a:endParaRPr lang="it-IT" sz="2000" i="1" dirty="0"/>
+                    </a:p>
+                  </a:txBody>
+                  <a:tcPr marL="77417" marR="77417" marT="38709" marB="38709">
+                    <a:lnT w="12700" cap="flat" cmpd="sng" algn="ctr">
+                      <a:solidFill>
+                        <a:schemeClr val="tx1"/>
+                      </a:solidFill>
+                      <a:prstDash val="solid"/>
+                      <a:round/>
+                      <a:headEnd type="none" w="med" len="med"/>
+                      <a:tailEnd type="none" w="med" len="med"/>
+                    </a:lnT>
+                    <a:lnTlToBr w="12700" cap="flat" cmpd="sng" algn="ctr">
+                      <a:solidFill>
+                        <a:schemeClr val="tx1"/>
+                      </a:solidFill>
+                      <a:prstDash val="solid"/>
+                      <a:round/>
+                      <a:headEnd type="none" w="med" len="med"/>
+                      <a:tailEnd type="none" w="med" len="med"/>
+                    </a:lnTlToBr>
+                  </a:tcPr>
+                </a:tc>
+                <a:tc>
+                  <a:txBody>
+                    <a:bodyPr/>
+                    <a:lstStyle/>
+                    <a:p>
+                      <a:pPr algn="ctr"/>
+                      <a:r>
+                        <a:rPr lang="it-IT" sz="1200" b="1" i="1" dirty="0" smtClean="0"/>
+                        <a:t>5%</a:t>
+                      </a:r>
+                      <a:endParaRPr lang="it-IT" sz="1200" b="1" i="1" dirty="0"/>
+                    </a:p>
+                  </a:txBody>
+                  <a:tcPr marL="77417" marR="77417" marT="38709" marB="38709">
+                    <a:lnT w="12700" cap="flat" cmpd="sng" algn="ctr">
+                      <a:solidFill>
+                        <a:schemeClr val="tx1"/>
+                      </a:solidFill>
+                      <a:prstDash val="solid"/>
+                      <a:round/>
+                      <a:headEnd type="none" w="med" len="med"/>
+                      <a:tailEnd type="none" w="med" len="med"/>
+                    </a:lnT>
+                  </a:tcPr>
+                </a:tc>
+                <a:tc>
+                  <a:txBody>
+                    <a:bodyPr/>
+                    <a:lstStyle/>
+                    <a:p>
+                      <a:pPr algn="ctr"/>
+                      <a:r>
+                        <a:rPr lang="it-IT" sz="1200" b="1" i="1" dirty="0" smtClean="0"/>
+                        <a:t>10%</a:t>
+                      </a:r>
+                      <a:endParaRPr lang="it-IT" sz="1200" b="1" i="1" dirty="0"/>
+                    </a:p>
+                  </a:txBody>
+                  <a:tcPr marL="77417" marR="77417" marT="38709" marB="38709">
+                    <a:lnT w="12700" cap="flat" cmpd="sng" algn="ctr">
+                      <a:solidFill>
+                        <a:schemeClr val="tx1"/>
+                      </a:solidFill>
+                      <a:prstDash val="solid"/>
+                      <a:round/>
+                      <a:headEnd type="none" w="med" len="med"/>
+                      <a:tailEnd type="none" w="med" len="med"/>
+                    </a:lnT>
+                  </a:tcPr>
+                </a:tc>
+                <a:tc>
+                  <a:txBody>
+                    <a:bodyPr/>
+                    <a:lstStyle/>
+                    <a:p>
+                      <a:pPr algn="ctr"/>
+                      <a:r>
+                        <a:rPr lang="it-IT" sz="1200" b="1" i="1" dirty="0" smtClean="0"/>
+                        <a:t>20%</a:t>
+                      </a:r>
+                      <a:endParaRPr lang="it-IT" sz="1200" b="1" i="1" dirty="0"/>
+                    </a:p>
+                  </a:txBody>
+                  <a:tcPr marL="77417" marR="77417" marT="38709" marB="38709">
+                    <a:lnT w="12700" cap="flat" cmpd="sng" algn="ctr">
+                      <a:solidFill>
+                        <a:schemeClr val="tx1"/>
+                      </a:solidFill>
+                      <a:prstDash val="solid"/>
+                      <a:round/>
+                      <a:headEnd type="none" w="med" len="med"/>
+                      <a:tailEnd type="none" w="med" len="med"/>
+                    </a:lnT>
+                  </a:tcPr>
+                </a:tc>
+                <a:tc>
+                  <a:txBody>
+                    <a:bodyPr/>
+                    <a:lstStyle/>
+                    <a:p>
+                      <a:pPr algn="ctr"/>
+                      <a:r>
+                        <a:rPr lang="it-IT" sz="1200" b="1" i="1" dirty="0" smtClean="0"/>
+                        <a:t>30%</a:t>
+                      </a:r>
+                      <a:endParaRPr lang="it-IT" sz="1200" b="1" i="1" dirty="0"/>
+                    </a:p>
+                  </a:txBody>
+                  <a:tcPr marL="77417" marR="77417" marT="38709" marB="38709">
+                    <a:lnT w="12700" cap="flat" cmpd="sng" algn="ctr">
+                      <a:solidFill>
+                        <a:schemeClr val="tx1"/>
+                      </a:solidFill>
+                      <a:prstDash val="solid"/>
+                      <a:round/>
+                      <a:headEnd type="none" w="med" len="med"/>
+                      <a:tailEnd type="none" w="med" len="med"/>
+                    </a:lnT>
+                  </a:tcPr>
+                </a:tc>
+                <a:extLst>
+                  <a:ext uri="{0D108BD9-81ED-4DB2-BD59-A6C34878D82A}">
+                    <a16:rowId xmlns:a16="http://schemas.microsoft.com/office/drawing/2014/main" val="2481347082"/>
+                  </a:ext>
+                </a:extLst>
+              </a:tr>
+              <a:tr h="342047">
+                <a:tc>
+                  <a:txBody>
+                    <a:bodyPr/>
+                    <a:lstStyle/>
+                    <a:p>
+                      <a:pPr algn="ctr"/>
+                      <a:r>
+                        <a:rPr lang="it-IT" sz="1200" b="1" i="1" dirty="0" smtClean="0"/>
+                        <a:t>5</a:t>
+                      </a:r>
+                      <a:endParaRPr lang="it-IT" sz="1200" b="1" i="1" dirty="0"/>
+                    </a:p>
+                  </a:txBody>
+                  <a:tcPr marL="77417" marR="77417" marT="38709" marB="38709"/>
+                </a:tc>
+                <a:tc>
+                  <a:txBody>
+                    <a:bodyPr/>
+                    <a:lstStyle/>
+                    <a:p>
+                      <a:pPr marL="0" marR="0" indent="0" algn="ctr" defTabSz="914400" rtl="0" eaLnBrk="1" fontAlgn="auto" latinLnBrk="0" hangingPunct="1">
+                        <a:lnSpc>
+                          <a:spcPct val="100000"/>
+                        </a:lnSpc>
+                        <a:spcBef>
+                          <a:spcPts val="0"/>
+                        </a:spcBef>
+                        <a:spcAft>
+                          <a:spcPts val="0"/>
+                        </a:spcAft>
+                        <a:buClrTx/>
+                        <a:buSzTx/>
+                        <a:buFontTx/>
+                        <a:buNone/>
+                        <a:tabLst/>
+                        <a:defRPr/>
+                      </a:pPr>
+                      <a:r>
+                        <a:rPr lang="it-IT" sz="1000" b="0" i="0" kern="1200" dirty="0" smtClean="0">
+                          <a:solidFill>
+                            <a:schemeClr val="dk1"/>
+                          </a:solidFill>
+                          <a:effectLst/>
+                          <a:latin typeface="+mn-lt"/>
+                          <a:ea typeface="+mn-ea"/>
+                          <a:cs typeface="+mn-cs"/>
+                        </a:rPr>
+                        <a:t>3194.77</a:t>
+                      </a:r>
+                    </a:p>
+                    <a:p>
+                      <a:pPr algn="ctr"/>
+                      <a:endParaRPr lang="it-IT" sz="1000" dirty="0"/>
+                    </a:p>
+                  </a:txBody>
+                  <a:tcPr marL="77417" marR="77417" marT="38709" marB="38709">
+                    <a:solidFill>
+                      <a:schemeClr val="bg1">
+                        <a:lumMod val="85000"/>
+                      </a:schemeClr>
+                    </a:solidFill>
+                  </a:tcPr>
+                </a:tc>
+                <a:tc>
+                  <a:txBody>
+                    <a:bodyPr/>
+                    <a:lstStyle/>
+                    <a:p>
+                      <a:pPr marL="0" marR="0" indent="0" algn="ctr" defTabSz="914400" rtl="0" eaLnBrk="1" fontAlgn="auto" latinLnBrk="0" hangingPunct="1">
+                        <a:lnSpc>
+                          <a:spcPct val="100000"/>
+                        </a:lnSpc>
+                        <a:spcBef>
+                          <a:spcPts val="0"/>
+                        </a:spcBef>
+                        <a:spcAft>
+                          <a:spcPts val="0"/>
+                        </a:spcAft>
+                        <a:buClrTx/>
+                        <a:buSzTx/>
+                        <a:buFontTx/>
+                        <a:buNone/>
+                        <a:tabLst/>
+                        <a:defRPr/>
+                      </a:pPr>
+                      <a:r>
+                        <a:rPr lang="it-IT" sz="1000" b="0" i="0" kern="1200" dirty="0" smtClean="0">
+                          <a:solidFill>
+                            <a:schemeClr val="dk1"/>
+                          </a:solidFill>
+                          <a:effectLst/>
+                          <a:latin typeface="+mn-lt"/>
+                          <a:ea typeface="+mn-ea"/>
+                          <a:cs typeface="+mn-cs"/>
+                        </a:rPr>
+                        <a:t>3149.14</a:t>
+                      </a:r>
+                    </a:p>
+                  </a:txBody>
+                  <a:tcPr marL="77417" marR="77417" marT="38709" marB="38709">
+                    <a:solidFill>
+                      <a:srgbClr val="FFFF00"/>
+                    </a:solidFill>
+                  </a:tcPr>
+                </a:tc>
+                <a:tc>
+                  <a:txBody>
+                    <a:bodyPr/>
+                    <a:lstStyle/>
+                    <a:p>
+                      <a:pPr marL="0" marR="0" indent="0" algn="ctr" defTabSz="914400" rtl="0" eaLnBrk="1" fontAlgn="auto" latinLnBrk="0" hangingPunct="1">
+                        <a:lnSpc>
+                          <a:spcPct val="100000"/>
+                        </a:lnSpc>
+                        <a:spcBef>
+                          <a:spcPts val="0"/>
+                        </a:spcBef>
+                        <a:spcAft>
+                          <a:spcPts val="0"/>
+                        </a:spcAft>
+                        <a:buClrTx/>
+                        <a:buSzTx/>
+                        <a:buFontTx/>
+                        <a:buNone/>
+                        <a:tabLst/>
+                        <a:defRPr/>
+                      </a:pPr>
+                      <a:r>
+                        <a:rPr lang="it-IT" sz="1000" b="0" i="0" kern="1200" dirty="0" smtClean="0">
+                          <a:solidFill>
+                            <a:schemeClr val="dk1"/>
+                          </a:solidFill>
+                          <a:effectLst/>
+                          <a:latin typeface="+mn-lt"/>
+                          <a:ea typeface="+mn-ea"/>
+                          <a:cs typeface="+mn-cs"/>
+                        </a:rPr>
+                        <a:t>3271.39</a:t>
+                      </a:r>
+                    </a:p>
+                  </a:txBody>
+                  <a:tcPr marL="77417" marR="77417" marT="38709" marB="38709">
+                    <a:solidFill>
+                      <a:srgbClr val="E5E5E5"/>
+                    </a:solidFill>
+                  </a:tcPr>
+                </a:tc>
+                <a:tc>
+                  <a:txBody>
+                    <a:bodyPr/>
+                    <a:lstStyle/>
+                    <a:p>
+                      <a:pPr marL="0" marR="0" indent="0" algn="ctr" defTabSz="914400" rtl="0" eaLnBrk="1" fontAlgn="auto" latinLnBrk="0" hangingPunct="1">
+                        <a:lnSpc>
+                          <a:spcPct val="100000"/>
+                        </a:lnSpc>
+                        <a:spcBef>
+                          <a:spcPts val="0"/>
+                        </a:spcBef>
+                        <a:spcAft>
+                          <a:spcPts val="0"/>
+                        </a:spcAft>
+                        <a:buClrTx/>
+                        <a:buSzTx/>
+                        <a:buFontTx/>
+                        <a:buNone/>
+                        <a:tabLst/>
+                        <a:defRPr/>
+                      </a:pPr>
+                      <a:r>
+                        <a:rPr lang="it-IT" sz="1000" b="0" i="0" kern="1200" dirty="0" smtClean="0">
+                          <a:solidFill>
+                            <a:schemeClr val="dk1"/>
+                          </a:solidFill>
+                          <a:effectLst/>
+                          <a:latin typeface="+mn-lt"/>
+                          <a:ea typeface="+mn-ea"/>
+                          <a:cs typeface="+mn-cs"/>
+                        </a:rPr>
+                        <a:t>3526.53</a:t>
+                      </a:r>
+                    </a:p>
+                  </a:txBody>
+                  <a:tcPr marL="77417" marR="77417" marT="38709" marB="38709">
+                    <a:solidFill>
+                      <a:srgbClr val="FF0000"/>
+                    </a:solidFill>
+                  </a:tcPr>
+                </a:tc>
+                <a:extLst>
+                  <a:ext uri="{0D108BD9-81ED-4DB2-BD59-A6C34878D82A}">
+                    <a16:rowId xmlns:a16="http://schemas.microsoft.com/office/drawing/2014/main" val="2948238502"/>
+                  </a:ext>
+                </a:extLst>
+              </a:tr>
+              <a:tr h="363968">
+                <a:tc>
+                  <a:txBody>
+                    <a:bodyPr/>
+                    <a:lstStyle/>
+                    <a:p>
+                      <a:pPr algn="ctr"/>
+                      <a:r>
+                        <a:rPr lang="it-IT" sz="1200" b="1" i="1" dirty="0" smtClean="0"/>
+                        <a:t>10</a:t>
+                      </a:r>
+                      <a:endParaRPr lang="it-IT" sz="1200" b="1" i="1" dirty="0"/>
+                    </a:p>
+                  </a:txBody>
+                  <a:tcPr marL="77417" marR="77417" marT="38709" marB="38709"/>
+                </a:tc>
+                <a:tc>
+                  <a:txBody>
+                    <a:bodyPr/>
+                    <a:lstStyle/>
+                    <a:p>
+                      <a:pPr marL="0" marR="0" indent="0" algn="ctr" defTabSz="914400" rtl="0" eaLnBrk="1" fontAlgn="auto" latinLnBrk="0" hangingPunct="1">
+                        <a:lnSpc>
+                          <a:spcPct val="100000"/>
+                        </a:lnSpc>
+                        <a:spcBef>
+                          <a:spcPts val="0"/>
+                        </a:spcBef>
+                        <a:spcAft>
+                          <a:spcPts val="0"/>
+                        </a:spcAft>
+                        <a:buClrTx/>
+                        <a:buSzTx/>
+                        <a:buFontTx/>
+                        <a:buNone/>
+                        <a:tabLst/>
+                        <a:defRPr/>
+                      </a:pPr>
+                      <a:r>
+                        <a:rPr lang="it-IT" sz="1000" b="0" i="0" kern="1200" dirty="0" smtClean="0">
+                          <a:solidFill>
+                            <a:schemeClr val="dk1"/>
+                          </a:solidFill>
+                          <a:effectLst/>
+                          <a:latin typeface="+mn-lt"/>
+                          <a:ea typeface="+mn-ea"/>
+                          <a:cs typeface="+mn-cs"/>
+                        </a:rPr>
+                        <a:t>3097.15</a:t>
+                      </a:r>
+                    </a:p>
+                  </a:txBody>
+                  <a:tcPr marL="77417" marR="77417" marT="38709" marB="38709">
+                    <a:solidFill>
+                      <a:srgbClr val="00B050"/>
+                    </a:solidFill>
+                  </a:tcPr>
+                </a:tc>
+                <a:tc>
+                  <a:txBody>
+                    <a:bodyPr/>
+                    <a:lstStyle/>
+                    <a:p>
+                      <a:pPr marL="0" marR="0" indent="0" algn="ctr" defTabSz="914400" rtl="0" eaLnBrk="1" fontAlgn="auto" latinLnBrk="0" hangingPunct="1">
+                        <a:lnSpc>
+                          <a:spcPct val="100000"/>
+                        </a:lnSpc>
+                        <a:spcBef>
+                          <a:spcPts val="0"/>
+                        </a:spcBef>
+                        <a:spcAft>
+                          <a:spcPts val="0"/>
+                        </a:spcAft>
+                        <a:buClrTx/>
+                        <a:buSzTx/>
+                        <a:buFontTx/>
+                        <a:buNone/>
+                        <a:tabLst/>
+                        <a:defRPr/>
+                      </a:pPr>
+                      <a:r>
+                        <a:rPr lang="it-IT" sz="1000" b="0" i="0" kern="1200" dirty="0" smtClean="0">
+                          <a:solidFill>
+                            <a:schemeClr val="dk1"/>
+                          </a:solidFill>
+                          <a:effectLst/>
+                          <a:latin typeface="+mn-lt"/>
+                          <a:ea typeface="+mn-ea"/>
+                          <a:cs typeface="+mn-cs"/>
+                        </a:rPr>
+                        <a:t>3208.96</a:t>
+                      </a:r>
+                    </a:p>
+                  </a:txBody>
+                  <a:tcPr marL="77417" marR="77417" marT="38709" marB="38709">
+                    <a:solidFill>
+                      <a:srgbClr val="E5E5E5"/>
+                    </a:solidFill>
+                  </a:tcPr>
+                </a:tc>
+                <a:tc>
+                  <a:txBody>
+                    <a:bodyPr/>
+                    <a:lstStyle/>
+                    <a:p>
+                      <a:pPr marL="0" marR="0" indent="0" algn="ctr" defTabSz="914400" rtl="0" eaLnBrk="1" fontAlgn="auto" latinLnBrk="0" hangingPunct="1">
+                        <a:lnSpc>
+                          <a:spcPct val="100000"/>
+                        </a:lnSpc>
+                        <a:spcBef>
+                          <a:spcPts val="0"/>
+                        </a:spcBef>
+                        <a:spcAft>
+                          <a:spcPts val="0"/>
+                        </a:spcAft>
+                        <a:buClrTx/>
+                        <a:buSzTx/>
+                        <a:buFontTx/>
+                        <a:buNone/>
+                        <a:tabLst/>
+                        <a:defRPr/>
+                      </a:pPr>
+                      <a:r>
+                        <a:rPr lang="it-IT" sz="1000" b="0" i="0" kern="1200" dirty="0" smtClean="0">
+                          <a:solidFill>
+                            <a:schemeClr val="dk1"/>
+                          </a:solidFill>
+                          <a:effectLst/>
+                          <a:latin typeface="+mn-lt"/>
+                          <a:ea typeface="+mn-ea"/>
+                          <a:cs typeface="+mn-cs"/>
+                        </a:rPr>
+                        <a:t>3118.06</a:t>
+                      </a:r>
+                    </a:p>
+                  </a:txBody>
+                  <a:tcPr marL="77417" marR="77417" marT="38709" marB="38709"/>
+                </a:tc>
+                <a:tc>
+                  <a:txBody>
+                    <a:bodyPr/>
+                    <a:lstStyle/>
+                    <a:p>
+                      <a:pPr marL="0" marR="0" indent="0" algn="ctr" defTabSz="914400" rtl="0" eaLnBrk="1" fontAlgn="auto" latinLnBrk="0" hangingPunct="1">
+                        <a:lnSpc>
+                          <a:spcPct val="100000"/>
+                        </a:lnSpc>
+                        <a:spcBef>
+                          <a:spcPts val="0"/>
+                        </a:spcBef>
+                        <a:spcAft>
+                          <a:spcPts val="0"/>
+                        </a:spcAft>
+                        <a:buClrTx/>
+                        <a:buSzTx/>
+                        <a:buFontTx/>
+                        <a:buNone/>
+                        <a:tabLst/>
+                        <a:defRPr/>
+                      </a:pPr>
+                      <a:r>
+                        <a:rPr lang="it-IT" sz="1000" b="0" i="0" kern="1200" dirty="0" smtClean="0">
+                          <a:solidFill>
+                            <a:schemeClr val="dk1"/>
+                          </a:solidFill>
+                          <a:effectLst/>
+                          <a:latin typeface="+mn-lt"/>
+                          <a:ea typeface="+mn-ea"/>
+                          <a:cs typeface="+mn-cs"/>
+                        </a:rPr>
+                        <a:t>3122.98</a:t>
+                      </a:r>
+                    </a:p>
+                  </a:txBody>
+                  <a:tcPr marL="77417" marR="77417" marT="38709" marB="38709"/>
+                </a:tc>
+                <a:extLst>
+                  <a:ext uri="{0D108BD9-81ED-4DB2-BD59-A6C34878D82A}">
+                    <a16:rowId xmlns:a16="http://schemas.microsoft.com/office/drawing/2014/main" val="556880110"/>
+                  </a:ext>
+                </a:extLst>
+              </a:tr>
+              <a:tr h="370777">
+                <a:tc>
+                  <a:txBody>
+                    <a:bodyPr/>
+                    <a:lstStyle/>
+                    <a:p>
+                      <a:pPr algn="ctr"/>
+                      <a:r>
+                        <a:rPr lang="it-IT" sz="1200" b="1" i="1" dirty="0" smtClean="0"/>
+                        <a:t>15</a:t>
+                      </a:r>
+                      <a:endParaRPr lang="it-IT" sz="1200" b="1" i="1" dirty="0"/>
+                    </a:p>
+                  </a:txBody>
+                  <a:tcPr marL="77417" marR="77417" marT="38709" marB="38709"/>
+                </a:tc>
+                <a:tc>
+                  <a:txBody>
+                    <a:bodyPr/>
+                    <a:lstStyle/>
+                    <a:p>
+                      <a:pPr marL="0" marR="0" indent="0" algn="ctr" defTabSz="914400" rtl="0" eaLnBrk="1" fontAlgn="auto" latinLnBrk="0" hangingPunct="1">
+                        <a:lnSpc>
+                          <a:spcPct val="100000"/>
+                        </a:lnSpc>
+                        <a:spcBef>
+                          <a:spcPts val="0"/>
+                        </a:spcBef>
+                        <a:spcAft>
+                          <a:spcPts val="0"/>
+                        </a:spcAft>
+                        <a:buClrTx/>
+                        <a:buSzTx/>
+                        <a:buFontTx/>
+                        <a:buNone/>
+                        <a:tabLst/>
+                        <a:defRPr/>
+                      </a:pPr>
+                      <a:r>
+                        <a:rPr lang="it-IT" sz="1000" b="0" i="0" kern="1200" dirty="0" smtClean="0">
+                          <a:solidFill>
+                            <a:schemeClr val="dk1"/>
+                          </a:solidFill>
+                          <a:effectLst/>
+                          <a:latin typeface="+mn-lt"/>
+                          <a:ea typeface="+mn-ea"/>
+                          <a:cs typeface="+mn-cs"/>
+                        </a:rPr>
+                        <a:t>3198.02</a:t>
+                      </a:r>
+                    </a:p>
+                  </a:txBody>
+                  <a:tcPr marL="77417" marR="77417" marT="38709" marB="38709">
+                    <a:solidFill>
+                      <a:schemeClr val="bg1">
+                        <a:lumMod val="85000"/>
+                      </a:schemeClr>
+                    </a:solidFill>
+                  </a:tcPr>
+                </a:tc>
+                <a:tc>
+                  <a:txBody>
+                    <a:bodyPr/>
+                    <a:lstStyle/>
+                    <a:p>
+                      <a:pPr marL="0" marR="0" indent="0" algn="ctr" defTabSz="914400" rtl="0" eaLnBrk="1" fontAlgn="auto" latinLnBrk="0" hangingPunct="1">
+                        <a:lnSpc>
+                          <a:spcPct val="100000"/>
+                        </a:lnSpc>
+                        <a:spcBef>
+                          <a:spcPts val="0"/>
+                        </a:spcBef>
+                        <a:spcAft>
+                          <a:spcPts val="0"/>
+                        </a:spcAft>
+                        <a:buClrTx/>
+                        <a:buSzTx/>
+                        <a:buFontTx/>
+                        <a:buNone/>
+                        <a:tabLst/>
+                        <a:defRPr/>
+                      </a:pPr>
+                      <a:r>
+                        <a:rPr lang="it-IT" sz="1000" b="0" i="0" kern="1200" dirty="0" smtClean="0">
+                          <a:solidFill>
+                            <a:schemeClr val="dk1"/>
+                          </a:solidFill>
+                          <a:effectLst/>
+                          <a:latin typeface="+mn-lt"/>
+                          <a:ea typeface="+mn-ea"/>
+                          <a:cs typeface="+mn-cs"/>
+                        </a:rPr>
+                        <a:t>3119.14</a:t>
+                      </a:r>
+                    </a:p>
+                  </a:txBody>
+                  <a:tcPr marL="77417" marR="77417" marT="38709" marB="38709">
+                    <a:noFill/>
+                  </a:tcPr>
+                </a:tc>
+                <a:tc>
+                  <a:txBody>
+                    <a:bodyPr/>
+                    <a:lstStyle/>
+                    <a:p>
+                      <a:pPr marL="0" marR="0" indent="0" algn="ctr" defTabSz="914400" rtl="0" eaLnBrk="1" fontAlgn="auto" latinLnBrk="0" hangingPunct="1">
+                        <a:lnSpc>
+                          <a:spcPct val="100000"/>
+                        </a:lnSpc>
+                        <a:spcBef>
+                          <a:spcPts val="0"/>
+                        </a:spcBef>
+                        <a:spcAft>
+                          <a:spcPts val="0"/>
+                        </a:spcAft>
+                        <a:buClrTx/>
+                        <a:buSzTx/>
+                        <a:buFontTx/>
+                        <a:buNone/>
+                        <a:tabLst/>
+                        <a:defRPr/>
+                      </a:pPr>
+                      <a:r>
+                        <a:rPr lang="it-IT" sz="1000" b="0" i="0" kern="1200" dirty="0" smtClean="0">
+                          <a:solidFill>
+                            <a:schemeClr val="dk1"/>
+                          </a:solidFill>
+                          <a:effectLst/>
+                          <a:latin typeface="+mn-lt"/>
+                          <a:ea typeface="+mn-ea"/>
+                          <a:cs typeface="+mn-cs"/>
+                        </a:rPr>
+                        <a:t>3125.35</a:t>
+                      </a:r>
+                    </a:p>
+                    <a:p>
+                      <a:pPr algn="ctr"/>
+                      <a:endParaRPr lang="it-IT" sz="1000" dirty="0"/>
+                    </a:p>
+                  </a:txBody>
+                  <a:tcPr marL="77417" marR="77417" marT="38709" marB="38709">
+                    <a:noFill/>
+                  </a:tcPr>
+                </a:tc>
+                <a:tc>
+                  <a:txBody>
+                    <a:bodyPr/>
+                    <a:lstStyle/>
+                    <a:p>
+                      <a:pPr marL="0" marR="0" indent="0" algn="ctr" defTabSz="914400" rtl="0" eaLnBrk="1" fontAlgn="auto" latinLnBrk="0" hangingPunct="1">
+                        <a:lnSpc>
+                          <a:spcPct val="100000"/>
+                        </a:lnSpc>
+                        <a:spcBef>
+                          <a:spcPts val="0"/>
+                        </a:spcBef>
+                        <a:spcAft>
+                          <a:spcPts val="0"/>
+                        </a:spcAft>
+                        <a:buClrTx/>
+                        <a:buSzTx/>
+                        <a:buFontTx/>
+                        <a:buNone/>
+                        <a:tabLst/>
+                        <a:defRPr/>
+                      </a:pPr>
+                      <a:r>
+                        <a:rPr lang="it-IT" sz="1000" b="0" i="0" kern="1200" dirty="0" smtClean="0">
+                          <a:solidFill>
+                            <a:schemeClr val="dk1"/>
+                          </a:solidFill>
+                          <a:effectLst/>
+                          <a:latin typeface="+mn-lt"/>
+                          <a:ea typeface="+mn-ea"/>
+                          <a:cs typeface="+mn-cs"/>
+                        </a:rPr>
+                        <a:t>3118.65</a:t>
+                      </a:r>
+                    </a:p>
+                  </a:txBody>
+                  <a:tcPr marL="77417" marR="77417" marT="38709" marB="38709">
+                    <a:solidFill>
+                      <a:srgbClr val="FFFF00"/>
+                    </a:solidFill>
+                  </a:tcPr>
+                </a:tc>
+                <a:extLst>
+                  <a:ext uri="{0D108BD9-81ED-4DB2-BD59-A6C34878D82A}">
+                    <a16:rowId xmlns:a16="http://schemas.microsoft.com/office/drawing/2014/main" val="3068703127"/>
+                  </a:ext>
+                </a:extLst>
+              </a:tr>
+            </a:tbl>
+          </a:graphicData>
+        </a:graphic>
+      </p:graphicFrame>
+      <p:sp>
+        <p:nvSpPr>
+          <p:cNvPr id="5" name="CasellaDiTesto 4"/>
+          <p:cNvSpPr txBox="1"/>
+          <p:nvPr/>
+        </p:nvSpPr>
+        <p:spPr>
+          <a:xfrm>
+            <a:off x="7369891" y="2393597"/>
+            <a:ext cx="4341945" cy="1600438"/>
+          </a:xfrm>
+          <a:prstGeom prst="rect">
+            <a:avLst/>
+          </a:prstGeom>
+          <a:noFill/>
+        </p:spPr>
+        <p:txBody>
+          <a:bodyPr wrap="square" rtlCol="0">
+            <a:spAutoFit/>
+          </a:bodyPr>
+          <a:lstStyle/>
+          <a:p>
+            <a:pPr algn="just"/>
+            <a:r>
+              <a:rPr lang="it-IT" sz="1400" dirty="0" smtClean="0"/>
+              <a:t>Le seguenti tabelle sono state costruite modificando i parametri:</a:t>
+            </a:r>
+          </a:p>
+          <a:p>
+            <a:pPr marL="285750" indent="-285750" algn="just">
+              <a:buFont typeface="Arial" panose="020B0604020202020204" pitchFamily="34" charset="0"/>
+              <a:buChar char="•"/>
+            </a:pPr>
+            <a:r>
+              <a:rPr lang="it-IT" sz="1400" i="1" u="sng" dirty="0" smtClean="0"/>
+              <a:t>Dimensione del crossover </a:t>
+            </a:r>
+            <a:r>
+              <a:rPr lang="it-IT" sz="1400" dirty="0" smtClean="0"/>
+              <a:t>(numero di nodi massimi per il crossover)</a:t>
+            </a:r>
+          </a:p>
+          <a:p>
+            <a:pPr marL="285750" indent="-285750" algn="just">
+              <a:buFont typeface="Arial" panose="020B0604020202020204" pitchFamily="34" charset="0"/>
+              <a:buChar char="•"/>
+            </a:pPr>
+            <a:r>
+              <a:rPr lang="it-IT" sz="1400" i="1" u="sng" dirty="0" smtClean="0"/>
+              <a:t>Dimensione della mutazione </a:t>
+            </a:r>
+            <a:r>
+              <a:rPr lang="it-IT" sz="1400" dirty="0" smtClean="0"/>
+              <a:t>(numero di «swap» da effettuare in caso di mutazione</a:t>
+            </a:r>
+          </a:p>
+          <a:p>
+            <a:pPr marL="285750" indent="-285750" algn="just">
+              <a:buFont typeface="Arial" panose="020B0604020202020204" pitchFamily="34" charset="0"/>
+              <a:buChar char="•"/>
+            </a:pPr>
+            <a:r>
+              <a:rPr lang="it-IT" sz="1400" i="1" u="sng" dirty="0" smtClean="0"/>
+              <a:t>Probabilità di mutazione</a:t>
+            </a:r>
+            <a:endParaRPr lang="it-IT" sz="1400" i="1" u="sng" dirty="0"/>
+          </a:p>
+        </p:txBody>
+      </p:sp>
+      <p:sp>
+        <p:nvSpPr>
+          <p:cNvPr id="7" name="CasellaDiTesto 6"/>
+          <p:cNvSpPr txBox="1"/>
+          <p:nvPr/>
+        </p:nvSpPr>
+        <p:spPr>
+          <a:xfrm>
+            <a:off x="7369891" y="4030594"/>
+            <a:ext cx="4519375" cy="2031325"/>
+          </a:xfrm>
+          <a:prstGeom prst="rect">
+            <a:avLst/>
+          </a:prstGeom>
+          <a:noFill/>
+        </p:spPr>
+        <p:txBody>
+          <a:bodyPr wrap="square" rtlCol="0">
+            <a:spAutoFit/>
+          </a:bodyPr>
+          <a:lstStyle/>
+          <a:p>
+            <a:pPr algn="just"/>
+            <a:r>
+              <a:rPr lang="it-IT" sz="1400" dirty="0" smtClean="0"/>
+              <a:t>I test sono stati effettuati considerando la stessa popolazione iniziale per ogni tabella.</a:t>
+            </a:r>
+          </a:p>
+          <a:p>
+            <a:pPr algn="just"/>
+            <a:r>
+              <a:rPr lang="it-IT" sz="1400" dirty="0" smtClean="0"/>
+              <a:t>La popolazione iniziale (calcolata con MDPDF) ha l’individuo migliore con valore di funzione obiettivo: </a:t>
+            </a:r>
+          </a:p>
+          <a:p>
+            <a:pPr algn="ctr"/>
+            <a:r>
+              <a:rPr lang="it-IT" sz="1400" b="1" i="1" dirty="0" smtClean="0"/>
+              <a:t>3516.95</a:t>
+            </a:r>
+          </a:p>
+          <a:p>
+            <a:pPr algn="just"/>
+            <a:endParaRPr lang="it-IT" sz="1400" dirty="0"/>
+          </a:p>
+          <a:p>
+            <a:pPr algn="just"/>
+            <a:r>
+              <a:rPr lang="it-IT" sz="1400" dirty="0" smtClean="0"/>
+              <a:t>Ogni elemento della tabella è stato calcolato 3 volte ed è stato preso il risultato migliore.</a:t>
+            </a:r>
+          </a:p>
+          <a:p>
+            <a:pPr algn="just"/>
+            <a:endParaRPr lang="it-IT" sz="1400" dirty="0" smtClean="0"/>
+          </a:p>
+        </p:txBody>
+      </p:sp>
+    </p:spTree>
+    <p:extLst>
+      <p:ext uri="{BB962C8B-B14F-4D97-AF65-F5344CB8AC3E}">
+        <p14:creationId xmlns:p14="http://schemas.microsoft.com/office/powerpoint/2010/main" val="1151389572"/>
       </p:ext>
     </p:extLst>
   </p:cSld>
@@ -34351,7 +38945,7 @@
                 <a16:creationId xmlns:a16="http://schemas.microsoft.com/office/drawing/2014/main" id="{4038CB10-1F5C-4D54-9DF7-12586DE5B007}"/>
               </a:ext>
               <a:ext uri="{C183D7F6-B498-43B3-948B-1728B52AA6E4}">
-                <adec:decorative xmlns:adec="http://schemas.microsoft.com/office/drawing/2017/decorative" val="1"/>
+                <adec:decorative xmlns:adec="http://schemas.microsoft.com/office/drawing/2017/decorative" xmlns="" val="1"/>
               </a:ext>
             </a:extLst>
           </p:cNvPr>
@@ -34538,7 +39132,7 @@
                 <a16:creationId xmlns:a16="http://schemas.microsoft.com/office/drawing/2014/main" id="{36D30126-6314-4A93-B27E-5C66CF781924}"/>
               </a:ext>
               <a:ext uri="{C183D7F6-B498-43B3-948B-1728B52AA6E4}">
-                <adec:decorative xmlns:adec="http://schemas.microsoft.com/office/drawing/2017/decorative" val="1"/>
+                <adec:decorative xmlns:adec="http://schemas.microsoft.com/office/drawing/2017/decorative" xmlns="" val="1"/>
               </a:ext>
             </a:extLst>
           </p:cNvPr>
@@ -34633,7 +39227,7 @@
                 <a16:creationId xmlns:a16="http://schemas.microsoft.com/office/drawing/2014/main" id="{73ED6512-6858-4552-B699-9A97FE9A4EA2}"/>
               </a:ext>
               <a:ext uri="{C183D7F6-B498-43B3-948B-1728B52AA6E4}">
-                <adec:decorative xmlns:adec="http://schemas.microsoft.com/office/drawing/2017/decorative" val="1"/>
+                <adec:decorative xmlns:adec="http://schemas.microsoft.com/office/drawing/2017/decorative" xmlns="" val="1"/>
               </a:ext>
             </a:extLst>
           </p:cNvPr>
@@ -35012,7 +39606,7 @@
                 <a16:creationId xmlns:a16="http://schemas.microsoft.com/office/drawing/2014/main" id="{4038CB10-1F5C-4D54-9DF7-12586DE5B007}"/>
               </a:ext>
               <a:ext uri="{C183D7F6-B498-43B3-948B-1728B52AA6E4}">
-                <adec:decorative xmlns:adec="http://schemas.microsoft.com/office/drawing/2017/decorative" val="1"/>
+                <adec:decorative xmlns:adec="http://schemas.microsoft.com/office/drawing/2017/decorative" xmlns="" val="1"/>
               </a:ext>
             </a:extLst>
           </p:cNvPr>
@@ -35148,7 +39742,7 @@
                 <a16:creationId xmlns:a16="http://schemas.microsoft.com/office/drawing/2014/main" id="{36D30126-6314-4A93-B27E-5C66CF781924}"/>
               </a:ext>
               <a:ext uri="{C183D7F6-B498-43B3-948B-1728B52AA6E4}">
-                <adec:decorative xmlns:adec="http://schemas.microsoft.com/office/drawing/2017/decorative" val="1"/>
+                <adec:decorative xmlns:adec="http://schemas.microsoft.com/office/drawing/2017/decorative" xmlns="" val="1"/>
               </a:ext>
             </a:extLst>
           </p:cNvPr>
@@ -35213,7 +39807,7 @@
                 <a16:creationId xmlns:a16="http://schemas.microsoft.com/office/drawing/2014/main" id="{73ED6512-6858-4552-B699-9A97FE9A4EA2}"/>
               </a:ext>
               <a:ext uri="{C183D7F6-B498-43B3-948B-1728B52AA6E4}">
-                <adec:decorative xmlns:adec="http://schemas.microsoft.com/office/drawing/2017/decorative" val="1"/>
+                <adec:decorative xmlns:adec="http://schemas.microsoft.com/office/drawing/2017/decorative" xmlns="" val="1"/>
               </a:ext>
             </a:extLst>
           </p:cNvPr>
@@ -38275,7 +42869,7 @@
                 <a16:creationId xmlns:a16="http://schemas.microsoft.com/office/drawing/2014/main" id="{4038CB10-1F5C-4D54-9DF7-12586DE5B007}"/>
               </a:ext>
               <a:ext uri="{C183D7F6-B498-43B3-948B-1728B52AA6E4}">
-                <adec:decorative xmlns:adec="http://schemas.microsoft.com/office/drawing/2017/decorative" val="1"/>
+                <adec:decorative xmlns:adec="http://schemas.microsoft.com/office/drawing/2017/decorative" xmlns="" val="1"/>
               </a:ext>
             </a:extLst>
           </p:cNvPr>
@@ -38412,7 +43006,7 @@
                 <a16:creationId xmlns:a16="http://schemas.microsoft.com/office/drawing/2014/main" id="{36D30126-6314-4A93-B27E-5C66CF781924}"/>
               </a:ext>
               <a:ext uri="{C183D7F6-B498-43B3-948B-1728B52AA6E4}">
-                <adec:decorative xmlns:adec="http://schemas.microsoft.com/office/drawing/2017/decorative" val="1"/>
+                <adec:decorative xmlns:adec="http://schemas.microsoft.com/office/drawing/2017/decorative" xmlns="" val="1"/>
               </a:ext>
             </a:extLst>
           </p:cNvPr>
@@ -38477,7 +43071,7 @@
                 <a16:creationId xmlns:a16="http://schemas.microsoft.com/office/drawing/2014/main" id="{73ED6512-6858-4552-B699-9A97FE9A4EA2}"/>
               </a:ext>
               <a:ext uri="{C183D7F6-B498-43B3-948B-1728B52AA6E4}">
-                <adec:decorative xmlns:adec="http://schemas.microsoft.com/office/drawing/2017/decorative" val="1"/>
+                <adec:decorative xmlns:adec="http://schemas.microsoft.com/office/drawing/2017/decorative" xmlns="" val="1"/>
               </a:ext>
             </a:extLst>
           </p:cNvPr>
@@ -38759,7 +43353,7 @@
                 <a16:creationId xmlns:a16="http://schemas.microsoft.com/office/drawing/2014/main" id="{4038CB10-1F5C-4D54-9DF7-12586DE5B007}"/>
               </a:ext>
               <a:ext uri="{C183D7F6-B498-43B3-948B-1728B52AA6E4}">
-                <adec:decorative xmlns:adec="http://schemas.microsoft.com/office/drawing/2017/decorative" val="1"/>
+                <adec:decorative xmlns:adec="http://schemas.microsoft.com/office/drawing/2017/decorative" xmlns="" val="1"/>
               </a:ext>
             </a:extLst>
           </p:cNvPr>
@@ -38904,7 +43498,7 @@
                 <a16:creationId xmlns:a16="http://schemas.microsoft.com/office/drawing/2014/main" id="{36D30126-6314-4A93-B27E-5C66CF781924}"/>
               </a:ext>
               <a:ext uri="{C183D7F6-B498-43B3-948B-1728B52AA6E4}">
-                <adec:decorative xmlns:adec="http://schemas.microsoft.com/office/drawing/2017/decorative" val="1"/>
+                <adec:decorative xmlns:adec="http://schemas.microsoft.com/office/drawing/2017/decorative" xmlns="" val="1"/>
               </a:ext>
             </a:extLst>
           </p:cNvPr>
@@ -38969,7 +43563,7 @@
                 <a16:creationId xmlns:a16="http://schemas.microsoft.com/office/drawing/2014/main" id="{73ED6512-6858-4552-B699-9A97FE9A4EA2}"/>
               </a:ext>
               <a:ext uri="{C183D7F6-B498-43B3-948B-1728B52AA6E4}">
-                <adec:decorative xmlns:adec="http://schemas.microsoft.com/office/drawing/2017/decorative" val="1"/>
+                <adec:decorative xmlns:adec="http://schemas.microsoft.com/office/drawing/2017/decorative" xmlns="" val="1"/>
               </a:ext>
             </a:extLst>
           </p:cNvPr>
@@ -39423,7 +44017,7 @@
                 <a16:creationId xmlns:a16="http://schemas.microsoft.com/office/drawing/2014/main" id="{4038CB10-1F5C-4D54-9DF7-12586DE5B007}"/>
               </a:ext>
               <a:ext uri="{C183D7F6-B498-43B3-948B-1728B52AA6E4}">
-                <adec:decorative xmlns:adec="http://schemas.microsoft.com/office/drawing/2017/decorative" val="1"/>
+                <adec:decorative xmlns:adec="http://schemas.microsoft.com/office/drawing/2017/decorative" xmlns="" val="1"/>
               </a:ext>
             </a:extLst>
           </p:cNvPr>
@@ -39560,7 +44154,7 @@
                 <a16:creationId xmlns:a16="http://schemas.microsoft.com/office/drawing/2014/main" id="{36D30126-6314-4A93-B27E-5C66CF781924}"/>
               </a:ext>
               <a:ext uri="{C183D7F6-B498-43B3-948B-1728B52AA6E4}">
-                <adec:decorative xmlns:adec="http://schemas.microsoft.com/office/drawing/2017/decorative" val="1"/>
+                <adec:decorative xmlns:adec="http://schemas.microsoft.com/office/drawing/2017/decorative" xmlns="" val="1"/>
               </a:ext>
             </a:extLst>
           </p:cNvPr>
@@ -39625,7 +44219,7 @@
                 <a16:creationId xmlns:a16="http://schemas.microsoft.com/office/drawing/2014/main" id="{73ED6512-6858-4552-B699-9A97FE9A4EA2}"/>
               </a:ext>
               <a:ext uri="{C183D7F6-B498-43B3-948B-1728B52AA6E4}">
-                <adec:decorative xmlns:adec="http://schemas.microsoft.com/office/drawing/2017/decorative" val="1"/>
+                <adec:decorative xmlns:adec="http://schemas.microsoft.com/office/drawing/2017/decorative" xmlns="" val="1"/>
               </a:ext>
             </a:extLst>
           </p:cNvPr>
@@ -40251,7 +44845,7 @@
                 <a16:creationId xmlns:a16="http://schemas.microsoft.com/office/drawing/2014/main" id="{4038CB10-1F5C-4D54-9DF7-12586DE5B007}"/>
               </a:ext>
               <a:ext uri="{C183D7F6-B498-43B3-948B-1728B52AA6E4}">
-                <adec:decorative xmlns:adec="http://schemas.microsoft.com/office/drawing/2017/decorative" val="1"/>
+                <adec:decorative xmlns:adec="http://schemas.microsoft.com/office/drawing/2017/decorative" xmlns="" val="1"/>
               </a:ext>
             </a:extLst>
           </p:cNvPr>
@@ -40391,7 +44985,7 @@
                 <a16:creationId xmlns:a16="http://schemas.microsoft.com/office/drawing/2014/main" id="{36D30126-6314-4A93-B27E-5C66CF781924}"/>
               </a:ext>
               <a:ext uri="{C183D7F6-B498-43B3-948B-1728B52AA6E4}">
-                <adec:decorative xmlns:adec="http://schemas.microsoft.com/office/drawing/2017/decorative" val="1"/>
+                <adec:decorative xmlns:adec="http://schemas.microsoft.com/office/drawing/2017/decorative" xmlns="" val="1"/>
               </a:ext>
             </a:extLst>
           </p:cNvPr>
@@ -40456,7 +45050,7 @@
                 <a16:creationId xmlns:a16="http://schemas.microsoft.com/office/drawing/2014/main" id="{73ED6512-6858-4552-B699-9A97FE9A4EA2}"/>
               </a:ext>
               <a:ext uri="{C183D7F6-B498-43B3-948B-1728B52AA6E4}">
-                <adec:decorative xmlns:adec="http://schemas.microsoft.com/office/drawing/2017/decorative" val="1"/>
+                <adec:decorative xmlns:adec="http://schemas.microsoft.com/office/drawing/2017/decorative" xmlns="" val="1"/>
               </a:ext>
             </a:extLst>
           </p:cNvPr>
@@ -41105,7 +45699,7 @@
                 <a16:creationId xmlns:a16="http://schemas.microsoft.com/office/drawing/2014/main" id="{73ED6512-6858-4552-B699-9A97FE9A4EA2}"/>
               </a:ext>
               <a:ext uri="{C183D7F6-B498-43B3-948B-1728B52AA6E4}">
-                <adec:decorative xmlns:adec="http://schemas.microsoft.com/office/drawing/2017/decorative" val="1"/>
+                <adec:decorative xmlns:adec="http://schemas.microsoft.com/office/drawing/2017/decorative" xmlns="" val="1"/>
               </a:ext>
             </a:extLst>
           </p:cNvPr>
